--- a/MAHADHARSHINI TNSDC PPT.pptx
+++ b/MAHADHARSHINI TNSDC PPT.pptx
@@ -1,33 +1,33 @@
 
 <file path=ppt/presentation.xml><?xml version="1.0" encoding="utf-8"?>
-<p:presentation xmlns:a="http://schemas.openxmlformats.org/drawingml/2006/main" xmlns:r="http://schemas.openxmlformats.org/officeDocument/2006/relationships" xmlns:p="http://schemas.openxmlformats.org/presentationml/2006/main">
+<p:presentation xmlns:p="http://schemas.openxmlformats.org/presentationml/2006/main" xmlns:r="http://schemas.openxmlformats.org/officeDocument/2006/relationships" xmlns:a="http://schemas.openxmlformats.org/drawingml/2006/main">
   <p:sldMasterIdLst>
     <p:sldMasterId id="2147483648" r:id="rId1"/>
   </p:sldMasterIdLst>
   <p:notesMasterIdLst>
-    <p:notesMasterId r:id="rId14"/>
+    <p:notesMasterId r:id="rId2"/>
   </p:notesMasterIdLst>
   <p:sldIdLst>
-    <p:sldId id="256" r:id="rId2"/>
     <p:sldId id="257" r:id="rId3"/>
     <p:sldId id="258" r:id="rId4"/>
     <p:sldId id="259" r:id="rId5"/>
     <p:sldId id="260" r:id="rId6"/>
     <p:sldId id="261" r:id="rId7"/>
     <p:sldId id="262" r:id="rId8"/>
-    <p:sldId id="269" r:id="rId9"/>
-    <p:sldId id="263" r:id="rId10"/>
-    <p:sldId id="264" r:id="rId11"/>
-    <p:sldId id="265" r:id="rId12"/>
-    <p:sldId id="268" r:id="rId13"/>
+    <p:sldId id="263" r:id="rId9"/>
+    <p:sldId id="264" r:id="rId10"/>
+    <p:sldId id="265" r:id="rId11"/>
+    <p:sldId id="266" r:id="rId12"/>
+    <p:sldId id="267" r:id="rId13"/>
+    <p:sldId id="268" r:id="rId14"/>
   </p:sldIdLst>
-  <p:sldSz cx="12192000" cy="6858000"/>
+  <p:sldSz type="screen16x9" cy="6858000" cx="12192000"/>
   <p:notesSz cx="12192000" cy="6858000"/>
   <p:defaultTextStyle>
     <a:defPPr>
       <a:defRPr lang="en-US"/>
     </a:defPPr>
-    <a:lvl1pPr marL="0" algn="l" defTabSz="914400" rtl="0" eaLnBrk="1" latinLnBrk="0" hangingPunct="1">
+    <a:lvl1pPr algn="l" defTabSz="914400" eaLnBrk="1" hangingPunct="1" latinLnBrk="0" marL="0" rtl="0">
       <a:defRPr sz="1800" kern="1200">
         <a:solidFill>
           <a:schemeClr val="tx1"/>
@@ -37,7 +37,7 @@
         <a:cs typeface="+mn-cs"/>
       </a:defRPr>
     </a:lvl1pPr>
-    <a:lvl2pPr marL="457200" algn="l" defTabSz="914400" rtl="0" eaLnBrk="1" latinLnBrk="0" hangingPunct="1">
+    <a:lvl2pPr algn="l" defTabSz="914400" eaLnBrk="1" hangingPunct="1" latinLnBrk="0" marL="457200" rtl="0">
       <a:defRPr sz="1800" kern="1200">
         <a:solidFill>
           <a:schemeClr val="tx1"/>
@@ -47,7 +47,7 @@
         <a:cs typeface="+mn-cs"/>
       </a:defRPr>
     </a:lvl2pPr>
-    <a:lvl3pPr marL="914400" algn="l" defTabSz="914400" rtl="0" eaLnBrk="1" latinLnBrk="0" hangingPunct="1">
+    <a:lvl3pPr algn="l" defTabSz="914400" eaLnBrk="1" hangingPunct="1" latinLnBrk="0" marL="914400" rtl="0">
       <a:defRPr sz="1800" kern="1200">
         <a:solidFill>
           <a:schemeClr val="tx1"/>
@@ -57,7 +57,7 @@
         <a:cs typeface="+mn-cs"/>
       </a:defRPr>
     </a:lvl3pPr>
-    <a:lvl4pPr marL="1371600" algn="l" defTabSz="914400" rtl="0" eaLnBrk="1" latinLnBrk="0" hangingPunct="1">
+    <a:lvl4pPr algn="l" defTabSz="914400" eaLnBrk="1" hangingPunct="1" latinLnBrk="0" marL="1371600" rtl="0">
       <a:defRPr sz="1800" kern="1200">
         <a:solidFill>
           <a:schemeClr val="tx1"/>
@@ -67,7 +67,7 @@
         <a:cs typeface="+mn-cs"/>
       </a:defRPr>
     </a:lvl4pPr>
-    <a:lvl5pPr marL="1828800" algn="l" defTabSz="914400" rtl="0" eaLnBrk="1" latinLnBrk="0" hangingPunct="1">
+    <a:lvl5pPr algn="l" defTabSz="914400" eaLnBrk="1" hangingPunct="1" latinLnBrk="0" marL="1828800" rtl="0">
       <a:defRPr sz="1800" kern="1200">
         <a:solidFill>
           <a:schemeClr val="tx1"/>
@@ -77,7 +77,7 @@
         <a:cs typeface="+mn-cs"/>
       </a:defRPr>
     </a:lvl5pPr>
-    <a:lvl6pPr marL="2286000" algn="l" defTabSz="914400" rtl="0" eaLnBrk="1" latinLnBrk="0" hangingPunct="1">
+    <a:lvl6pPr algn="l" defTabSz="914400" eaLnBrk="1" hangingPunct="1" latinLnBrk="0" marL="2286000" rtl="0">
       <a:defRPr sz="1800" kern="1200">
         <a:solidFill>
           <a:schemeClr val="tx1"/>
@@ -87,7 +87,7 @@
         <a:cs typeface="+mn-cs"/>
       </a:defRPr>
     </a:lvl6pPr>
-    <a:lvl7pPr marL="2743200" algn="l" defTabSz="914400" rtl="0" eaLnBrk="1" latinLnBrk="0" hangingPunct="1">
+    <a:lvl7pPr algn="l" defTabSz="914400" eaLnBrk="1" hangingPunct="1" latinLnBrk="0" marL="2743200" rtl="0">
       <a:defRPr sz="1800" kern="1200">
         <a:solidFill>
           <a:schemeClr val="tx1"/>
@@ -97,7 +97,7 @@
         <a:cs typeface="+mn-cs"/>
       </a:defRPr>
     </a:lvl7pPr>
-    <a:lvl8pPr marL="3200400" algn="l" defTabSz="914400" rtl="0" eaLnBrk="1" latinLnBrk="0" hangingPunct="1">
+    <a:lvl8pPr algn="l" defTabSz="914400" eaLnBrk="1" hangingPunct="1" latinLnBrk="0" marL="3200400" rtl="0">
       <a:defRPr sz="1800" kern="1200">
         <a:solidFill>
           <a:schemeClr val="tx1"/>
@@ -107,7 +107,7 @@
         <a:cs typeface="+mn-cs"/>
       </a:defRPr>
     </a:lvl8pPr>
-    <a:lvl9pPr marL="3657600" algn="l" defTabSz="914400" rtl="0" eaLnBrk="1" latinLnBrk="0" hangingPunct="1">
+    <a:lvl9pPr algn="l" defTabSz="914400" eaLnBrk="1" hangingPunct="1" latinLnBrk="0" marL="3657600" rtl="0">
       <a:defRPr sz="1800" kern="1200">
         <a:solidFill>
           <a:schemeClr val="tx1"/>
@@ -118,27 +118,11 @@
       </a:defRPr>
     </a:lvl9pPr>
   </p:defaultTextStyle>
-  <p:extLst>
-    <p:ext uri="{EFAFB233-063F-42B5-8137-9DF3F51BA10A}">
-      <p15:sldGuideLst xmlns:p15="http://schemas.microsoft.com/office/powerpoint/2012/main">
-        <p15:guide id="1" orient="horz" pos="2880">
-          <p15:clr>
-            <a:srgbClr val="A4A3A4"/>
-          </p15:clr>
-        </p15:guide>
-        <p15:guide id="2" pos="2160">
-          <p15:clr>
-            <a:srgbClr val="A4A3A4"/>
-          </p15:clr>
-        </p15:guide>
-      </p15:sldGuideLst>
-    </p:ext>
-  </p:extLst>
 </p:presentation>
 </file>
 
 <file path=ppt/charts/chart1.xml><?xml version="1.0" encoding="utf-8"?>
-<c:chartSpace xmlns:c="http://schemas.openxmlformats.org/drawingml/2006/chart" xmlns:a="http://schemas.openxmlformats.org/drawingml/2006/main" xmlns:r="http://schemas.openxmlformats.org/officeDocument/2006/relationships" xmlns:c16r2="http://schemas.microsoft.com/office/drawing/2015/06/chart">
+<c:chartSpace xmlns:c="http://schemas.openxmlformats.org/drawingml/2006/chart" xmlns:a="http://schemas.openxmlformats.org/drawingml/2006/main" xmlns:r="http://schemas.openxmlformats.org/officeDocument/2006/relationships">
   <c:date1904 val="0"/>
   <c:lang val="en-US"/>
   <c:roundedCorners val="0"/>
@@ -1111,42 +1095,37 @@
               <c:formatCode>General</c:formatCode>
               <c:ptCount val="10"/>
               <c:pt idx="0">
-                <c:v>16</c:v>
+                <c:v>16.0</c:v>
               </c:pt>
               <c:pt idx="1">
-                <c:v>18</c:v>
+                <c:v>18.0</c:v>
               </c:pt>
               <c:pt idx="2">
-                <c:v>21</c:v>
+                <c:v>21.0</c:v>
               </c:pt>
               <c:pt idx="3">
-                <c:v>17</c:v>
+                <c:v>17.0</c:v>
               </c:pt>
               <c:pt idx="4">
-                <c:v>21</c:v>
+                <c:v>21.0</c:v>
               </c:pt>
               <c:pt idx="5">
-                <c:v>29</c:v>
+                <c:v>29.0</c:v>
               </c:pt>
               <c:pt idx="6">
-                <c:v>26</c:v>
+                <c:v>26.0</c:v>
               </c:pt>
               <c:pt idx="7">
-                <c:v>26</c:v>
+                <c:v>26.0</c:v>
               </c:pt>
               <c:pt idx="8">
-                <c:v>21</c:v>
+                <c:v>21.0</c:v>
               </c:pt>
               <c:pt idx="9">
-                <c:v>25</c:v>
+                <c:v>25.0</c:v>
               </c:pt>
             </c:numLit>
           </c:val>
-          <c:extLst>
-            <c:ext xmlns:c16="http://schemas.microsoft.com/office/drawing/2014/chart" uri="{C3380CC4-5D6E-409C-BE32-E72D297353CC}">
-              <c16:uniqueId val="{00000000-D601-43E6-B2DB-BE69B1C49F18}"/>
-            </c:ext>
-          </c:extLst>
         </c:ser>
         <c:ser>
           <c:idx val="1"/>
@@ -1218,42 +1197,37 @@
               <c:formatCode>General</c:formatCode>
               <c:ptCount val="10"/>
               <c:pt idx="0">
-                <c:v>34</c:v>
+                <c:v>34.0</c:v>
               </c:pt>
               <c:pt idx="1">
-                <c:v>47</c:v>
+                <c:v>47.0</c:v>
               </c:pt>
               <c:pt idx="2">
-                <c:v>41</c:v>
+                <c:v>41.0</c:v>
               </c:pt>
               <c:pt idx="3">
-                <c:v>39</c:v>
+                <c:v>39.0</c:v>
               </c:pt>
               <c:pt idx="4">
-                <c:v>41</c:v>
+                <c:v>41.0</c:v>
               </c:pt>
               <c:pt idx="5">
-                <c:v>33</c:v>
+                <c:v>33.0</c:v>
               </c:pt>
               <c:pt idx="6">
-                <c:v>41</c:v>
+                <c:v>41.0</c:v>
               </c:pt>
               <c:pt idx="7">
-                <c:v>43</c:v>
+                <c:v>43.0</c:v>
               </c:pt>
               <c:pt idx="8">
-                <c:v>45</c:v>
+                <c:v>45.0</c:v>
               </c:pt>
               <c:pt idx="9">
-                <c:v>34</c:v>
+                <c:v>34.0</c:v>
               </c:pt>
             </c:numLit>
           </c:val>
-          <c:extLst>
-            <c:ext xmlns:c16="http://schemas.microsoft.com/office/drawing/2014/chart" uri="{C3380CC4-5D6E-409C-BE32-E72D297353CC}">
-              <c16:uniqueId val="{00000002-D601-43E6-B2DB-BE69B1C49F18}"/>
-            </c:ext>
-          </c:extLst>
         </c:ser>
         <c:ser>
           <c:idx val="2"/>
@@ -1325,42 +1299,37 @@
               <c:formatCode>General</c:formatCode>
               <c:ptCount val="10"/>
               <c:pt idx="0">
-                <c:v>85</c:v>
+                <c:v>85.0</c:v>
               </c:pt>
               <c:pt idx="1">
-                <c:v>65</c:v>
+                <c:v>65.0</c:v>
               </c:pt>
               <c:pt idx="2">
-                <c:v>78</c:v>
+                <c:v>78.0</c:v>
               </c:pt>
               <c:pt idx="3">
-                <c:v>92</c:v>
+                <c:v>92.0</c:v>
               </c:pt>
               <c:pt idx="4">
-                <c:v>77</c:v>
+                <c:v>77.0</c:v>
               </c:pt>
               <c:pt idx="5">
-                <c:v>69</c:v>
+                <c:v>69.0</c:v>
               </c:pt>
               <c:pt idx="6">
-                <c:v>75</c:v>
+                <c:v>75.0</c:v>
               </c:pt>
               <c:pt idx="7">
-                <c:v>82</c:v>
+                <c:v>82.0</c:v>
               </c:pt>
               <c:pt idx="8">
-                <c:v>71</c:v>
+                <c:v>71.0</c:v>
               </c:pt>
               <c:pt idx="9">
-                <c:v>84</c:v>
+                <c:v>84.0</c:v>
               </c:pt>
             </c:numLit>
           </c:val>
-          <c:extLst>
-            <c:ext xmlns:c16="http://schemas.microsoft.com/office/drawing/2014/chart" uri="{C3380CC4-5D6E-409C-BE32-E72D297353CC}">
-              <c16:uniqueId val="{00000004-D601-43E6-B2DB-BE69B1C49F18}"/>
-            </c:ext>
-          </c:extLst>
         </c:ser>
         <c:ser>
           <c:idx val="3"/>
@@ -1420,42 +1389,37 @@
               <c:formatCode>General</c:formatCode>
               <c:ptCount val="10"/>
               <c:pt idx="0">
-                <c:v>15</c:v>
+                <c:v>15.0</c:v>
               </c:pt>
               <c:pt idx="1">
-                <c:v>15</c:v>
+                <c:v>15.0</c:v>
               </c:pt>
               <c:pt idx="2">
-                <c:v>14</c:v>
+                <c:v>14.0</c:v>
               </c:pt>
               <c:pt idx="3">
-                <c:v>9</c:v>
+                <c:v>9.0</c:v>
               </c:pt>
               <c:pt idx="4">
-                <c:v>15</c:v>
+                <c:v>15.0</c:v>
               </c:pt>
               <c:pt idx="5">
-                <c:v>12</c:v>
+                <c:v>12.0</c:v>
               </c:pt>
               <c:pt idx="6">
-                <c:v>15</c:v>
+                <c:v>15.0</c:v>
               </c:pt>
               <c:pt idx="7">
-                <c:v>16</c:v>
+                <c:v>16.0</c:v>
               </c:pt>
               <c:pt idx="8">
-                <c:v>13</c:v>
+                <c:v>13.0</c:v>
               </c:pt>
               <c:pt idx="9">
-                <c:v>13</c:v>
+                <c:v>13.0</c:v>
               </c:pt>
             </c:numLit>
           </c:val>
-          <c:extLst>
-            <c:ext xmlns:c16="http://schemas.microsoft.com/office/drawing/2014/chart" uri="{C3380CC4-5D6E-409C-BE32-E72D297353CC}">
-              <c16:uniqueId val="{00000005-D601-43E6-B2DB-BE69B1C49F18}"/>
-            </c:ext>
-          </c:extLst>
         </c:ser>
         <c:dLbls>
           <c:showLegendKey val="0"/>
@@ -1530,42 +1494,37 @@
                     <c:formatCode>General</c:formatCode>
                     <c:ptCount val="10"/>
                     <c:pt idx="0">
-                      <c:v>153</c:v>
+                      <c:v>153.0</c:v>
                     </c:pt>
                     <c:pt idx="1">
-                      <c:v>155</c:v>
+                      <c:v>155.0</c:v>
                     </c:pt>
                     <c:pt idx="2">
-                      <c:v>148</c:v>
+                      <c:v>148.0</c:v>
                     </c:pt>
                     <c:pt idx="3">
-                      <c:v>139</c:v>
+                      <c:v>139.0</c:v>
                     </c:pt>
                     <c:pt idx="4">
-                      <c:v>150</c:v>
+                      <c:v>150.0</c:v>
                     </c:pt>
                     <c:pt idx="5">
-                      <c:v>158</c:v>
+                      <c:v>158.0</c:v>
                     </c:pt>
                     <c:pt idx="6">
-                      <c:v>142</c:v>
+                      <c:v>142.0</c:v>
                     </c:pt>
                     <c:pt idx="7">
-                      <c:v>137</c:v>
+                      <c:v>137.0</c:v>
                     </c:pt>
                     <c:pt idx="8">
-                      <c:v>147</c:v>
+                      <c:v>147.0</c:v>
                     </c:pt>
                     <c:pt idx="9">
-                      <c:v>138</c:v>
+                      <c:v>138.0</c:v>
                     </c:pt>
                   </c:numLit>
                 </c:val>
-                <c:extLst>
-                  <c:ext xmlns:c16="http://schemas.microsoft.com/office/drawing/2014/chart" uri="{C3380CC4-5D6E-409C-BE32-E72D297353CC}">
-                    <c16:uniqueId val="{00000006-D601-43E6-B2DB-BE69B1C49F18}"/>
-                  </c:ext>
-                </c:extLst>
               </c15:ser>
             </c15:filteredBarSeries>
           </c:ext>
@@ -1829,6 +1788,7 @@
     </c:legend>
     <c:plotVisOnly val="1"/>
     <c:dispBlanksAs val="gap"/>
+    <c:showDLblsOverMax val="0"/>
     <c:extLst>
       <c:ext xmlns:c16r3="http://schemas.microsoft.com/office/drawing/2017/03/chart" uri="{56B9EC1D-385E-4148-901F-78D8002777C0}">
         <c16r3:dataDisplayOptions16>
@@ -1836,7 +1796,6 @@
         </c16r3:dataDisplayOptions16>
       </c:ext>
     </c:extLst>
-    <c:showDLblsOverMax val="0"/>
   </c:chart>
   <c:spPr>
     <a:noFill/>
@@ -1861,10 +1820,9 @@
       <a:endParaRPr lang="en-US"/>
     </a:p>
   </c:txPr>
-  <c:externalData r:id="rId3">
+  <c:externalData r:id="rId1">
     <c:autoUpdate val="0"/>
   </c:externalData>
-  <c:extLst/>
 </c:chartSpace>
 </file>
 
@@ -2001,7 +1959,7 @@
       </a:ln>
     </cs:spPr>
     <cs:defRPr sz="900" kern="1200"/>
-    <cs:bodyPr rot="0" spcFirstLastPara="1" vertOverflow="clip" horzOverflow="clip" vert="horz" wrap="square" lIns="36576" tIns="18288" rIns="36576" bIns="18288" anchor="ctr" anchorCtr="1">
+    <cs:bodyPr rot="0" spcFirstLastPara="1" vertOverflow="clip" horzOverflow="clip" vert="horz" wrap="square" lIns="36576" tIns="18288" rIns="36576" bIns="18288" anchorCtr="1">
       <a:spAutoFit/>
     </cs:bodyPr>
   </cs:dataLabelCallout>
@@ -2418,7 +2376,7 @@
     </p:bg>
     <p:spTree>
       <p:nvGrpSpPr>
-        <p:cNvPr id="1" name=""/>
+        <p:cNvPr id="46" name=""/>
         <p:cNvGrpSpPr/>
         <p:nvPr/>
       </p:nvGrpSpPr>
@@ -2432,7 +2390,7 @@
       </p:grpSpPr>
       <p:sp>
         <p:nvSpPr>
-          <p:cNvPr id="2" name="Header Placeholder 1"/>
+          <p:cNvPr id="1048705" name="Header Placeholder 1"/>
           <p:cNvSpPr>
             <a:spLocks noGrp="1"/>
           </p:cNvSpPr>
@@ -2445,12 +2403,10 @@
             <a:off x="0" y="0"/>
             <a:ext cx="5283200" cy="344488"/>
           </a:xfrm>
-          <a:prstGeom prst="rect">
-            <a:avLst/>
-          </a:prstGeom>
+          <a:prstGeom prst="rect"/>
         </p:spPr>
         <p:txBody>
-          <a:bodyPr vert="horz" lIns="91440" tIns="45720" rIns="91440" bIns="45720" rtlCol="0"/>
+          <a:bodyPr bIns="45720" lIns="91440" rIns="91440" rtlCol="0" tIns="45720" vert="horz"/>
           <a:lstStyle>
             <a:lvl1pPr algn="l">
               <a:defRPr sz="1200"/>
@@ -2463,7 +2419,7 @@
       </p:sp>
       <p:sp>
         <p:nvSpPr>
-          <p:cNvPr id="3" name="Date Placeholder 2"/>
+          <p:cNvPr id="1048706" name="Date Placeholder 2"/>
           <p:cNvSpPr>
             <a:spLocks noGrp="1"/>
           </p:cNvSpPr>
@@ -2476,12 +2432,10 @@
             <a:off x="6905625" y="0"/>
             <a:ext cx="5283200" cy="344488"/>
           </a:xfrm>
-          <a:prstGeom prst="rect">
-            <a:avLst/>
-          </a:prstGeom>
+          <a:prstGeom prst="rect"/>
         </p:spPr>
         <p:txBody>
-          <a:bodyPr vert="horz" lIns="91440" tIns="45720" rIns="91440" bIns="45720" rtlCol="0"/>
+          <a:bodyPr bIns="45720" lIns="91440" rIns="91440" rtlCol="0" tIns="45720" vert="horz"/>
           <a:lstStyle>
             <a:lvl1pPr algn="r">
               <a:defRPr sz="1200"/>
@@ -2498,9 +2452,9 @@
       </p:sp>
       <p:sp>
         <p:nvSpPr>
-          <p:cNvPr id="4" name="Slide Image Placeholder 3"/>
+          <p:cNvPr id="1048707" name="Slide Image Placeholder 3"/>
           <p:cNvSpPr>
-            <a:spLocks noGrp="1" noRot="1" noChangeAspect="1"/>
+            <a:spLocks noChangeAspect="1" noRot="1" noGrp="1"/>
           </p:cNvSpPr>
           <p:nvPr>
             <p:ph type="sldImg" idx="2"/>
@@ -2511,9 +2465,7 @@
             <a:off x="4038600" y="857250"/>
             <a:ext cx="4114800" cy="2314575"/>
           </a:xfrm>
-          <a:prstGeom prst="rect">
-            <a:avLst/>
-          </a:prstGeom>
+          <a:prstGeom prst="rect"/>
           <a:noFill/>
           <a:ln w="12700">
             <a:solidFill>
@@ -2522,8 +2474,7 @@
           </a:ln>
         </p:spPr>
         <p:txBody>
-          <a:bodyPr vert="horz" lIns="91440" tIns="45720" rIns="91440" bIns="45720" rtlCol="0" anchor="ctr"/>
-          <a:lstStyle/>
+          <a:bodyPr anchor="ctr" bIns="45720" lIns="91440" rIns="91440" rtlCol="0" tIns="45720" vert="horz"/>
           <a:p>
             <a:endParaRPr lang="en-IN"/>
           </a:p>
@@ -2531,7 +2482,7 @@
       </p:sp>
       <p:sp>
         <p:nvSpPr>
-          <p:cNvPr id="5" name="Notes Placeholder 4"/>
+          <p:cNvPr id="1048708" name="Notes Placeholder 4"/>
           <p:cNvSpPr>
             <a:spLocks noGrp="1"/>
           </p:cNvSpPr>
@@ -2544,13 +2495,10 @@
             <a:off x="1219200" y="3300413"/>
             <a:ext cx="9753600" cy="2700337"/>
           </a:xfrm>
-          <a:prstGeom prst="rect">
-            <a:avLst/>
-          </a:prstGeom>
+          <a:prstGeom prst="rect"/>
         </p:spPr>
         <p:txBody>
-          <a:bodyPr vert="horz" lIns="91440" tIns="45720" rIns="91440" bIns="45720" rtlCol="0"/>
-          <a:lstStyle/>
+          <a:bodyPr bIns="45720" lIns="91440" rIns="91440" rtlCol="0" tIns="45720" vert="horz"/>
           <a:p>
             <a:pPr lvl="0"/>
             <a:r>
@@ -2591,7 +2539,7 @@
       </p:sp>
       <p:sp>
         <p:nvSpPr>
-          <p:cNvPr id="6" name="Footer Placeholder 5"/>
+          <p:cNvPr id="1048709" name="Footer Placeholder 5"/>
           <p:cNvSpPr>
             <a:spLocks noGrp="1"/>
           </p:cNvSpPr>
@@ -2604,12 +2552,10 @@
             <a:off x="0" y="6513513"/>
             <a:ext cx="5283200" cy="344487"/>
           </a:xfrm>
-          <a:prstGeom prst="rect">
-            <a:avLst/>
-          </a:prstGeom>
+          <a:prstGeom prst="rect"/>
         </p:spPr>
         <p:txBody>
-          <a:bodyPr vert="horz" lIns="91440" tIns="45720" rIns="91440" bIns="45720" rtlCol="0" anchor="b"/>
+          <a:bodyPr anchor="b" bIns="45720" lIns="91440" rIns="91440" rtlCol="0" tIns="45720" vert="horz"/>
           <a:lstStyle>
             <a:lvl1pPr algn="l">
               <a:defRPr sz="1200"/>
@@ -2622,7 +2568,7 @@
       </p:sp>
       <p:sp>
         <p:nvSpPr>
-          <p:cNvPr id="7" name="Slide Number Placeholder 6"/>
+          <p:cNvPr id="1048710" name="Slide Number Placeholder 6"/>
           <p:cNvSpPr>
             <a:spLocks noGrp="1"/>
           </p:cNvSpPr>
@@ -2635,12 +2581,10 @@
             <a:off x="6905625" y="6513513"/>
             <a:ext cx="5283200" cy="344487"/>
           </a:xfrm>
-          <a:prstGeom prst="rect">
-            <a:avLst/>
-          </a:prstGeom>
+          <a:prstGeom prst="rect"/>
         </p:spPr>
         <p:txBody>
-          <a:bodyPr vert="horz" lIns="91440" tIns="45720" rIns="91440" bIns="45720" rtlCol="0" anchor="b"/>
+          <a:bodyPr anchor="b" bIns="45720" lIns="91440" rIns="91440" rtlCol="0" tIns="45720" vert="horz"/>
           <a:lstStyle>
             <a:lvl1pPr algn="r">
               <a:defRPr sz="1200"/>
@@ -2656,15 +2600,10 @@
         </p:txBody>
       </p:sp>
     </p:spTree>
-    <p:extLst>
-      <p:ext uri="{BB962C8B-B14F-4D97-AF65-F5344CB8AC3E}">
-        <p14:creationId xmlns:p14="http://schemas.microsoft.com/office/powerpoint/2010/main" val="2918557904"/>
-      </p:ext>
-    </p:extLst>
   </p:cSld>
-  <p:clrMap bg1="lt1" tx1="dk1" bg2="lt2" tx2="dk2" accent1="accent1" accent2="accent2" accent3="accent3" accent4="accent4" accent5="accent5" accent6="accent6" hlink="hlink" folHlink="folHlink"/>
+  <p:clrMap accent1="accent1" accent2="accent2" accent3="accent3" accent4="accent4" accent5="accent5" accent6="accent6" bg1="lt1" bg2="lt2" tx1="dk1" tx2="dk2" hlink="hlink" folHlink="folHlink"/>
   <p:notesStyle>
-    <a:lvl1pPr marL="0" algn="l" defTabSz="914400" rtl="0" eaLnBrk="1" latinLnBrk="0" hangingPunct="1">
+    <a:lvl1pPr algn="l" defTabSz="914400" eaLnBrk="1" hangingPunct="1" latinLnBrk="0" marL="0" rtl="0">
       <a:defRPr sz="1200" kern="1200">
         <a:solidFill>
           <a:schemeClr val="tx1"/>
@@ -2674,7 +2613,7 @@
         <a:cs typeface="+mn-cs"/>
       </a:defRPr>
     </a:lvl1pPr>
-    <a:lvl2pPr marL="457200" algn="l" defTabSz="914400" rtl="0" eaLnBrk="1" latinLnBrk="0" hangingPunct="1">
+    <a:lvl2pPr algn="l" defTabSz="914400" eaLnBrk="1" hangingPunct="1" latinLnBrk="0" marL="457200" rtl="0">
       <a:defRPr sz="1200" kern="1200">
         <a:solidFill>
           <a:schemeClr val="tx1"/>
@@ -2684,7 +2623,7 @@
         <a:cs typeface="+mn-cs"/>
       </a:defRPr>
     </a:lvl2pPr>
-    <a:lvl3pPr marL="914400" algn="l" defTabSz="914400" rtl="0" eaLnBrk="1" latinLnBrk="0" hangingPunct="1">
+    <a:lvl3pPr algn="l" defTabSz="914400" eaLnBrk="1" hangingPunct="1" latinLnBrk="0" marL="914400" rtl="0">
       <a:defRPr sz="1200" kern="1200">
         <a:solidFill>
           <a:schemeClr val="tx1"/>
@@ -2694,7 +2633,7 @@
         <a:cs typeface="+mn-cs"/>
       </a:defRPr>
     </a:lvl3pPr>
-    <a:lvl4pPr marL="1371600" algn="l" defTabSz="914400" rtl="0" eaLnBrk="1" latinLnBrk="0" hangingPunct="1">
+    <a:lvl4pPr algn="l" defTabSz="914400" eaLnBrk="1" hangingPunct="1" latinLnBrk="0" marL="1371600" rtl="0">
       <a:defRPr sz="1200" kern="1200">
         <a:solidFill>
           <a:schemeClr val="tx1"/>
@@ -2704,7 +2643,7 @@
         <a:cs typeface="+mn-cs"/>
       </a:defRPr>
     </a:lvl4pPr>
-    <a:lvl5pPr marL="1828800" algn="l" defTabSz="914400" rtl="0" eaLnBrk="1" latinLnBrk="0" hangingPunct="1">
+    <a:lvl5pPr algn="l" defTabSz="914400" eaLnBrk="1" hangingPunct="1" latinLnBrk="0" marL="1828800" rtl="0">
       <a:defRPr sz="1200" kern="1200">
         <a:solidFill>
           <a:schemeClr val="tx1"/>
@@ -2714,7 +2653,7 @@
         <a:cs typeface="+mn-cs"/>
       </a:defRPr>
     </a:lvl5pPr>
-    <a:lvl6pPr marL="2286000" algn="l" defTabSz="914400" rtl="0" eaLnBrk="1" latinLnBrk="0" hangingPunct="1">
+    <a:lvl6pPr algn="l" defTabSz="914400" eaLnBrk="1" hangingPunct="1" latinLnBrk="0" marL="2286000" rtl="0">
       <a:defRPr sz="1200" kern="1200">
         <a:solidFill>
           <a:schemeClr val="tx1"/>
@@ -2724,7 +2663,7 @@
         <a:cs typeface="+mn-cs"/>
       </a:defRPr>
     </a:lvl6pPr>
-    <a:lvl7pPr marL="2743200" algn="l" defTabSz="914400" rtl="0" eaLnBrk="1" latinLnBrk="0" hangingPunct="1">
+    <a:lvl7pPr algn="l" defTabSz="914400" eaLnBrk="1" hangingPunct="1" latinLnBrk="0" marL="2743200" rtl="0">
       <a:defRPr sz="1200" kern="1200">
         <a:solidFill>
           <a:schemeClr val="tx1"/>
@@ -2734,7 +2673,7 @@
         <a:cs typeface="+mn-cs"/>
       </a:defRPr>
     </a:lvl7pPr>
-    <a:lvl8pPr marL="3200400" algn="l" defTabSz="914400" rtl="0" eaLnBrk="1" latinLnBrk="0" hangingPunct="1">
+    <a:lvl8pPr algn="l" defTabSz="914400" eaLnBrk="1" hangingPunct="1" latinLnBrk="0" marL="3200400" rtl="0">
       <a:defRPr sz="1200" kern="1200">
         <a:solidFill>
           <a:schemeClr val="tx1"/>
@@ -2744,7 +2683,7 @@
         <a:cs typeface="+mn-cs"/>
       </a:defRPr>
     </a:lvl8pPr>
-    <a:lvl9pPr marL="3657600" algn="l" defTabSz="914400" rtl="0" eaLnBrk="1" latinLnBrk="0" hangingPunct="1">
+    <a:lvl9pPr algn="l" defTabSz="914400" eaLnBrk="1" hangingPunct="1" latinLnBrk="0" marL="3657600" rtl="0">
       <a:defRPr sz="1200" kern="1200">
         <a:solidFill>
           <a:schemeClr val="tx1"/>
@@ -2763,7 +2702,7 @@
   <p:cSld>
     <p:spTree>
       <p:nvGrpSpPr>
-        <p:cNvPr id="1" name=""/>
+        <p:cNvPr id="31" name=""/>
         <p:cNvGrpSpPr/>
         <p:nvPr/>
       </p:nvGrpSpPr>
@@ -2777,9 +2716,9 @@
       </p:grpSpPr>
       <p:sp>
         <p:nvSpPr>
-          <p:cNvPr id="2" name="Slide Image Placeholder 1"/>
+          <p:cNvPr id="1048643" name="Slide Image Placeholder 1"/>
           <p:cNvSpPr>
-            <a:spLocks noGrp="1" noRot="1" noChangeAspect="1"/>
+            <a:spLocks noChangeAspect="1" noRot="1" noGrp="1"/>
           </p:cNvSpPr>
           <p:nvPr>
             <p:ph type="sldImg"/>
@@ -2789,7 +2728,7 @@
       </p:sp>
       <p:sp>
         <p:nvSpPr>
-          <p:cNvPr id="3" name="Notes Placeholder 2"/>
+          <p:cNvPr id="1048644" name="Notes Placeholder 2"/>
           <p:cNvSpPr>
             <a:spLocks noGrp="1"/>
           </p:cNvSpPr>
@@ -2800,15 +2739,14 @@
         <p:spPr/>
         <p:txBody>
           <a:bodyPr/>
-          <a:lstStyle/>
           <a:p>
-            <a:endParaRPr lang="en-IN" dirty="0"/>
+            <a:endParaRPr dirty="0" lang="en-IN"/>
           </a:p>
         </p:txBody>
       </p:sp>
       <p:sp>
         <p:nvSpPr>
-          <p:cNvPr id="4" name="Slide Number Placeholder 3"/>
+          <p:cNvPr id="1048645" name="Slide Number Placeholder 3"/>
           <p:cNvSpPr>
             <a:spLocks noGrp="1"/>
           </p:cNvSpPr>
@@ -2819,7 +2757,6 @@
         <p:spPr/>
         <p:txBody>
           <a:bodyPr/>
-          <a:lstStyle/>
           <a:p>
             <a:fld id="{F7F439ED-1E90-4106-847A-8EF19031FE2F}" type="slidenum">
               <a:rPr lang="en-IN" smtClean="0"/>
@@ -2830,11 +2767,6 @@
         </p:txBody>
       </p:sp>
     </p:spTree>
-    <p:extLst>
-      <p:ext uri="{BB962C8B-B14F-4D97-AF65-F5344CB8AC3E}">
-        <p14:creationId xmlns:p14="http://schemas.microsoft.com/office/powerpoint/2010/main" val="404353501"/>
-      </p:ext>
-    </p:extLst>
   </p:cSld>
   <p:clrMapOvr>
     <a:masterClrMapping/>
@@ -2843,11 +2775,11 @@
 </file>
 
 <file path=ppt/slideLayouts/slideLayout1.xml><?xml version="1.0" encoding="utf-8"?>
-<p:sldLayout xmlns:a="http://schemas.openxmlformats.org/drawingml/2006/main" xmlns:r="http://schemas.openxmlformats.org/officeDocument/2006/relationships" xmlns:p="http://schemas.openxmlformats.org/presentationml/2006/main" type="obj" preserve="1">
+<p:sldLayout xmlns:a="http://schemas.openxmlformats.org/drawingml/2006/main" xmlns:r="http://schemas.openxmlformats.org/officeDocument/2006/relationships" xmlns:p="http://schemas.openxmlformats.org/presentationml/2006/main" preserve="1" type="obj">
   <p:cSld name="Title Slide">
     <p:spTree>
       <p:nvGrpSpPr>
-        <p:cNvPr id="1" name=""/>
+        <p:cNvPr id="27" name=""/>
         <p:cNvGrpSpPr/>
         <p:nvPr/>
       </p:nvGrpSpPr>
@@ -2861,7 +2793,7 @@
       </p:grpSpPr>
       <p:sp>
         <p:nvSpPr>
-          <p:cNvPr id="2" name="Holder 2"/>
+          <p:cNvPr id="1048630" name="Holder 2"/>
           <p:cNvSpPr>
             <a:spLocks noGrp="1"/>
           </p:cNvSpPr>
@@ -2874,17 +2806,15 @@
             <a:off x="3195574" y="2067305"/>
             <a:ext cx="5800851" cy="518160"/>
           </a:xfrm>
-          <a:prstGeom prst="rect">
-            <a:avLst/>
-          </a:prstGeom>
+          <a:prstGeom prst="rect"/>
         </p:spPr>
         <p:txBody>
-          <a:bodyPr wrap="square" lIns="0" tIns="0" rIns="0" bIns="0">
+          <a:bodyPr bIns="0" lIns="0" rIns="0" tIns="0" wrap="square">
             <a:spAutoFit/>
           </a:bodyPr>
           <a:lstStyle>
             <a:lvl1pPr>
-              <a:defRPr sz="3200" b="0" i="0">
+              <a:defRPr b="0" sz="3200" i="0">
                 <a:solidFill>
                   <a:schemeClr val="tx1"/>
                 </a:solidFill>
@@ -2893,14 +2823,12 @@
               </a:defRPr>
             </a:lvl1pPr>
           </a:lstStyle>
-          <a:p>
-            <a:endParaRPr/>
-          </a:p>
-        </p:txBody>
-      </p:sp>
-      <p:sp>
-        <p:nvSpPr>
-          <p:cNvPr id="3" name="Holder 3"/>
+          <a:p/>
+        </p:txBody>
+      </p:sp>
+      <p:sp>
+        <p:nvSpPr>
+          <p:cNvPr id="1048631" name="Holder 3"/>
           <p:cNvSpPr>
             <a:spLocks noGrp="1"/>
           </p:cNvSpPr>
@@ -2913,27 +2841,18 @@
             <a:off x="1828800" y="3840480"/>
             <a:ext cx="8534400" cy="1714500"/>
           </a:xfrm>
-          <a:prstGeom prst="rect">
-            <a:avLst/>
-          </a:prstGeom>
+          <a:prstGeom prst="rect"/>
         </p:spPr>
         <p:txBody>
-          <a:bodyPr wrap="square" lIns="0" tIns="0" rIns="0" bIns="0">
+          <a:bodyPr bIns="0" lIns="0" rIns="0" tIns="0" wrap="square">
             <a:spAutoFit/>
           </a:bodyPr>
-          <a:lstStyle>
-            <a:lvl1pPr>
-              <a:defRPr/>
-            </a:lvl1pPr>
-          </a:lstStyle>
-          <a:p>
-            <a:endParaRPr/>
-          </a:p>
-        </p:txBody>
-      </p:sp>
-      <p:sp>
-        <p:nvSpPr>
-          <p:cNvPr id="4" name="Holder 4"/>
+          <a:p/>
+        </p:txBody>
+      </p:sp>
+      <p:sp>
+        <p:nvSpPr>
+          <p:cNvPr id="1048632" name="Holder 4"/>
           <p:cNvSpPr>
             <a:spLocks noGrp="1"/>
           </p:cNvSpPr>
@@ -2943,7 +2862,7 @@
         </p:nvSpPr>
         <p:spPr/>
         <p:txBody>
-          <a:bodyPr lIns="0" tIns="0" rIns="0" bIns="0"/>
+          <a:bodyPr bIns="0" lIns="0" rIns="0" tIns="0"/>
           <a:lstStyle>
             <a:lvl1pPr algn="ctr">
               <a:defRPr>
@@ -2955,14 +2874,12 @@
               </a:defRPr>
             </a:lvl1pPr>
           </a:lstStyle>
-          <a:p>
-            <a:endParaRPr/>
-          </a:p>
-        </p:txBody>
-      </p:sp>
-      <p:sp>
-        <p:nvSpPr>
-          <p:cNvPr id="5" name="Holder 5"/>
+          <a:p/>
+        </p:txBody>
+      </p:sp>
+      <p:sp>
+        <p:nvSpPr>
+          <p:cNvPr id="1048633" name="Holder 5"/>
           <p:cNvSpPr>
             <a:spLocks noGrp="1"/>
           </p:cNvSpPr>
@@ -2972,7 +2889,7 @@
         </p:nvSpPr>
         <p:spPr/>
         <p:txBody>
-          <a:bodyPr lIns="0" tIns="0" rIns="0" bIns="0"/>
+          <a:bodyPr bIns="0" lIns="0" rIns="0" tIns="0"/>
           <a:lstStyle>
             <a:lvl1pPr algn="l">
               <a:defRPr>
@@ -2995,7 +2912,7 @@
       </p:sp>
       <p:sp>
         <p:nvSpPr>
-          <p:cNvPr id="6" name="Holder 6"/>
+          <p:cNvPr id="1048634" name="Holder 6"/>
           <p:cNvSpPr>
             <a:spLocks noGrp="1"/>
           </p:cNvSpPr>
@@ -3005,10 +2922,10 @@
         </p:nvSpPr>
         <p:spPr/>
         <p:txBody>
-          <a:bodyPr lIns="0" tIns="0" rIns="0" bIns="0"/>
+          <a:bodyPr bIns="0" lIns="0" rIns="0" tIns="0"/>
           <a:lstStyle>
             <a:lvl1pPr>
-              <a:defRPr sz="1100" b="0" i="0">
+              <a:defRPr b="0" sz="1100" i="0">
                 <a:solidFill>
                   <a:srgbClr val="2D936B"/>
                 </a:solidFill>
@@ -3027,10 +2944,10 @@
               </a:spcBef>
             </a:pPr>
             <a:fld id="{81D60167-4931-47E6-BA6A-407CBD079E47}" type="slidenum">
-              <a:rPr spc="10" dirty="0"/>
+              <a:rPr dirty="0" spc="10"/>
               <a:t>‹#›</a:t>
             </a:fld>
-            <a:endParaRPr spc="10" dirty="0"/>
+            <a:endParaRPr dirty="0" spc="10"/>
           </a:p>
         </p:txBody>
       </p:sp>
@@ -3043,11 +2960,11 @@
 </file>
 
 <file path=ppt/slideLayouts/slideLayout2.xml><?xml version="1.0" encoding="utf-8"?>
-<p:sldLayout xmlns:a="http://schemas.openxmlformats.org/drawingml/2006/main" xmlns:r="http://schemas.openxmlformats.org/officeDocument/2006/relationships" xmlns:p="http://schemas.openxmlformats.org/presentationml/2006/main" type="obj" preserve="1">
+<p:sldLayout xmlns:a="http://schemas.openxmlformats.org/drawingml/2006/main" xmlns:r="http://schemas.openxmlformats.org/officeDocument/2006/relationships" xmlns:p="http://schemas.openxmlformats.org/presentationml/2006/main" preserve="1" type="obj">
   <p:cSld name="Title and Content">
     <p:spTree>
       <p:nvGrpSpPr>
-        <p:cNvPr id="1" name=""/>
+        <p:cNvPr id="43" name=""/>
         <p:cNvGrpSpPr/>
         <p:nvPr/>
       </p:nvGrpSpPr>
@@ -3061,7 +2978,7 @@
       </p:grpSpPr>
       <p:sp>
         <p:nvSpPr>
-          <p:cNvPr id="2" name="Holder 2"/>
+          <p:cNvPr id="1048691" name="Holder 2"/>
           <p:cNvSpPr>
             <a:spLocks noGrp="1"/>
           </p:cNvSpPr>
@@ -3071,10 +2988,10 @@
         </p:nvSpPr>
         <p:spPr/>
         <p:txBody>
-          <a:bodyPr lIns="0" tIns="0" rIns="0" bIns="0"/>
+          <a:bodyPr bIns="0" lIns="0" rIns="0" tIns="0"/>
           <a:lstStyle>
             <a:lvl1pPr>
-              <a:defRPr sz="4800" b="1" i="0">
+              <a:defRPr b="1" sz="4800" i="0">
                 <a:solidFill>
                   <a:schemeClr val="tx1"/>
                 </a:solidFill>
@@ -3083,14 +3000,12 @@
               </a:defRPr>
             </a:lvl1pPr>
           </a:lstStyle>
-          <a:p>
-            <a:endParaRPr/>
-          </a:p>
-        </p:txBody>
-      </p:sp>
-      <p:sp>
-        <p:nvSpPr>
-          <p:cNvPr id="3" name="Holder 3"/>
+          <a:p/>
+        </p:txBody>
+      </p:sp>
+      <p:sp>
+        <p:nvSpPr>
+          <p:cNvPr id="1048692" name="Holder 3"/>
           <p:cNvSpPr>
             <a:spLocks noGrp="1"/>
           </p:cNvSpPr>
@@ -3100,20 +3015,13 @@
         </p:nvSpPr>
         <p:spPr/>
         <p:txBody>
-          <a:bodyPr lIns="0" tIns="0" rIns="0" bIns="0"/>
-          <a:lstStyle>
-            <a:lvl1pPr>
-              <a:defRPr/>
-            </a:lvl1pPr>
-          </a:lstStyle>
-          <a:p>
-            <a:endParaRPr/>
-          </a:p>
-        </p:txBody>
-      </p:sp>
-      <p:sp>
-        <p:nvSpPr>
-          <p:cNvPr id="4" name="Holder 4"/>
+          <a:bodyPr bIns="0" lIns="0" rIns="0" tIns="0"/>
+          <a:p/>
+        </p:txBody>
+      </p:sp>
+      <p:sp>
+        <p:nvSpPr>
+          <p:cNvPr id="1048693" name="Holder 4"/>
           <p:cNvSpPr>
             <a:spLocks noGrp="1"/>
           </p:cNvSpPr>
@@ -3123,7 +3031,7 @@
         </p:nvSpPr>
         <p:spPr/>
         <p:txBody>
-          <a:bodyPr lIns="0" tIns="0" rIns="0" bIns="0"/>
+          <a:bodyPr bIns="0" lIns="0" rIns="0" tIns="0"/>
           <a:lstStyle>
             <a:lvl1pPr algn="ctr">
               <a:defRPr>
@@ -3135,14 +3043,12 @@
               </a:defRPr>
             </a:lvl1pPr>
           </a:lstStyle>
-          <a:p>
-            <a:endParaRPr/>
-          </a:p>
-        </p:txBody>
-      </p:sp>
-      <p:sp>
-        <p:nvSpPr>
-          <p:cNvPr id="5" name="Holder 5"/>
+          <a:p/>
+        </p:txBody>
+      </p:sp>
+      <p:sp>
+        <p:nvSpPr>
+          <p:cNvPr id="1048694" name="Holder 5"/>
           <p:cNvSpPr>
             <a:spLocks noGrp="1"/>
           </p:cNvSpPr>
@@ -3152,7 +3058,7 @@
         </p:nvSpPr>
         <p:spPr/>
         <p:txBody>
-          <a:bodyPr lIns="0" tIns="0" rIns="0" bIns="0"/>
+          <a:bodyPr bIns="0" lIns="0" rIns="0" tIns="0"/>
           <a:lstStyle>
             <a:lvl1pPr algn="l">
               <a:defRPr>
@@ -3175,7 +3081,7 @@
       </p:sp>
       <p:sp>
         <p:nvSpPr>
-          <p:cNvPr id="6" name="Holder 6"/>
+          <p:cNvPr id="1048695" name="Holder 6"/>
           <p:cNvSpPr>
             <a:spLocks noGrp="1"/>
           </p:cNvSpPr>
@@ -3185,10 +3091,10 @@
         </p:nvSpPr>
         <p:spPr/>
         <p:txBody>
-          <a:bodyPr lIns="0" tIns="0" rIns="0" bIns="0"/>
+          <a:bodyPr bIns="0" lIns="0" rIns="0" tIns="0"/>
           <a:lstStyle>
             <a:lvl1pPr>
-              <a:defRPr sz="1100" b="0" i="0">
+              <a:defRPr b="0" sz="1100" i="0">
                 <a:solidFill>
                   <a:srgbClr val="2D936B"/>
                 </a:solidFill>
@@ -3207,10 +3113,10 @@
               </a:spcBef>
             </a:pPr>
             <a:fld id="{81D60167-4931-47E6-BA6A-407CBD079E47}" type="slidenum">
-              <a:rPr spc="10" dirty="0"/>
+              <a:rPr dirty="0" spc="10"/>
               <a:t>‹#›</a:t>
             </a:fld>
-            <a:endParaRPr spc="10" dirty="0"/>
+            <a:endParaRPr dirty="0" spc="10"/>
           </a:p>
         </p:txBody>
       </p:sp>
@@ -3223,11 +3129,11 @@
 </file>
 
 <file path=ppt/slideLayouts/slideLayout3.xml><?xml version="1.0" encoding="utf-8"?>
-<p:sldLayout xmlns:a="http://schemas.openxmlformats.org/drawingml/2006/main" xmlns:r="http://schemas.openxmlformats.org/officeDocument/2006/relationships" xmlns:p="http://schemas.openxmlformats.org/presentationml/2006/main" type="obj" preserve="1">
+<p:sldLayout xmlns:a="http://schemas.openxmlformats.org/drawingml/2006/main" xmlns:r="http://schemas.openxmlformats.org/officeDocument/2006/relationships" xmlns:p="http://schemas.openxmlformats.org/presentationml/2006/main" preserve="1" type="obj">
   <p:cSld name="Two Content">
     <p:spTree>
       <p:nvGrpSpPr>
-        <p:cNvPr id="1" name=""/>
+        <p:cNvPr id="44" name=""/>
         <p:cNvGrpSpPr/>
         <p:nvPr/>
       </p:nvGrpSpPr>
@@ -3241,7 +3147,7 @@
       </p:grpSpPr>
       <p:sp>
         <p:nvSpPr>
-          <p:cNvPr id="2" name="Holder 2"/>
+          <p:cNvPr id="1048696" name="Holder 2"/>
           <p:cNvSpPr>
             <a:spLocks noGrp="1"/>
           </p:cNvSpPr>
@@ -3251,10 +3157,10 @@
         </p:nvSpPr>
         <p:spPr/>
         <p:txBody>
-          <a:bodyPr lIns="0" tIns="0" rIns="0" bIns="0"/>
+          <a:bodyPr bIns="0" lIns="0" rIns="0" tIns="0"/>
           <a:lstStyle>
             <a:lvl1pPr>
-              <a:defRPr sz="4800" b="1" i="0">
+              <a:defRPr b="1" sz="4800" i="0">
                 <a:solidFill>
                   <a:schemeClr val="tx1"/>
                 </a:solidFill>
@@ -3263,14 +3169,12 @@
               </a:defRPr>
             </a:lvl1pPr>
           </a:lstStyle>
-          <a:p>
-            <a:endParaRPr/>
-          </a:p>
-        </p:txBody>
-      </p:sp>
-      <p:sp>
-        <p:nvSpPr>
-          <p:cNvPr id="3" name="Holder 3"/>
+          <a:p/>
+        </p:txBody>
+      </p:sp>
+      <p:sp>
+        <p:nvSpPr>
+          <p:cNvPr id="1048697" name="Holder 3"/>
           <p:cNvSpPr>
             <a:spLocks noGrp="1"/>
           </p:cNvSpPr>
@@ -3283,27 +3187,18 @@
             <a:off x="609600" y="1577340"/>
             <a:ext cx="5303520" cy="4526280"/>
           </a:xfrm>
-          <a:prstGeom prst="rect">
-            <a:avLst/>
-          </a:prstGeom>
+          <a:prstGeom prst="rect"/>
         </p:spPr>
         <p:txBody>
-          <a:bodyPr wrap="square" lIns="0" tIns="0" rIns="0" bIns="0">
+          <a:bodyPr bIns="0" lIns="0" rIns="0" tIns="0" wrap="square">
             <a:spAutoFit/>
           </a:bodyPr>
-          <a:lstStyle>
-            <a:lvl1pPr>
-              <a:defRPr/>
-            </a:lvl1pPr>
-          </a:lstStyle>
-          <a:p>
-            <a:endParaRPr/>
-          </a:p>
-        </p:txBody>
-      </p:sp>
-      <p:sp>
-        <p:nvSpPr>
-          <p:cNvPr id="4" name="Holder 4"/>
+          <a:p/>
+        </p:txBody>
+      </p:sp>
+      <p:sp>
+        <p:nvSpPr>
+          <p:cNvPr id="1048698" name="Holder 4"/>
           <p:cNvSpPr>
             <a:spLocks noGrp="1"/>
           </p:cNvSpPr>
@@ -3316,27 +3211,18 @@
             <a:off x="6278880" y="1577340"/>
             <a:ext cx="5303520" cy="4526280"/>
           </a:xfrm>
-          <a:prstGeom prst="rect">
-            <a:avLst/>
-          </a:prstGeom>
+          <a:prstGeom prst="rect"/>
         </p:spPr>
         <p:txBody>
-          <a:bodyPr wrap="square" lIns="0" tIns="0" rIns="0" bIns="0">
+          <a:bodyPr bIns="0" lIns="0" rIns="0" tIns="0" wrap="square">
             <a:spAutoFit/>
           </a:bodyPr>
-          <a:lstStyle>
-            <a:lvl1pPr>
-              <a:defRPr/>
-            </a:lvl1pPr>
-          </a:lstStyle>
-          <a:p>
-            <a:endParaRPr/>
-          </a:p>
-        </p:txBody>
-      </p:sp>
-      <p:sp>
-        <p:nvSpPr>
-          <p:cNvPr id="5" name="Holder 5"/>
+          <a:p/>
+        </p:txBody>
+      </p:sp>
+      <p:sp>
+        <p:nvSpPr>
+          <p:cNvPr id="1048699" name="Holder 5"/>
           <p:cNvSpPr>
             <a:spLocks noGrp="1"/>
           </p:cNvSpPr>
@@ -3346,7 +3232,7 @@
         </p:nvSpPr>
         <p:spPr/>
         <p:txBody>
-          <a:bodyPr lIns="0" tIns="0" rIns="0" bIns="0"/>
+          <a:bodyPr bIns="0" lIns="0" rIns="0" tIns="0"/>
           <a:lstStyle>
             <a:lvl1pPr algn="ctr">
               <a:defRPr>
@@ -3358,14 +3244,12 @@
               </a:defRPr>
             </a:lvl1pPr>
           </a:lstStyle>
-          <a:p>
-            <a:endParaRPr/>
-          </a:p>
-        </p:txBody>
-      </p:sp>
-      <p:sp>
-        <p:nvSpPr>
-          <p:cNvPr id="6" name="Holder 6"/>
+          <a:p/>
+        </p:txBody>
+      </p:sp>
+      <p:sp>
+        <p:nvSpPr>
+          <p:cNvPr id="1048700" name="Holder 6"/>
           <p:cNvSpPr>
             <a:spLocks noGrp="1"/>
           </p:cNvSpPr>
@@ -3375,7 +3259,7 @@
         </p:nvSpPr>
         <p:spPr/>
         <p:txBody>
-          <a:bodyPr lIns="0" tIns="0" rIns="0" bIns="0"/>
+          <a:bodyPr bIns="0" lIns="0" rIns="0" tIns="0"/>
           <a:lstStyle>
             <a:lvl1pPr algn="l">
               <a:defRPr>
@@ -3398,7 +3282,7 @@
       </p:sp>
       <p:sp>
         <p:nvSpPr>
-          <p:cNvPr id="7" name="Holder 7"/>
+          <p:cNvPr id="1048701" name="Holder 7"/>
           <p:cNvSpPr>
             <a:spLocks noGrp="1"/>
           </p:cNvSpPr>
@@ -3408,10 +3292,10 @@
         </p:nvSpPr>
         <p:spPr/>
         <p:txBody>
-          <a:bodyPr lIns="0" tIns="0" rIns="0" bIns="0"/>
+          <a:bodyPr bIns="0" lIns="0" rIns="0" tIns="0"/>
           <a:lstStyle>
             <a:lvl1pPr>
-              <a:defRPr sz="1100" b="0" i="0">
+              <a:defRPr b="0" sz="1100" i="0">
                 <a:solidFill>
                   <a:srgbClr val="2D936B"/>
                 </a:solidFill>
@@ -3430,10 +3314,10 @@
               </a:spcBef>
             </a:pPr>
             <a:fld id="{81D60167-4931-47E6-BA6A-407CBD079E47}" type="slidenum">
-              <a:rPr spc="10" dirty="0"/>
+              <a:rPr dirty="0" spc="10"/>
               <a:t>‹#›</a:t>
             </a:fld>
-            <a:endParaRPr spc="10" dirty="0"/>
+            <a:endParaRPr dirty="0" spc="10"/>
           </a:p>
         </p:txBody>
       </p:sp>
@@ -3446,11 +3330,11 @@
 </file>
 
 <file path=ppt/slideLayouts/slideLayout4.xml><?xml version="1.0" encoding="utf-8"?>
-<p:sldLayout xmlns:a="http://schemas.openxmlformats.org/drawingml/2006/main" xmlns:r="http://schemas.openxmlformats.org/officeDocument/2006/relationships" xmlns:p="http://schemas.openxmlformats.org/presentationml/2006/main" type="obj" preserve="1">
+<p:sldLayout xmlns:a="http://schemas.openxmlformats.org/drawingml/2006/main" xmlns:r="http://schemas.openxmlformats.org/officeDocument/2006/relationships" xmlns:p="http://schemas.openxmlformats.org/presentationml/2006/main" preserve="1" type="obj">
   <p:cSld name="Title Only">
     <p:spTree>
       <p:nvGrpSpPr>
-        <p:cNvPr id="1" name=""/>
+        <p:cNvPr id="18" name=""/>
         <p:cNvGrpSpPr/>
         <p:nvPr/>
       </p:nvGrpSpPr>
@@ -3464,7 +3348,7 @@
       </p:grpSpPr>
       <p:sp>
         <p:nvSpPr>
-          <p:cNvPr id="2" name="Holder 2"/>
+          <p:cNvPr id="1048591" name="Holder 2"/>
           <p:cNvSpPr>
             <a:spLocks noGrp="1"/>
           </p:cNvSpPr>
@@ -3474,10 +3358,10 @@
         </p:nvSpPr>
         <p:spPr/>
         <p:txBody>
-          <a:bodyPr lIns="0" tIns="0" rIns="0" bIns="0"/>
+          <a:bodyPr bIns="0" lIns="0" rIns="0" tIns="0"/>
           <a:lstStyle>
             <a:lvl1pPr>
-              <a:defRPr sz="4800" b="1" i="0">
+              <a:defRPr b="1" sz="4800" i="0">
                 <a:solidFill>
                   <a:schemeClr val="tx1"/>
                 </a:solidFill>
@@ -3486,14 +3370,12 @@
               </a:defRPr>
             </a:lvl1pPr>
           </a:lstStyle>
-          <a:p>
-            <a:endParaRPr/>
-          </a:p>
-        </p:txBody>
-      </p:sp>
-      <p:sp>
-        <p:nvSpPr>
-          <p:cNvPr id="3" name="Holder 3"/>
+          <a:p/>
+        </p:txBody>
+      </p:sp>
+      <p:sp>
+        <p:nvSpPr>
+          <p:cNvPr id="1048592" name="Holder 3"/>
           <p:cNvSpPr>
             <a:spLocks noGrp="1"/>
           </p:cNvSpPr>
@@ -3503,7 +3385,7 @@
         </p:nvSpPr>
         <p:spPr/>
         <p:txBody>
-          <a:bodyPr lIns="0" tIns="0" rIns="0" bIns="0"/>
+          <a:bodyPr bIns="0" lIns="0" rIns="0" tIns="0"/>
           <a:lstStyle>
             <a:lvl1pPr algn="ctr">
               <a:defRPr>
@@ -3515,14 +3397,12 @@
               </a:defRPr>
             </a:lvl1pPr>
           </a:lstStyle>
-          <a:p>
-            <a:endParaRPr/>
-          </a:p>
-        </p:txBody>
-      </p:sp>
-      <p:sp>
-        <p:nvSpPr>
-          <p:cNvPr id="4" name="Holder 4"/>
+          <a:p/>
+        </p:txBody>
+      </p:sp>
+      <p:sp>
+        <p:nvSpPr>
+          <p:cNvPr id="1048593" name="Holder 4"/>
           <p:cNvSpPr>
             <a:spLocks noGrp="1"/>
           </p:cNvSpPr>
@@ -3532,7 +3412,7 @@
         </p:nvSpPr>
         <p:spPr/>
         <p:txBody>
-          <a:bodyPr lIns="0" tIns="0" rIns="0" bIns="0"/>
+          <a:bodyPr bIns="0" lIns="0" rIns="0" tIns="0"/>
           <a:lstStyle>
             <a:lvl1pPr algn="l">
               <a:defRPr>
@@ -3555,7 +3435,7 @@
       </p:sp>
       <p:sp>
         <p:nvSpPr>
-          <p:cNvPr id="5" name="Holder 5"/>
+          <p:cNvPr id="1048594" name="Holder 5"/>
           <p:cNvSpPr>
             <a:spLocks noGrp="1"/>
           </p:cNvSpPr>
@@ -3565,10 +3445,10 @@
         </p:nvSpPr>
         <p:spPr/>
         <p:txBody>
-          <a:bodyPr lIns="0" tIns="0" rIns="0" bIns="0"/>
+          <a:bodyPr bIns="0" lIns="0" rIns="0" tIns="0"/>
           <a:lstStyle>
             <a:lvl1pPr>
-              <a:defRPr sz="1100" b="0" i="0">
+              <a:defRPr b="0" sz="1100" i="0">
                 <a:solidFill>
                   <a:srgbClr val="2D936B"/>
                 </a:solidFill>
@@ -3587,10 +3467,10 @@
               </a:spcBef>
             </a:pPr>
             <a:fld id="{81D60167-4931-47E6-BA6A-407CBD079E47}" type="slidenum">
-              <a:rPr spc="10" dirty="0"/>
+              <a:rPr dirty="0" spc="10"/>
               <a:t>‹#›</a:t>
             </a:fld>
-            <a:endParaRPr spc="10" dirty="0"/>
+            <a:endParaRPr dirty="0" spc="10"/>
           </a:p>
         </p:txBody>
       </p:sp>
@@ -3603,11 +3483,11 @@
 </file>
 
 <file path=ppt/slideLayouts/slideLayout5.xml><?xml version="1.0" encoding="utf-8"?>
-<p:sldLayout xmlns:a="http://schemas.openxmlformats.org/drawingml/2006/main" xmlns:r="http://schemas.openxmlformats.org/officeDocument/2006/relationships" xmlns:p="http://schemas.openxmlformats.org/presentationml/2006/main" type="obj" preserve="1">
+<p:sldLayout xmlns:a="http://schemas.openxmlformats.org/drawingml/2006/main" xmlns:r="http://schemas.openxmlformats.org/officeDocument/2006/relationships" xmlns:p="http://schemas.openxmlformats.org/presentationml/2006/main" preserve="1" type="obj">
   <p:cSld name="Blank">
     <p:spTree>
       <p:nvGrpSpPr>
-        <p:cNvPr id="1" name=""/>
+        <p:cNvPr id="45" name=""/>
         <p:cNvGrpSpPr/>
         <p:nvPr/>
       </p:nvGrpSpPr>
@@ -3621,7 +3501,7 @@
       </p:grpSpPr>
       <p:sp>
         <p:nvSpPr>
-          <p:cNvPr id="2" name="Holder 2"/>
+          <p:cNvPr id="1048702" name="Holder 2"/>
           <p:cNvSpPr>
             <a:spLocks noGrp="1"/>
           </p:cNvSpPr>
@@ -3631,7 +3511,7 @@
         </p:nvSpPr>
         <p:spPr/>
         <p:txBody>
-          <a:bodyPr lIns="0" tIns="0" rIns="0" bIns="0"/>
+          <a:bodyPr bIns="0" lIns="0" rIns="0" tIns="0"/>
           <a:lstStyle>
             <a:lvl1pPr algn="ctr">
               <a:defRPr>
@@ -3643,14 +3523,12 @@
               </a:defRPr>
             </a:lvl1pPr>
           </a:lstStyle>
-          <a:p>
-            <a:endParaRPr/>
-          </a:p>
-        </p:txBody>
-      </p:sp>
-      <p:sp>
-        <p:nvSpPr>
-          <p:cNvPr id="3" name="Holder 3"/>
+          <a:p/>
+        </p:txBody>
+      </p:sp>
+      <p:sp>
+        <p:nvSpPr>
+          <p:cNvPr id="1048703" name="Holder 3"/>
           <p:cNvSpPr>
             <a:spLocks noGrp="1"/>
           </p:cNvSpPr>
@@ -3660,7 +3538,7 @@
         </p:nvSpPr>
         <p:spPr/>
         <p:txBody>
-          <a:bodyPr lIns="0" tIns="0" rIns="0" bIns="0"/>
+          <a:bodyPr bIns="0" lIns="0" rIns="0" tIns="0"/>
           <a:lstStyle>
             <a:lvl1pPr algn="l">
               <a:defRPr>
@@ -3683,7 +3561,7 @@
       </p:sp>
       <p:sp>
         <p:nvSpPr>
-          <p:cNvPr id="4" name="Holder 4"/>
+          <p:cNvPr id="1048704" name="Holder 4"/>
           <p:cNvSpPr>
             <a:spLocks noGrp="1"/>
           </p:cNvSpPr>
@@ -3693,10 +3571,10 @@
         </p:nvSpPr>
         <p:spPr/>
         <p:txBody>
-          <a:bodyPr lIns="0" tIns="0" rIns="0" bIns="0"/>
+          <a:bodyPr bIns="0" lIns="0" rIns="0" tIns="0"/>
           <a:lstStyle>
             <a:lvl1pPr>
-              <a:defRPr sz="1100" b="0" i="0">
+              <a:defRPr b="0" sz="1100" i="0">
                 <a:solidFill>
                   <a:srgbClr val="2D936B"/>
                 </a:solidFill>
@@ -3715,10 +3593,10 @@
               </a:spcBef>
             </a:pPr>
             <a:fld id="{81D60167-4931-47E6-BA6A-407CBD079E47}" type="slidenum">
-              <a:rPr spc="10" dirty="0"/>
+              <a:rPr dirty="0" spc="10"/>
               <a:t>‹#›</a:t>
             </a:fld>
-            <a:endParaRPr spc="10" dirty="0"/>
+            <a:endParaRPr dirty="0" spc="10"/>
           </a:p>
         </p:txBody>
       </p:sp>
@@ -3743,7 +3621,7 @@
     </p:bg>
     <p:spTree>
       <p:nvGrpSpPr>
-        <p:cNvPr id="1" name=""/>
+        <p:cNvPr id="12" name=""/>
         <p:cNvGrpSpPr/>
         <p:nvPr/>
       </p:nvGrpSpPr>
@@ -3757,7 +3635,7 @@
       </p:grpSpPr>
       <p:sp>
         <p:nvSpPr>
-          <p:cNvPr id="16" name="bg object 16"/>
+          <p:cNvPr id="1048576" name="bg object 16"/>
           <p:cNvSpPr/>
           <p:nvPr/>
         </p:nvSpPr>
@@ -3768,9 +3646,7 @@
           </a:xfrm>
           <a:custGeom>
             <a:avLst/>
-            <a:gdLst/>
             <a:ahLst/>
-            <a:cxnLst/>
             <a:rect l="l" t="t" r="r" b="b"/>
             <a:pathLst>
               <a:path w="1218565" h="6853555">
@@ -3790,16 +3666,13 @@
           </a:ln>
         </p:spPr>
         <p:txBody>
-          <a:bodyPr wrap="square" lIns="0" tIns="0" rIns="0" bIns="0" rtlCol="0"/>
-          <a:lstStyle/>
-          <a:p>
-            <a:endParaRPr/>
-          </a:p>
-        </p:txBody>
-      </p:sp>
-      <p:sp>
-        <p:nvSpPr>
-          <p:cNvPr id="17" name="bg object 17"/>
+          <a:bodyPr bIns="0" lIns="0" rIns="0" rtlCol="0" tIns="0" wrap="square"/>
+          <a:p/>
+        </p:txBody>
+      </p:sp>
+      <p:sp>
+        <p:nvSpPr>
+          <p:cNvPr id="1048577" name="bg object 17"/>
           <p:cNvSpPr/>
           <p:nvPr/>
         </p:nvSpPr>
@@ -3810,9 +3683,7 @@
           </a:xfrm>
           <a:custGeom>
             <a:avLst/>
-            <a:gdLst/>
             <a:ahLst/>
-            <a:cxnLst/>
             <a:rect l="l" t="t" r="r" b="b"/>
             <a:pathLst>
               <a:path w="4743450" h="3163570">
@@ -3832,16 +3703,13 @@
           </a:ln>
         </p:spPr>
         <p:txBody>
-          <a:bodyPr wrap="square" lIns="0" tIns="0" rIns="0" bIns="0" rtlCol="0"/>
-          <a:lstStyle/>
-          <a:p>
-            <a:endParaRPr/>
-          </a:p>
-        </p:txBody>
-      </p:sp>
-      <p:sp>
-        <p:nvSpPr>
-          <p:cNvPr id="18" name="bg object 18"/>
+          <a:bodyPr bIns="0" lIns="0" rIns="0" rtlCol="0" tIns="0" wrap="square"/>
+          <a:p/>
+        </p:txBody>
+      </p:sp>
+      <p:sp>
+        <p:nvSpPr>
+          <p:cNvPr id="1048578" name="bg object 18"/>
           <p:cNvSpPr/>
           <p:nvPr/>
         </p:nvSpPr>
@@ -3852,9 +3720,7 @@
           </a:xfrm>
           <a:custGeom>
             <a:avLst/>
-            <a:gdLst/>
             <a:ahLst/>
-            <a:cxnLst/>
             <a:rect l="l" t="t" r="r" b="b"/>
             <a:pathLst>
               <a:path w="3009900" h="6858000">
@@ -3884,16 +3750,13 @@
           </a:solidFill>
         </p:spPr>
         <p:txBody>
-          <a:bodyPr wrap="square" lIns="0" tIns="0" rIns="0" bIns="0" rtlCol="0"/>
-          <a:lstStyle/>
-          <a:p>
-            <a:endParaRPr/>
-          </a:p>
-        </p:txBody>
-      </p:sp>
-      <p:sp>
-        <p:nvSpPr>
-          <p:cNvPr id="19" name="bg object 19"/>
+          <a:bodyPr bIns="0" lIns="0" rIns="0" rtlCol="0" tIns="0" wrap="square"/>
+          <a:p/>
+        </p:txBody>
+      </p:sp>
+      <p:sp>
+        <p:nvSpPr>
+          <p:cNvPr id="1048579" name="bg object 19"/>
           <p:cNvSpPr/>
           <p:nvPr/>
         </p:nvSpPr>
@@ -3904,9 +3767,7 @@
           </a:xfrm>
           <a:custGeom>
             <a:avLst/>
-            <a:gdLst/>
             <a:ahLst/>
-            <a:cxnLst/>
             <a:rect l="l" t="t" r="r" b="b"/>
             <a:pathLst>
               <a:path w="2589529" h="6858000">
@@ -3936,16 +3797,13 @@
           </a:solidFill>
         </p:spPr>
         <p:txBody>
-          <a:bodyPr wrap="square" lIns="0" tIns="0" rIns="0" bIns="0" rtlCol="0"/>
-          <a:lstStyle/>
-          <a:p>
-            <a:endParaRPr/>
-          </a:p>
-        </p:txBody>
-      </p:sp>
-      <p:sp>
-        <p:nvSpPr>
-          <p:cNvPr id="20" name="bg object 20"/>
+          <a:bodyPr bIns="0" lIns="0" rIns="0" rtlCol="0" tIns="0" wrap="square"/>
+          <a:p/>
+        </p:txBody>
+      </p:sp>
+      <p:sp>
+        <p:nvSpPr>
+          <p:cNvPr id="1048580" name="bg object 20"/>
           <p:cNvSpPr/>
           <p:nvPr/>
         </p:nvSpPr>
@@ -3956,9 +3814,7 @@
           </a:xfrm>
           <a:custGeom>
             <a:avLst/>
-            <a:gdLst/>
             <a:ahLst/>
-            <a:cxnLst/>
             <a:rect l="l" t="t" r="r" b="b"/>
             <a:pathLst>
               <a:path w="3257550" h="3810000">
@@ -3985,16 +3841,13 @@
           </a:solidFill>
         </p:spPr>
         <p:txBody>
-          <a:bodyPr wrap="square" lIns="0" tIns="0" rIns="0" bIns="0" rtlCol="0"/>
-          <a:lstStyle/>
-          <a:p>
-            <a:endParaRPr/>
-          </a:p>
-        </p:txBody>
-      </p:sp>
-      <p:sp>
-        <p:nvSpPr>
-          <p:cNvPr id="21" name="bg object 21"/>
+          <a:bodyPr bIns="0" lIns="0" rIns="0" rtlCol="0" tIns="0" wrap="square"/>
+          <a:p/>
+        </p:txBody>
+      </p:sp>
+      <p:sp>
+        <p:nvSpPr>
+          <p:cNvPr id="1048581" name="bg object 21"/>
           <p:cNvSpPr/>
           <p:nvPr/>
         </p:nvSpPr>
@@ -4005,9 +3858,7 @@
           </a:xfrm>
           <a:custGeom>
             <a:avLst/>
-            <a:gdLst/>
             <a:ahLst/>
-            <a:cxnLst/>
             <a:rect l="l" t="t" r="r" b="b"/>
             <a:pathLst>
               <a:path w="2854325" h="6858000">
@@ -4037,16 +3888,13 @@
           </a:solidFill>
         </p:spPr>
         <p:txBody>
-          <a:bodyPr wrap="square" lIns="0" tIns="0" rIns="0" bIns="0" rtlCol="0"/>
-          <a:lstStyle/>
-          <a:p>
-            <a:endParaRPr/>
-          </a:p>
-        </p:txBody>
-      </p:sp>
-      <p:sp>
-        <p:nvSpPr>
-          <p:cNvPr id="22" name="bg object 22"/>
+          <a:bodyPr bIns="0" lIns="0" rIns="0" rtlCol="0" tIns="0" wrap="square"/>
+          <a:p/>
+        </p:txBody>
+      </p:sp>
+      <p:sp>
+        <p:nvSpPr>
+          <p:cNvPr id="1048582" name="bg object 22"/>
           <p:cNvSpPr/>
           <p:nvPr/>
         </p:nvSpPr>
@@ -4057,9 +3905,7 @@
           </a:xfrm>
           <a:custGeom>
             <a:avLst/>
-            <a:gdLst/>
             <a:ahLst/>
-            <a:cxnLst/>
             <a:rect l="l" t="t" r="r" b="b"/>
             <a:pathLst>
               <a:path w="1295400" h="6858000">
@@ -4089,16 +3935,13 @@
           </a:solidFill>
         </p:spPr>
         <p:txBody>
-          <a:bodyPr wrap="square" lIns="0" tIns="0" rIns="0" bIns="0" rtlCol="0"/>
-          <a:lstStyle/>
-          <a:p>
-            <a:endParaRPr/>
-          </a:p>
-        </p:txBody>
-      </p:sp>
-      <p:sp>
-        <p:nvSpPr>
-          <p:cNvPr id="23" name="bg object 23"/>
+          <a:bodyPr bIns="0" lIns="0" rIns="0" rtlCol="0" tIns="0" wrap="square"/>
+          <a:p/>
+        </p:txBody>
+      </p:sp>
+      <p:sp>
+        <p:nvSpPr>
+          <p:cNvPr id="1048583" name="bg object 23"/>
           <p:cNvSpPr/>
           <p:nvPr/>
         </p:nvSpPr>
@@ -4109,9 +3952,7 @@
           </a:xfrm>
           <a:custGeom>
             <a:avLst/>
-            <a:gdLst/>
             <a:ahLst/>
-            <a:cxnLst/>
             <a:rect l="l" t="t" r="r" b="b"/>
             <a:pathLst>
               <a:path w="1256029" h="6858000">
@@ -4141,16 +3982,13 @@
           </a:solidFill>
         </p:spPr>
         <p:txBody>
-          <a:bodyPr wrap="square" lIns="0" tIns="0" rIns="0" bIns="0" rtlCol="0"/>
-          <a:lstStyle/>
-          <a:p>
-            <a:endParaRPr/>
-          </a:p>
-        </p:txBody>
-      </p:sp>
-      <p:sp>
-        <p:nvSpPr>
-          <p:cNvPr id="24" name="bg object 24"/>
+          <a:bodyPr bIns="0" lIns="0" rIns="0" rtlCol="0" tIns="0" wrap="square"/>
+          <a:p/>
+        </p:txBody>
+      </p:sp>
+      <p:sp>
+        <p:nvSpPr>
+          <p:cNvPr id="1048584" name="bg object 24"/>
           <p:cNvSpPr/>
           <p:nvPr/>
         </p:nvSpPr>
@@ -4161,9 +3999,7 @@
           </a:xfrm>
           <a:custGeom>
             <a:avLst/>
-            <a:gdLst/>
             <a:ahLst/>
-            <a:cxnLst/>
             <a:rect l="l" t="t" r="r" b="b"/>
             <a:pathLst>
               <a:path w="1819275" h="3267075">
@@ -4190,16 +4026,13 @@
           </a:solidFill>
         </p:spPr>
         <p:txBody>
-          <a:bodyPr wrap="square" lIns="0" tIns="0" rIns="0" bIns="0" rtlCol="0"/>
-          <a:lstStyle/>
-          <a:p>
-            <a:endParaRPr/>
-          </a:p>
-        </p:txBody>
-      </p:sp>
-      <p:sp>
-        <p:nvSpPr>
-          <p:cNvPr id="25" name="bg object 25"/>
+          <a:bodyPr bIns="0" lIns="0" rIns="0" rtlCol="0" tIns="0" wrap="square"/>
+          <a:p/>
+        </p:txBody>
+      </p:sp>
+      <p:sp>
+        <p:nvSpPr>
+          <p:cNvPr id="1048585" name="bg object 25"/>
           <p:cNvSpPr/>
           <p:nvPr/>
         </p:nvSpPr>
@@ -4210,9 +4043,7 @@
           </a:xfrm>
           <a:custGeom>
             <a:avLst/>
-            <a:gdLst/>
             <a:ahLst/>
-            <a:cxnLst/>
             <a:rect l="l" t="t" r="r" b="b"/>
             <a:pathLst>
               <a:path w="447675" h="2847975">
@@ -4239,16 +4070,13 @@
           </a:solidFill>
         </p:spPr>
         <p:txBody>
-          <a:bodyPr wrap="square" lIns="0" tIns="0" rIns="0" bIns="0" rtlCol="0"/>
-          <a:lstStyle/>
-          <a:p>
-            <a:endParaRPr/>
-          </a:p>
-        </p:txBody>
-      </p:sp>
-      <p:sp>
-        <p:nvSpPr>
-          <p:cNvPr id="2" name="Holder 2"/>
+          <a:bodyPr bIns="0" lIns="0" rIns="0" rtlCol="0" tIns="0" wrap="square"/>
+          <a:p/>
+        </p:txBody>
+      </p:sp>
+      <p:sp>
+        <p:nvSpPr>
+          <p:cNvPr id="1048586" name="Holder 2"/>
           <p:cNvSpPr>
             <a:spLocks noGrp="1"/>
           </p:cNvSpPr>
@@ -4261,17 +4089,15 @@
             <a:off x="755332" y="385444"/>
             <a:ext cx="10681335" cy="758190"/>
           </a:xfrm>
-          <a:prstGeom prst="rect">
-            <a:avLst/>
-          </a:prstGeom>
+          <a:prstGeom prst="rect"/>
         </p:spPr>
         <p:txBody>
-          <a:bodyPr wrap="square" lIns="0" tIns="0" rIns="0" bIns="0">
+          <a:bodyPr bIns="0" lIns="0" rIns="0" tIns="0" wrap="square">
             <a:spAutoFit/>
           </a:bodyPr>
           <a:lstStyle>
             <a:lvl1pPr>
-              <a:defRPr sz="4800" b="1" i="0">
+              <a:defRPr b="1" sz="4800" i="0">
                 <a:solidFill>
                   <a:schemeClr val="tx1"/>
                 </a:solidFill>
@@ -4280,14 +4106,12 @@
               </a:defRPr>
             </a:lvl1pPr>
           </a:lstStyle>
-          <a:p>
-            <a:endParaRPr/>
-          </a:p>
-        </p:txBody>
-      </p:sp>
-      <p:sp>
-        <p:nvSpPr>
-          <p:cNvPr id="3" name="Holder 3"/>
+          <a:p/>
+        </p:txBody>
+      </p:sp>
+      <p:sp>
+        <p:nvSpPr>
+          <p:cNvPr id="1048587" name="Holder 3"/>
           <p:cNvSpPr>
             <a:spLocks noGrp="1"/>
           </p:cNvSpPr>
@@ -4300,27 +4124,18 @@
             <a:off x="609600" y="1577340"/>
             <a:ext cx="10972800" cy="4526280"/>
           </a:xfrm>
-          <a:prstGeom prst="rect">
-            <a:avLst/>
-          </a:prstGeom>
+          <a:prstGeom prst="rect"/>
         </p:spPr>
         <p:txBody>
-          <a:bodyPr wrap="square" lIns="0" tIns="0" rIns="0" bIns="0">
+          <a:bodyPr bIns="0" lIns="0" rIns="0" tIns="0" wrap="square">
             <a:spAutoFit/>
           </a:bodyPr>
-          <a:lstStyle>
-            <a:lvl1pPr>
-              <a:defRPr/>
-            </a:lvl1pPr>
-          </a:lstStyle>
-          <a:p>
-            <a:endParaRPr/>
-          </a:p>
-        </p:txBody>
-      </p:sp>
-      <p:sp>
-        <p:nvSpPr>
-          <p:cNvPr id="4" name="Holder 4"/>
+          <a:p/>
+        </p:txBody>
+      </p:sp>
+      <p:sp>
+        <p:nvSpPr>
+          <p:cNvPr id="1048588" name="Holder 4"/>
           <p:cNvSpPr>
             <a:spLocks noGrp="1"/>
           </p:cNvSpPr>
@@ -4333,12 +4148,10 @@
             <a:off x="4145280" y="6377940"/>
             <a:ext cx="3901440" cy="342900"/>
           </a:xfrm>
-          <a:prstGeom prst="rect">
-            <a:avLst/>
-          </a:prstGeom>
+          <a:prstGeom prst="rect"/>
         </p:spPr>
         <p:txBody>
-          <a:bodyPr wrap="square" lIns="0" tIns="0" rIns="0" bIns="0">
+          <a:bodyPr bIns="0" lIns="0" rIns="0" tIns="0" wrap="square">
             <a:spAutoFit/>
           </a:bodyPr>
           <a:lstStyle>
@@ -4352,14 +4165,12 @@
               </a:defRPr>
             </a:lvl1pPr>
           </a:lstStyle>
-          <a:p>
-            <a:endParaRPr/>
-          </a:p>
-        </p:txBody>
-      </p:sp>
-      <p:sp>
-        <p:nvSpPr>
-          <p:cNvPr id="5" name="Holder 5"/>
+          <a:p/>
+        </p:txBody>
+      </p:sp>
+      <p:sp>
+        <p:nvSpPr>
+          <p:cNvPr id="1048589" name="Holder 5"/>
           <p:cNvSpPr>
             <a:spLocks noGrp="1"/>
           </p:cNvSpPr>
@@ -4372,12 +4183,10 @@
             <a:off x="609600" y="6377940"/>
             <a:ext cx="2804160" cy="342900"/>
           </a:xfrm>
-          <a:prstGeom prst="rect">
-            <a:avLst/>
-          </a:prstGeom>
+          <a:prstGeom prst="rect"/>
         </p:spPr>
         <p:txBody>
-          <a:bodyPr wrap="square" lIns="0" tIns="0" rIns="0" bIns="0">
+          <a:bodyPr bIns="0" lIns="0" rIns="0" tIns="0" wrap="square">
             <a:spAutoFit/>
           </a:bodyPr>
           <a:lstStyle>
@@ -4402,7 +4211,7 @@
       </p:sp>
       <p:sp>
         <p:nvSpPr>
-          <p:cNvPr id="6" name="Holder 6"/>
+          <p:cNvPr id="1048590" name="Holder 6"/>
           <p:cNvSpPr>
             <a:spLocks noGrp="1"/>
           </p:cNvSpPr>
@@ -4415,17 +4224,15 @@
             <a:off x="11353418" y="6473337"/>
             <a:ext cx="151129" cy="191770"/>
           </a:xfrm>
-          <a:prstGeom prst="rect">
-            <a:avLst/>
-          </a:prstGeom>
+          <a:prstGeom prst="rect"/>
         </p:spPr>
         <p:txBody>
-          <a:bodyPr wrap="square" lIns="0" tIns="0" rIns="0" bIns="0">
+          <a:bodyPr bIns="0" lIns="0" rIns="0" tIns="0" wrap="square">
             <a:spAutoFit/>
           </a:bodyPr>
           <a:lstStyle>
             <a:lvl1pPr>
-              <a:defRPr sz="1100" b="0" i="0">
+              <a:defRPr b="0" sz="1100" i="0">
                 <a:solidFill>
                   <a:srgbClr val="2D936B"/>
                 </a:solidFill>
@@ -4444,22 +4251,22 @@
               </a:spcBef>
             </a:pPr>
             <a:fld id="{81D60167-4931-47E6-BA6A-407CBD079E47}" type="slidenum">
-              <a:rPr spc="10" dirty="0"/>
+              <a:rPr dirty="0" spc="10"/>
               <a:t>‹#›</a:t>
             </a:fld>
-            <a:endParaRPr spc="10" dirty="0"/>
+            <a:endParaRPr dirty="0" spc="10"/>
           </a:p>
         </p:txBody>
       </p:sp>
     </p:spTree>
   </p:cSld>
-  <p:clrMap bg1="lt1" tx1="dk1" bg2="lt2" tx2="dk2" accent1="accent1" accent2="accent2" accent3="accent3" accent4="accent4" accent5="accent5" accent6="accent6" hlink="hlink" folHlink="folHlink"/>
+  <p:clrMap accent1="accent1" accent2="accent2" accent3="accent3" accent4="accent4" accent5="accent5" accent6="accent6" bg1="lt1" bg2="lt2" tx1="dk1" tx2="dk2" hlink="hlink" folHlink="folHlink"/>
   <p:sldLayoutIdLst>
-    <p:sldLayoutId id="2147483661" r:id="rId1"/>
-    <p:sldLayoutId id="2147483662" r:id="rId2"/>
-    <p:sldLayoutId id="2147483663" r:id="rId3"/>
-    <p:sldLayoutId id="2147483664" r:id="rId4"/>
-    <p:sldLayoutId id="2147483665" r:id="rId5"/>
+    <p:sldLayoutId id="2147483649" r:id="rId1"/>
+    <p:sldLayoutId id="2147483650" r:id="rId2"/>
+    <p:sldLayoutId id="2147483651" r:id="rId3"/>
+    <p:sldLayoutId id="2147483652" r:id="rId4"/>
+    <p:sldLayoutId id="2147483653" r:id="rId5"/>
   </p:sldLayoutIdLst>
   <p:txStyles>
     <p:titleStyle>
@@ -4610,7 +4417,7 @@
   <p:cSld>
     <p:spTree>
       <p:nvGrpSpPr>
-        <p:cNvPr id="1" name=""/>
+        <p:cNvPr id="28" name=""/>
         <p:cNvGrpSpPr/>
         <p:nvPr/>
       </p:nvGrpSpPr>
@@ -4624,7 +4431,7 @@
       </p:grpSpPr>
       <p:grpSp>
         <p:nvGrpSpPr>
-          <p:cNvPr id="2" name="object 2"/>
+          <p:cNvPr id="29" name="object 2"/>
           <p:cNvGrpSpPr/>
           <p:nvPr/>
         </p:nvGrpSpPr>
@@ -4638,7 +4445,7 @@
         </p:grpSpPr>
         <p:sp>
           <p:nvSpPr>
-            <p:cNvPr id="3" name="object 3"/>
+            <p:cNvPr id="1048635" name="object 3"/>
             <p:cNvSpPr/>
             <p:nvPr/>
           </p:nvSpPr>
@@ -4649,9 +4456,7 @@
             </a:xfrm>
             <a:custGeom>
               <a:avLst/>
-              <a:gdLst/>
               <a:ahLst/>
-              <a:cxnLst/>
               <a:rect l="l" t="t" r="r" b="b"/>
               <a:pathLst>
                 <a:path w="1228725" h="1057275">
@@ -4685,16 +4490,13 @@
             </a:solidFill>
           </p:spPr>
           <p:txBody>
-            <a:bodyPr wrap="square" lIns="0" tIns="0" rIns="0" bIns="0" rtlCol="0"/>
-            <a:lstStyle/>
-            <a:p>
-              <a:endParaRPr/>
-            </a:p>
+            <a:bodyPr bIns="0" lIns="0" rIns="0" rtlCol="0" tIns="0" wrap="square"/>
+            <a:p/>
           </p:txBody>
         </p:sp>
         <p:sp>
           <p:nvSpPr>
-            <p:cNvPr id="4" name="object 4"/>
+            <p:cNvPr id="1048636" name="object 4"/>
             <p:cNvSpPr/>
             <p:nvPr/>
           </p:nvSpPr>
@@ -4705,9 +4507,7 @@
             </a:xfrm>
             <a:custGeom>
               <a:avLst/>
-              <a:gdLst/>
               <a:ahLst/>
-              <a:cxnLst/>
               <a:rect l="l" t="t" r="r" b="b"/>
               <a:pathLst>
                 <a:path w="647700" h="561975">
@@ -4741,17 +4541,14 @@
             </a:solidFill>
           </p:spPr>
           <p:txBody>
-            <a:bodyPr wrap="square" lIns="0" tIns="0" rIns="0" bIns="0" rtlCol="0"/>
-            <a:lstStyle/>
-            <a:p>
-              <a:endParaRPr/>
-            </a:p>
+            <a:bodyPr bIns="0" lIns="0" rIns="0" rtlCol="0" tIns="0" wrap="square"/>
+            <a:p/>
           </p:txBody>
         </p:sp>
       </p:grpSp>
       <p:sp>
         <p:nvSpPr>
-          <p:cNvPr id="5" name="object 5"/>
+          <p:cNvPr id="1048637" name="object 5"/>
           <p:cNvSpPr/>
           <p:nvPr/>
         </p:nvSpPr>
@@ -4762,9 +4559,7 @@
           </a:xfrm>
           <a:custGeom>
             <a:avLst/>
-            <a:gdLst/>
             <a:ahLst/>
-            <a:cxnLst/>
             <a:rect l="l" t="t" r="r" b="b"/>
             <a:pathLst>
               <a:path w="1666875" h="1438275">
@@ -4798,16 +4593,13 @@
           </a:solidFill>
         </p:spPr>
         <p:txBody>
-          <a:bodyPr wrap="square" lIns="0" tIns="0" rIns="0" bIns="0" rtlCol="0"/>
-          <a:lstStyle/>
-          <a:p>
-            <a:endParaRPr/>
-          </a:p>
-        </p:txBody>
-      </p:sp>
-      <p:sp>
-        <p:nvSpPr>
-          <p:cNvPr id="6" name="object 6"/>
+          <a:bodyPr bIns="0" lIns="0" rIns="0" rtlCol="0" tIns="0" wrap="square"/>
+          <a:p/>
+        </p:txBody>
+      </p:sp>
+      <p:sp>
+        <p:nvSpPr>
+          <p:cNvPr id="1048638" name="object 6"/>
           <p:cNvSpPr/>
           <p:nvPr/>
         </p:nvSpPr>
@@ -4818,9 +4610,7 @@
           </a:xfrm>
           <a:custGeom>
             <a:avLst/>
-            <a:gdLst/>
             <a:ahLst/>
-            <a:cxnLst/>
             <a:rect l="l" t="t" r="r" b="b"/>
             <a:pathLst>
               <a:path w="723900" h="619125">
@@ -4854,16 +4644,13 @@
           </a:solidFill>
         </p:spPr>
         <p:txBody>
-          <a:bodyPr wrap="square" lIns="0" tIns="0" rIns="0" bIns="0" rtlCol="0"/>
-          <a:lstStyle/>
-          <a:p>
-            <a:endParaRPr/>
-          </a:p>
-        </p:txBody>
-      </p:sp>
-      <p:sp>
-        <p:nvSpPr>
-          <p:cNvPr id="7" name="object 7"/>
+          <a:bodyPr bIns="0" lIns="0" rIns="0" rtlCol="0" tIns="0" wrap="square"/>
+          <a:p/>
+        </p:txBody>
+      </p:sp>
+      <p:sp>
+        <p:nvSpPr>
+          <p:cNvPr id="1048639" name="object 7"/>
           <p:cNvSpPr txBox="1">
             <a:spLocks noGrp="1"/>
           </p:cNvSpPr>
@@ -4876,15 +4663,12 @@
             <a:off x="-1238250" y="37612"/>
             <a:ext cx="9982200" cy="1001556"/>
           </a:xfrm>
-          <a:prstGeom prst="rect">
-            <a:avLst/>
-          </a:prstGeom>
+          <a:prstGeom prst="rect"/>
         </p:spPr>
         <p:txBody>
-          <a:bodyPr vert="horz" wrap="square" lIns="0" tIns="16510" rIns="0" bIns="0" rtlCol="0">
+          <a:bodyPr bIns="0" lIns="0" rIns="0" rtlCol="0" tIns="16510" vert="horz" wrap="square">
             <a:spAutoFit/>
           </a:bodyPr>
-          <a:lstStyle/>
           <a:p>
             <a:pPr marL="3213735">
               <a:spcBef>
@@ -4892,7 +4676,7 @@
               </a:spcBef>
             </a:pPr>
             <a:r>
-              <a:rPr lang="en-US" b="1" dirty="0">
+              <a:rPr b="1" dirty="0" lang="en-US">
                 <a:solidFill>
                   <a:srgbClr val="0F0F0F"/>
                 </a:solidFill>
@@ -4902,7 +4686,7 @@
               <a:t>Employee Data Analysis using Excel</a:t>
             </a:r>
             <a:r>
-              <a:rPr lang="en-US" b="1" i="0" dirty="0">
+              <a:rPr b="1" dirty="0" i="0" lang="en-US">
                 <a:solidFill>
                   <a:srgbClr val="0F0F0F"/>
                 </a:solidFill>
@@ -4913,7 +4697,7 @@
               <a:t> </a:t>
             </a:r>
             <a:br>
-              <a:rPr lang="en-US" b="1" i="0" dirty="0">
+              <a:rPr b="1" dirty="0" i="0" lang="en-US">
                 <a:solidFill>
                   <a:srgbClr val="0F0F0F"/>
                 </a:solidFill>
@@ -4921,18 +4705,20 @@
                 <a:latin typeface="Roboto" panose="020F0502020204030204" pitchFamily="2" charset="0"/>
               </a:rPr>
             </a:br>
-            <a:endParaRPr spc="15" dirty="0"/>
+            <a:endParaRPr dirty="0" spc="15"/>
           </a:p>
         </p:txBody>
       </p:sp>
       <p:pic>
         <p:nvPicPr>
-          <p:cNvPr id="9" name="object 9"/>
-          <p:cNvPicPr/>
+          <p:cNvPr id="2097157" name="object 9"/>
+          <p:cNvPicPr>
+            <a:picLocks/>
+          </p:cNvPicPr>
           <p:nvPr/>
         </p:nvPicPr>
         <p:blipFill>
-          <a:blip r:embed="rId3" cstate="print"/>
+          <a:blip xmlns:r="http://schemas.openxmlformats.org/officeDocument/2006/relationships" r:embed="rId1" cstate="print"/>
           <a:stretch>
             <a:fillRect/>
           </a:stretch>
@@ -4942,14 +4728,12 @@
             <a:off x="676275" y="6467475"/>
             <a:ext cx="2143125" cy="200025"/>
           </a:xfrm>
-          <a:prstGeom prst="rect">
-            <a:avLst/>
-          </a:prstGeom>
+          <a:prstGeom prst="rect"/>
         </p:spPr>
       </p:pic>
       <p:sp>
         <p:nvSpPr>
-          <p:cNvPr id="11" name="object 11"/>
+          <p:cNvPr id="1048640" name="object 11"/>
           <p:cNvSpPr txBox="1">
             <a:spLocks noGrp="1"/>
           </p:cNvSpPr>
@@ -4958,15 +4742,12 @@
           </p:nvPr>
         </p:nvSpPr>
         <p:spPr>
-          <a:prstGeom prst="rect">
-            <a:avLst/>
-          </a:prstGeom>
+          <a:prstGeom prst="rect"/>
         </p:spPr>
         <p:txBody>
-          <a:bodyPr vert="horz" wrap="square" lIns="0" tIns="6985" rIns="0" bIns="0" rtlCol="0">
+          <a:bodyPr bIns="0" lIns="0" rIns="0" rtlCol="0" tIns="6985" vert="horz" wrap="square">
             <a:spAutoFit/>
           </a:bodyPr>
-          <a:lstStyle/>
           <a:p>
             <a:pPr marL="38100">
               <a:lnSpc>
@@ -4977,33 +4758,28 @@
               </a:spcBef>
             </a:pPr>
             <a:fld id="{81D60167-4931-47E6-BA6A-407CBD079E47}" type="slidenum">
-              <a:rPr spc="10" dirty="0"/>
+              <a:rPr dirty="0" spc="10"/>
               <a:t>1</a:t>
             </a:fld>
-            <a:endParaRPr spc="10" dirty="0"/>
+            <a:endParaRPr dirty="0" spc="10"/>
           </a:p>
         </p:txBody>
       </p:sp>
       <p:sp>
         <p:nvSpPr>
-          <p:cNvPr id="16" name="TextBox 15">
-            <a:extLst>
-              <a:ext uri="{FF2B5EF4-FFF2-40B4-BE49-F238E27FC236}">
-                <a16:creationId xmlns:a16="http://schemas.microsoft.com/office/drawing/2014/main" id="{30AC9AFB-85DD-5CCA-521D-A19D4C28DB94}"/>
-              </a:ext>
-            </a:extLst>
-          </p:cNvPr>
+          <p:cNvPr id="1048641" name="TextBox 15"/>
           <p:cNvSpPr txBox="1"/>
           <p:nvPr/>
         </p:nvSpPr>
         <p:spPr>
           <a:xfrm>
             <a:off x="1479891" y="2627769"/>
-            <a:ext cx="9232217" cy="2677656"/>
+            <a:ext cx="9232217" cy="2580641"/>
           </a:xfrm>
-          <a:prstGeom prst="rect">
-            <a:avLst/>
-          </a:prstGeom>
+          <a:prstGeom prst="rect"/>
+          <a:solidFill>
+            <a:srgbClr val="FFFFFF"/>
+          </a:solidFill>
           <a:ln>
             <a:headEnd type="none" w="med" len="med"/>
             <a:tailEnd type="none" w="med" len="med"/>
@@ -5024,69 +4800,62 @@
           </a:fontRef>
         </p:style>
         <p:txBody>
-          <a:bodyPr wrap="square" rtlCol="0">
+          <a:bodyPr rtlCol="0" wrap="square">
             <a:spAutoFit/>
           </a:bodyPr>
-          <a:lstStyle/>
           <a:p>
             <a:r>
-              <a:rPr lang="en-US" sz="2400" dirty="0"/>
+              <a:rPr dirty="0" sz="2400" lang="en-US"/>
               <a:t>STUDENT NAME: </a:t>
             </a:r>
             <a:r>
-              <a:rPr lang="en-US" sz="2400" dirty="0" err="1"/>
+              <a:rPr dirty="0" sz="2400" lang="en-US" err="1"/>
               <a:t>Mahadharshini.S</a:t>
             </a:r>
-            <a:endParaRPr lang="en-US" sz="2400" dirty="0"/>
+            <a:endParaRPr dirty="0" sz="2400" lang="en-US"/>
           </a:p>
           <a:p>
             <a:r>
-              <a:rPr lang="en-US" sz="2400" dirty="0"/>
+              <a:rPr dirty="0" sz="2400" lang="en-US"/>
               <a:t>REGISTER NO:2213371036027</a:t>
             </a:r>
           </a:p>
           <a:p>
             <a:r>
-              <a:rPr lang="en-US" sz="2400" dirty="0"/>
+              <a:rPr dirty="0" sz="2400" lang="en-US"/>
               <a:t>NM ID: 339FEFA51E7F92598DD4CEC55415</a:t>
             </a:r>
           </a:p>
           <a:p>
             <a:r>
-              <a:rPr lang="en-US" sz="2400" dirty="0"/>
+              <a:rPr dirty="0" sz="2400" lang="en-US"/>
               <a:t>DEPARTMENT:COMMERCE</a:t>
             </a:r>
           </a:p>
           <a:p>
             <a:r>
-              <a:rPr lang="en-US" sz="2400" dirty="0"/>
+              <a:rPr dirty="0" sz="2400" lang="en-US"/>
               <a:t>COLLEGE:QUAID-E-MILLATH GOVERNMENT COLLEGE FOR </a:t>
             </a:r>
           </a:p>
           <a:p>
             <a:r>
-              <a:rPr lang="en-US" sz="2400" dirty="0"/>
+              <a:rPr dirty="0" sz="2400" lang="en-US"/>
               <a:t>WOMEN (AUTONOMOUS)</a:t>
             </a:r>
           </a:p>
           <a:p>
             <a:r>
-              <a:rPr lang="en-US" sz="2400" dirty="0"/>
+              <a:rPr dirty="0" sz="2400" lang="en-US"/>
               <a:t>           </a:t>
             </a:r>
-            <a:endParaRPr lang="en-IN" sz="2400" dirty="0"/>
+            <a:endParaRPr dirty="0" sz="2400" lang="en-IN"/>
           </a:p>
         </p:txBody>
       </p:sp>
       <p:sp>
         <p:nvSpPr>
-          <p:cNvPr id="10" name="TextBox 9">
-            <a:extLst>
-              <a:ext uri="{FF2B5EF4-FFF2-40B4-BE49-F238E27FC236}">
-                <a16:creationId xmlns:a16="http://schemas.microsoft.com/office/drawing/2014/main" id="{C6A7B230-AA8B-44D0-BC2A-F46158A84285}"/>
-              </a:ext>
-            </a:extLst>
-          </p:cNvPr>
+          <p:cNvPr id="1048642" name="TextBox 9"/>
           <p:cNvSpPr txBox="1"/>
           <p:nvPr/>
         </p:nvSpPr>
@@ -5095,19 +4864,16 @@
             <a:off x="4569869" y="1552575"/>
             <a:ext cx="5635487" cy="369332"/>
           </a:xfrm>
-          <a:prstGeom prst="rect">
-            <a:avLst/>
-          </a:prstGeom>
+          <a:prstGeom prst="rect"/>
           <a:noFill/>
         </p:spPr>
         <p:txBody>
-          <a:bodyPr wrap="square" rtlCol="0">
+          <a:bodyPr rtlCol="0" wrap="square">
             <a:spAutoFit/>
           </a:bodyPr>
-          <a:lstStyle/>
           <a:p>
             <a:pPr algn="l"/>
-            <a:endParaRPr lang="en-US" dirty="0">
+            <a:endParaRPr dirty="0" lang="en-US">
               <a:solidFill>
                 <a:srgbClr val="FF0000"/>
               </a:solidFill>
@@ -5128,7 +4894,7 @@
   <p:cSld>
     <p:spTree>
       <p:nvGrpSpPr>
-        <p:cNvPr id="1" name=""/>
+        <p:cNvPr id="40" name=""/>
         <p:cNvGrpSpPr/>
         <p:nvPr/>
       </p:nvGrpSpPr>
@@ -5142,7 +4908,7 @@
       </p:grpSpPr>
       <p:sp>
         <p:nvSpPr>
-          <p:cNvPr id="5" name="object 5"/>
+          <p:cNvPr id="1048677" name="object 5"/>
           <p:cNvSpPr/>
           <p:nvPr/>
         </p:nvSpPr>
@@ -5153,9 +4919,7 @@
           </a:xfrm>
           <a:custGeom>
             <a:avLst/>
-            <a:gdLst/>
             <a:ahLst/>
-            <a:cxnLst/>
             <a:rect l="l" t="t" r="r" b="b"/>
             <a:pathLst>
               <a:path w="180975" h="180975">
@@ -5183,21 +4947,20 @@
           </a:solidFill>
         </p:spPr>
         <p:txBody>
-          <a:bodyPr wrap="square" lIns="0" tIns="0" rIns="0" bIns="0" rtlCol="0"/>
-          <a:lstStyle/>
-          <a:p>
-            <a:endParaRPr/>
-          </a:p>
+          <a:bodyPr bIns="0" lIns="0" rIns="0" rtlCol="0" tIns="0" wrap="square"/>
+          <a:p/>
         </p:txBody>
       </p:sp>
       <p:pic>
         <p:nvPicPr>
-          <p:cNvPr id="6" name="object 6"/>
-          <p:cNvPicPr/>
+          <p:cNvPr id="2097166" name="object 6"/>
+          <p:cNvPicPr>
+            <a:picLocks/>
+          </p:cNvPicPr>
           <p:nvPr/>
         </p:nvPicPr>
         <p:blipFill>
-          <a:blip r:embed="rId2" cstate="print"/>
+          <a:blip xmlns:r="http://schemas.openxmlformats.org/officeDocument/2006/relationships" r:embed="rId1" cstate="print"/>
           <a:stretch>
             <a:fillRect/>
           </a:stretch>
@@ -5207,14 +4970,12 @@
             <a:off x="1666875" y="6467475"/>
             <a:ext cx="76200" cy="177800"/>
           </a:xfrm>
-          <a:prstGeom prst="rect">
-            <a:avLst/>
-          </a:prstGeom>
+          <a:prstGeom prst="rect"/>
         </p:spPr>
       </p:pic>
       <p:sp>
         <p:nvSpPr>
-          <p:cNvPr id="9" name="object 9"/>
+          <p:cNvPr id="1048678" name="object 9"/>
           <p:cNvSpPr txBox="1"/>
           <p:nvPr/>
         </p:nvSpPr>
@@ -5223,15 +4984,12 @@
             <a:off x="11277218" y="6473337"/>
             <a:ext cx="228600" cy="191770"/>
           </a:xfrm>
-          <a:prstGeom prst="rect">
-            <a:avLst/>
-          </a:prstGeom>
+          <a:prstGeom prst="rect"/>
         </p:spPr>
         <p:txBody>
-          <a:bodyPr vert="horz" wrap="square" lIns="0" tIns="6985" rIns="0" bIns="0" rtlCol="0">
+          <a:bodyPr bIns="0" lIns="0" rIns="0" rtlCol="0" tIns="6985" vert="horz" wrap="square">
             <a:spAutoFit/>
           </a:bodyPr>
-          <a:lstStyle/>
           <a:p>
             <a:pPr marL="38100">
               <a:lnSpc>
@@ -5242,7 +5000,7 @@
               </a:spcBef>
             </a:pPr>
             <a:fld id="{81D60167-4931-47E6-BA6A-407CBD079E47}" type="slidenum">
-              <a:rPr sz="1100" spc="10" dirty="0">
+              <a:rPr dirty="0" sz="1100" spc="10">
                 <a:solidFill>
                   <a:srgbClr val="2D936B"/>
                 </a:solidFill>
@@ -5260,24 +5018,21 @@
       </p:sp>
       <p:sp>
         <p:nvSpPr>
-          <p:cNvPr id="8" name="object 8"/>
+          <p:cNvPr id="1048679" name="object 8"/>
           <p:cNvSpPr txBox="1"/>
           <p:nvPr/>
         </p:nvSpPr>
         <p:spPr>
           <a:xfrm>
             <a:off x="739775" y="291147"/>
-            <a:ext cx="3303904" cy="758190"/>
+            <a:ext cx="3303904" cy="1461135"/>
           </a:xfrm>
-          <a:prstGeom prst="rect">
-            <a:avLst/>
-          </a:prstGeom>
+          <a:prstGeom prst="rect"/>
         </p:spPr>
         <p:txBody>
-          <a:bodyPr vert="horz" wrap="square" lIns="0" tIns="13335" rIns="0" bIns="0" rtlCol="0">
+          <a:bodyPr bIns="0" lIns="0" rIns="0" rtlCol="0" tIns="13335" vert="horz" wrap="square">
             <a:spAutoFit/>
           </a:bodyPr>
-          <a:lstStyle/>
           <a:p>
             <a:pPr marL="12700">
               <a:lnSpc>
@@ -5288,62 +5043,62 @@
               </a:spcBef>
             </a:pPr>
             <a:r>
-              <a:rPr sz="4800" b="1" spc="15" dirty="0">
+              <a:rPr b="1" dirty="0" sz="4800" spc="15">
                 <a:latin typeface="Trebuchet MS"/>
                 <a:cs typeface="Trebuchet MS"/>
               </a:rPr>
               <a:t>M</a:t>
             </a:r>
             <a:r>
-              <a:rPr sz="4800" b="1" dirty="0">
+              <a:rPr b="1" dirty="0" sz="4800">
                 <a:latin typeface="Trebuchet MS"/>
                 <a:cs typeface="Trebuchet MS"/>
               </a:rPr>
               <a:t>O</a:t>
             </a:r>
             <a:r>
-              <a:rPr sz="4800" b="1" spc="-15" dirty="0">
+              <a:rPr b="1" dirty="0" sz="4800" spc="-15">
                 <a:latin typeface="Trebuchet MS"/>
                 <a:cs typeface="Trebuchet MS"/>
               </a:rPr>
               <a:t>D</a:t>
             </a:r>
             <a:r>
-              <a:rPr sz="4800" b="1" spc="-35" dirty="0">
+              <a:rPr b="1" dirty="0" sz="4800" spc="-35">
                 <a:latin typeface="Trebuchet MS"/>
                 <a:cs typeface="Trebuchet MS"/>
               </a:rPr>
               <a:t>E</a:t>
             </a:r>
             <a:r>
-              <a:rPr sz="4800" b="1" spc="-30" dirty="0">
+              <a:rPr b="1" dirty="0" sz="4800" spc="-30">
                 <a:latin typeface="Trebuchet MS"/>
                 <a:cs typeface="Trebuchet MS"/>
               </a:rPr>
               <a:t>LL</a:t>
             </a:r>
             <a:r>
-              <a:rPr sz="4800" b="1" spc="-5" dirty="0">
+              <a:rPr b="1" dirty="0" sz="4800" spc="-5">
                 <a:latin typeface="Trebuchet MS"/>
                 <a:cs typeface="Trebuchet MS"/>
               </a:rPr>
               <a:t>I</a:t>
             </a:r>
             <a:r>
-              <a:rPr sz="4800" b="1" spc="30" dirty="0">
+              <a:rPr b="1" dirty="0" sz="4800" spc="30">
                 <a:latin typeface="Trebuchet MS"/>
                 <a:cs typeface="Trebuchet MS"/>
               </a:rPr>
               <a:t>N</a:t>
             </a:r>
             <a:r>
-              <a:rPr sz="4800" b="1" spc="5" dirty="0">
+              <a:rPr b="1" dirty="0" sz="4800" spc="5">
                 <a:latin typeface="Trebuchet MS"/>
                 <a:cs typeface="Trebuchet MS"/>
               </a:rPr>
               <a:t>G</a:t>
             </a:r>
-            <a:endParaRPr sz="4800" dirty="0">
+            <a:endParaRPr dirty="0" sz="4800">
               <a:latin typeface="Trebuchet MS"/>
               <a:cs typeface="Trebuchet MS"/>
             </a:endParaRPr>
@@ -5352,7 +5107,7 @@
       </p:sp>
       <p:sp>
         <p:nvSpPr>
-          <p:cNvPr id="14" name="object 3"/>
+          <p:cNvPr id="1048680" name="object 3"/>
           <p:cNvSpPr/>
           <p:nvPr/>
         </p:nvSpPr>
@@ -5363,9 +5118,7 @@
           </a:xfrm>
           <a:custGeom>
             <a:avLst/>
-            <a:gdLst/>
             <a:ahLst/>
-            <a:cxnLst/>
             <a:rect l="l" t="t" r="r" b="b"/>
             <a:pathLst>
               <a:path w="457200" h="457200">
@@ -5393,22 +5146,13 @@
           </a:solidFill>
         </p:spPr>
         <p:txBody>
-          <a:bodyPr wrap="square" lIns="0" tIns="0" rIns="0" bIns="0" rtlCol="0"/>
-          <a:lstStyle/>
-          <a:p>
-            <a:endParaRPr/>
-          </a:p>
-        </p:txBody>
-      </p:sp>
-      <p:sp>
-        <p:nvSpPr>
-          <p:cNvPr id="3" name="TextBox 2">
-            <a:extLst>
-              <a:ext uri="{FF2B5EF4-FFF2-40B4-BE49-F238E27FC236}">
-                <a16:creationId xmlns:a16="http://schemas.microsoft.com/office/drawing/2014/main" id="{1FCCD74F-D990-F523-DFE3-BCA0CB9C2003}"/>
-              </a:ext>
-            </a:extLst>
-          </p:cNvPr>
+          <a:bodyPr bIns="0" lIns="0" rIns="0" rtlCol="0" tIns="0" wrap="square"/>
+          <a:p/>
+        </p:txBody>
+      </p:sp>
+      <p:sp>
+        <p:nvSpPr>
+          <p:cNvPr id="1048681" name="TextBox 2"/>
           <p:cNvSpPr txBox="1"/>
           <p:nvPr/>
         </p:nvSpPr>
@@ -5417,27 +5161,24 @@
             <a:off x="457200" y="1219200"/>
             <a:ext cx="8694174" cy="461665"/>
           </a:xfrm>
-          <a:prstGeom prst="rect">
-            <a:avLst/>
-          </a:prstGeom>
+          <a:prstGeom prst="rect"/>
           <a:noFill/>
         </p:spPr>
         <p:txBody>
           <a:bodyPr wrap="square">
             <a:spAutoFit/>
           </a:bodyPr>
-          <a:lstStyle/>
           <a:p>
             <a:r>
-              <a:rPr lang="en-IN" sz="2400" dirty="0"/>
+              <a:rPr dirty="0" sz="2400" lang="en-IN"/>
               <a:t>Data collection  1. Collected data from </a:t>
             </a:r>
             <a:r>
-              <a:rPr lang="en-IN" sz="2400" dirty="0" err="1"/>
+              <a:rPr dirty="0" sz="2400" lang="en-IN" err="1"/>
               <a:t>edunet</a:t>
             </a:r>
             <a:r>
-              <a:rPr lang="en-IN" sz="2400" dirty="0"/>
+              <a:rPr dirty="0" sz="2400" lang="en-IN"/>
               <a:t> dashboard</a:t>
             </a:r>
           </a:p>
@@ -5445,60 +5186,51 @@
       </p:sp>
       <p:sp>
         <p:nvSpPr>
-          <p:cNvPr id="7" name="TextBox 6">
-            <a:extLst>
-              <a:ext uri="{FF2B5EF4-FFF2-40B4-BE49-F238E27FC236}">
-                <a16:creationId xmlns:a16="http://schemas.microsoft.com/office/drawing/2014/main" id="{738598B8-0020-34AA-6932-9C7FDDC6EE0B}"/>
-              </a:ext>
-            </a:extLst>
-          </p:cNvPr>
+          <p:cNvPr id="1048682" name="TextBox 6"/>
           <p:cNvSpPr txBox="1"/>
           <p:nvPr/>
         </p:nvSpPr>
         <p:spPr>
           <a:xfrm>
             <a:off x="442452" y="1588532"/>
-            <a:ext cx="8541774" cy="3416320"/>
+            <a:ext cx="8541774" cy="3291841"/>
           </a:xfrm>
-          <a:prstGeom prst="rect">
-            <a:avLst/>
-          </a:prstGeom>
+          <a:prstGeom prst="rect"/>
           <a:noFill/>
         </p:spPr>
         <p:txBody>
           <a:bodyPr wrap="square">
             <a:spAutoFit/>
           </a:bodyPr>
-          <a:lstStyle/>
           <a:p>
             <a:r>
-              <a:rPr lang="en-IN" sz="2400" dirty="0"/>
+              <a:rPr dirty="0" sz="2400" lang="en-IN"/>
               <a:t>Feature collection 1 . Collected overall features from employee dataset excel 2. Selected particular features</a:t>
             </a:r>
           </a:p>
           <a:p>
             <a:r>
-              <a:rPr lang="en-IN" sz="2400" dirty="0"/>
+              <a:rPr dirty="0" sz="2400" lang="en-IN"/>
               <a:t>Data cleaning 1. Identified blank by applying conditional </a:t>
             </a:r>
             <a:r>
-              <a:rPr lang="en-IN" sz="2400" dirty="0" err="1"/>
+              <a:rPr dirty="0" sz="2400" lang="en-IN" err="1"/>
               <a:t>formating</a:t>
             </a:r>
             <a:r>
-              <a:rPr lang="en-IN" sz="2400" dirty="0"/>
+              <a:rPr dirty="0" sz="2400" lang="en-IN"/>
               <a:t> 2 . Removed blank by applying filter</a:t>
             </a:r>
           </a:p>
           <a:p>
             <a:r>
-              <a:rPr lang="en-IN" sz="2400" dirty="0"/>
+              <a:rPr dirty="0" sz="2400" lang="en-IN"/>
               <a:t>Performance level1. Calculated performance level by using the current employee rating Summary 1 . prepared pivot table 2 . Filtered pivot table</a:t>
             </a:r>
           </a:p>
           <a:p>
             <a:r>
-              <a:rPr lang="en-IN" sz="2400" dirty="0"/>
+              <a:rPr dirty="0" sz="2400" lang="en-IN"/>
               <a:t> Visualization 1. Prepared a graph using pivot table data 2 . prepared trendlines for medium and low performance</a:t>
             </a:r>
           </a:p>
@@ -5551,7 +5283,7 @@
     </p:bg>
     <p:spTree>
       <p:nvGrpSpPr>
-        <p:cNvPr id="1" name=""/>
+        <p:cNvPr id="41" name=""/>
         <p:cNvGrpSpPr/>
         <p:nvPr/>
       </p:nvGrpSpPr>
@@ -5565,7 +5297,7 @@
       </p:grpSpPr>
       <p:sp>
         <p:nvSpPr>
-          <p:cNvPr id="3" name="object 3"/>
+          <p:cNvPr id="1048683" name="object 3"/>
           <p:cNvSpPr/>
           <p:nvPr/>
         </p:nvSpPr>
@@ -5576,9 +5308,7 @@
           </a:xfrm>
           <a:custGeom>
             <a:avLst/>
-            <a:gdLst/>
             <a:ahLst/>
-            <a:cxnLst/>
             <a:rect l="l" t="t" r="r" b="b"/>
             <a:pathLst>
               <a:path w="457200" h="457200">
@@ -5606,16 +5336,13 @@
           </a:solidFill>
         </p:spPr>
         <p:txBody>
-          <a:bodyPr wrap="square" lIns="0" tIns="0" rIns="0" bIns="0" rtlCol="0"/>
-          <a:lstStyle/>
-          <a:p>
-            <a:endParaRPr/>
-          </a:p>
-        </p:txBody>
-      </p:sp>
-      <p:sp>
-        <p:nvSpPr>
-          <p:cNvPr id="4" name="object 4"/>
+          <a:bodyPr bIns="0" lIns="0" rIns="0" rtlCol="0" tIns="0" wrap="square"/>
+          <a:p/>
+        </p:txBody>
+      </p:sp>
+      <p:sp>
+        <p:nvSpPr>
+          <p:cNvPr id="1048684" name="object 4"/>
           <p:cNvSpPr/>
           <p:nvPr/>
         </p:nvSpPr>
@@ -5626,9 +5353,7 @@
           </a:xfrm>
           <a:custGeom>
             <a:avLst/>
-            <a:gdLst/>
             <a:ahLst/>
-            <a:cxnLst/>
             <a:rect l="l" t="t" r="r" b="b"/>
             <a:pathLst>
               <a:path w="314325" h="323850">
@@ -5656,16 +5381,13 @@
           </a:solidFill>
         </p:spPr>
         <p:txBody>
-          <a:bodyPr wrap="square" lIns="0" tIns="0" rIns="0" bIns="0" rtlCol="0"/>
-          <a:lstStyle/>
-          <a:p>
-            <a:endParaRPr/>
-          </a:p>
-        </p:txBody>
-      </p:sp>
-      <p:sp>
-        <p:nvSpPr>
-          <p:cNvPr id="5" name="object 5"/>
+          <a:bodyPr bIns="0" lIns="0" rIns="0" rtlCol="0" tIns="0" wrap="square"/>
+          <a:p/>
+        </p:txBody>
+      </p:sp>
+      <p:sp>
+        <p:nvSpPr>
+          <p:cNvPr id="1048685" name="object 5"/>
           <p:cNvSpPr/>
           <p:nvPr/>
         </p:nvSpPr>
@@ -5676,9 +5398,7 @@
           </a:xfrm>
           <a:custGeom>
             <a:avLst/>
-            <a:gdLst/>
             <a:ahLst/>
-            <a:cxnLst/>
             <a:rect l="l" t="t" r="r" b="b"/>
             <a:pathLst>
               <a:path w="180975" h="180975">
@@ -5706,21 +5426,20 @@
           </a:solidFill>
         </p:spPr>
         <p:txBody>
-          <a:bodyPr wrap="square" lIns="0" tIns="0" rIns="0" bIns="0" rtlCol="0"/>
-          <a:lstStyle/>
-          <a:p>
-            <a:endParaRPr/>
-          </a:p>
+          <a:bodyPr bIns="0" lIns="0" rIns="0" rtlCol="0" tIns="0" wrap="square"/>
+          <a:p/>
         </p:txBody>
       </p:sp>
       <p:pic>
         <p:nvPicPr>
-          <p:cNvPr id="6" name="object 6"/>
-          <p:cNvPicPr/>
+          <p:cNvPr id="2097167" name="object 6"/>
+          <p:cNvPicPr>
+            <a:picLocks/>
+          </p:cNvPicPr>
           <p:nvPr/>
         </p:nvPicPr>
         <p:blipFill>
-          <a:blip r:embed="rId2" cstate="print"/>
+          <a:blip xmlns:r="http://schemas.openxmlformats.org/officeDocument/2006/relationships" r:embed="rId2" cstate="print"/>
           <a:stretch>
             <a:fillRect/>
           </a:stretch>
@@ -5730,14 +5449,12 @@
             <a:off x="1666875" y="6467475"/>
             <a:ext cx="76200" cy="177800"/>
           </a:xfrm>
-          <a:prstGeom prst="rect">
-            <a:avLst/>
-          </a:prstGeom>
+          <a:prstGeom prst="rect"/>
         </p:spPr>
       </p:pic>
       <p:sp>
         <p:nvSpPr>
-          <p:cNvPr id="7" name="object 7"/>
+          <p:cNvPr id="1048686" name="object 7"/>
           <p:cNvSpPr txBox="1">
             <a:spLocks noGrp="1"/>
           </p:cNvSpPr>
@@ -5748,17 +5465,14 @@
         <p:spPr>
           <a:xfrm>
             <a:off x="755332" y="385444"/>
-            <a:ext cx="2437130" cy="758190"/>
+            <a:ext cx="2437130" cy="1461135"/>
           </a:xfrm>
-          <a:prstGeom prst="rect">
-            <a:avLst/>
-          </a:prstGeom>
+          <a:prstGeom prst="rect"/>
         </p:spPr>
         <p:txBody>
-          <a:bodyPr vert="horz" wrap="square" lIns="0" tIns="13335" rIns="0" bIns="0" rtlCol="0">
+          <a:bodyPr bIns="0" lIns="0" rIns="0" rtlCol="0" tIns="13335" vert="horz" wrap="square">
             <a:spAutoFit/>
           </a:bodyPr>
-          <a:lstStyle/>
           <a:p>
             <a:pPr marL="12700">
               <a:lnSpc>
@@ -5773,19 +5487,19 @@
               <a:t>R</a:t>
             </a:r>
             <a:r>
-              <a:rPr spc="-40" dirty="0"/>
+              <a:rPr dirty="0" spc="-40"/>
               <a:t>E</a:t>
             </a:r>
             <a:r>
-              <a:rPr spc="15" dirty="0"/>
+              <a:rPr dirty="0" spc="15"/>
               <a:t>S</a:t>
             </a:r>
             <a:r>
-              <a:rPr spc="-30" dirty="0"/>
+              <a:rPr dirty="0" spc="-30"/>
               <a:t>U</a:t>
             </a:r>
             <a:r>
-              <a:rPr spc="-405" dirty="0"/>
+              <a:rPr dirty="0" spc="-405"/>
               <a:t>L</a:t>
             </a:r>
             <a:r>
@@ -5797,7 +5511,7 @@
       </p:sp>
       <p:sp>
         <p:nvSpPr>
-          <p:cNvPr id="9" name="object 9"/>
+          <p:cNvPr id="1048687" name="object 9"/>
           <p:cNvSpPr txBox="1"/>
           <p:nvPr/>
         </p:nvSpPr>
@@ -5806,15 +5520,12 @@
             <a:off x="11277218" y="6473337"/>
             <a:ext cx="228600" cy="191770"/>
           </a:xfrm>
-          <a:prstGeom prst="rect">
-            <a:avLst/>
-          </a:prstGeom>
+          <a:prstGeom prst="rect"/>
         </p:spPr>
         <p:txBody>
-          <a:bodyPr vert="horz" wrap="square" lIns="0" tIns="6985" rIns="0" bIns="0" rtlCol="0">
+          <a:bodyPr bIns="0" lIns="0" rIns="0" rtlCol="0" tIns="6985" vert="horz" wrap="square">
             <a:spAutoFit/>
           </a:bodyPr>
-          <a:lstStyle/>
           <a:p>
             <a:pPr marL="38100">
               <a:lnSpc>
@@ -5825,7 +5536,7 @@
               </a:spcBef>
             </a:pPr>
             <a:fld id="{81D60167-4931-47E6-BA6A-407CBD079E47}" type="slidenum">
-              <a:rPr sz="1100" spc="10" dirty="0">
+              <a:rPr dirty="0" sz="1100" spc="10">
                 <a:solidFill>
                   <a:srgbClr val="2D936B"/>
                 </a:solidFill>
@@ -5843,23 +5554,11 @@
       </p:sp>
       <p:graphicFrame>
         <p:nvGraphicFramePr>
-          <p:cNvPr id="10" name="Chart 9">
-            <a:extLst>
-              <a:ext uri="{FF2B5EF4-FFF2-40B4-BE49-F238E27FC236}">
-                <a16:creationId xmlns:a16="http://schemas.microsoft.com/office/drawing/2014/main" id="{064E21F9-B78C-49A8-BCDC-C994BC6E0EE8}"/>
-              </a:ext>
-            </a:extLst>
-          </p:cNvPr>
+          <p:cNvPr id="4194304" name="Chart 9"/>
           <p:cNvGraphicFramePr>
             <a:graphicFrameLocks/>
           </p:cNvGraphicFramePr>
-          <p:nvPr>
-            <p:extLst>
-              <p:ext uri="{D42A27DB-BD31-4B8C-83A1-F6EECF244321}">
-                <p14:modId xmlns:p14="http://schemas.microsoft.com/office/powerpoint/2010/main" val="1911561133"/>
-              </p:ext>
-            </p:extLst>
-          </p:nvPr>
+          <p:nvPr/>
         </p:nvGraphicFramePr>
         <p:xfrm>
           <a:off x="755332" y="1371600"/>
@@ -5867,7 +5566,7 @@
         </p:xfrm>
         <a:graphic>
           <a:graphicData uri="http://schemas.openxmlformats.org/drawingml/2006/chart">
-            <c:chart xmlns:c="http://schemas.openxmlformats.org/drawingml/2006/chart" xmlns:r="http://schemas.openxmlformats.org/officeDocument/2006/relationships" r:id="rId3"/>
+            <c:chart xmlns:c="http://schemas.openxmlformats.org/drawingml/2006/chart" xmlns:r="http://schemas.openxmlformats.org/officeDocument/2006/relationships" r:id="rId1"/>
           </a:graphicData>
         </a:graphic>
       </p:graphicFrame>
@@ -5884,7 +5583,7 @@
   <p:cSld>
     <p:spTree>
       <p:nvGrpSpPr>
-        <p:cNvPr id="1" name=""/>
+        <p:cNvPr id="42" name=""/>
         <p:cNvGrpSpPr/>
         <p:nvPr/>
       </p:nvGrpSpPr>
@@ -5898,13 +5597,7 @@
       </p:grpSpPr>
       <p:sp>
         <p:nvSpPr>
-          <p:cNvPr id="2" name="Title 1">
-            <a:extLst>
-              <a:ext uri="{FF2B5EF4-FFF2-40B4-BE49-F238E27FC236}">
-                <a16:creationId xmlns:a16="http://schemas.microsoft.com/office/drawing/2014/main" id="{F9A5CB5B-BDD0-5A64-1A7C-37D3C88F8F9E}"/>
-              </a:ext>
-            </a:extLst>
-          </p:cNvPr>
+          <p:cNvPr id="1048688" name="Title 1"/>
           <p:cNvSpPr>
             <a:spLocks noGrp="1"/>
           </p:cNvSpPr>
@@ -5915,21 +5608,20 @@
         <p:spPr>
           <a:xfrm>
             <a:off x="685800" y="374646"/>
-            <a:ext cx="10681335" cy="758190"/>
+            <a:ext cx="10681335" cy="723901"/>
           </a:xfrm>
         </p:spPr>
         <p:txBody>
           <a:bodyPr/>
-          <a:lstStyle/>
           <a:p>
             <a:r>
-              <a:rPr lang="en-US" dirty="0">
+              <a:rPr dirty="0" lang="en-US">
                 <a:latin typeface="Times New Roman" panose="02020603050405020304" pitchFamily="18" charset="0"/>
                 <a:cs typeface="Times New Roman" panose="02020603050405020304" pitchFamily="18" charset="0"/>
               </a:rPr>
               <a:t>conclusion</a:t>
             </a:r>
-            <a:endParaRPr lang="en-IN" dirty="0">
+            <a:endParaRPr dirty="0" lang="en-IN">
               <a:latin typeface="Times New Roman" panose="02020603050405020304" pitchFamily="18" charset="0"/>
               <a:cs typeface="Times New Roman" panose="02020603050405020304" pitchFamily="18" charset="0"/>
             </a:endParaRPr>
@@ -5938,34 +5630,25 @@
       </p:sp>
       <p:sp>
         <p:nvSpPr>
-          <p:cNvPr id="4" name="TextBox 3">
-            <a:extLst>
-              <a:ext uri="{FF2B5EF4-FFF2-40B4-BE49-F238E27FC236}">
-                <a16:creationId xmlns:a16="http://schemas.microsoft.com/office/drawing/2014/main" id="{BA93A7C6-6CBC-F28B-5E9C-05FFC64A8D3C}"/>
-              </a:ext>
-            </a:extLst>
-          </p:cNvPr>
+          <p:cNvPr id="1048689" name="TextBox 3"/>
           <p:cNvSpPr txBox="1"/>
           <p:nvPr/>
         </p:nvSpPr>
         <p:spPr>
           <a:xfrm>
             <a:off x="990600" y="1447800"/>
-            <a:ext cx="8001000" cy="2677656"/>
+            <a:ext cx="8001000" cy="2580641"/>
           </a:xfrm>
-          <a:prstGeom prst="rect">
-            <a:avLst/>
-          </a:prstGeom>
+          <a:prstGeom prst="rect"/>
           <a:noFill/>
         </p:spPr>
         <p:txBody>
           <a:bodyPr wrap="square">
             <a:spAutoFit/>
           </a:bodyPr>
-          <a:lstStyle/>
           <a:p>
             <a:r>
-              <a:rPr lang="en-IN" sz="2400" dirty="0"/>
+              <a:rPr dirty="0" sz="2400" lang="en-IN"/>
               <a:t>In conclusion, employee performance analysis helps identify strengths, areas for improvement, and opportunities for growth. It enables better decision-making, increases productivity, and aligns individual goals with organizational objectives. Regular performance assessments foster a culture of continuous development and contribute to overall business success</a:t>
             </a:r>
           </a:p>
@@ -5973,13 +5656,7 @@
       </p:sp>
       <p:sp>
         <p:nvSpPr>
-          <p:cNvPr id="5" name="object 3">
-            <a:extLst>
-              <a:ext uri="{FF2B5EF4-FFF2-40B4-BE49-F238E27FC236}">
-                <a16:creationId xmlns:a16="http://schemas.microsoft.com/office/drawing/2014/main" id="{A4EC65A7-E6F5-706F-1C0D-69B63E0308A4}"/>
-              </a:ext>
-            </a:extLst>
-          </p:cNvPr>
+          <p:cNvPr id="1048690" name="object 3"/>
           <p:cNvSpPr/>
           <p:nvPr/>
         </p:nvSpPr>
@@ -5990,9 +5667,7 @@
           </a:xfrm>
           <a:custGeom>
             <a:avLst/>
-            <a:gdLst/>
             <a:ahLst/>
-            <a:cxnLst/>
             <a:rect l="l" t="t" r="r" b="b"/>
             <a:pathLst>
               <a:path w="457200" h="457200">
@@ -6020,19 +5695,11 @@
           </a:solidFill>
         </p:spPr>
         <p:txBody>
-          <a:bodyPr wrap="square" lIns="0" tIns="0" rIns="0" bIns="0" rtlCol="0"/>
-          <a:lstStyle/>
-          <a:p>
-            <a:endParaRPr/>
-          </a:p>
+          <a:bodyPr bIns="0" lIns="0" rIns="0" rtlCol="0" tIns="0" wrap="square"/>
+          <a:p/>
         </p:txBody>
       </p:sp>
     </p:spTree>
-    <p:extLst>
-      <p:ext uri="{BB962C8B-B14F-4D97-AF65-F5344CB8AC3E}">
-        <p14:creationId xmlns:p14="http://schemas.microsoft.com/office/powerpoint/2010/main" val="2986442291"/>
-      </p:ext>
-    </p:extLst>
   </p:cSld>
   <p:clrMapOvr>
     <a:masterClrMapping/>
@@ -6045,7 +5712,7 @@
   <p:cSld>
     <p:spTree>
       <p:nvGrpSpPr>
-        <p:cNvPr id="1" name=""/>
+        <p:cNvPr id="19" name=""/>
         <p:cNvGrpSpPr/>
         <p:nvPr/>
       </p:nvGrpSpPr>
@@ -6059,7 +5726,7 @@
       </p:grpSpPr>
       <p:sp>
         <p:nvSpPr>
-          <p:cNvPr id="2" name="object 2"/>
+          <p:cNvPr id="1048595" name="object 2"/>
           <p:cNvSpPr/>
           <p:nvPr/>
         </p:nvSpPr>
@@ -6070,9 +5737,7 @@
           </a:xfrm>
           <a:custGeom>
             <a:avLst/>
-            <a:gdLst/>
             <a:ahLst/>
-            <a:cxnLst/>
             <a:rect l="l" t="t" r="r" b="b"/>
             <a:pathLst>
               <a:path w="12192000" h="6858000">
@@ -6100,8 +5765,7 @@
           </a:solidFill>
         </p:spPr>
         <p:txBody>
-          <a:bodyPr wrap="square" lIns="0" tIns="0" rIns="0" bIns="0" rtlCol="0"/>
-          <a:lstStyle/>
+          <a:bodyPr bIns="0" lIns="0" rIns="0" rtlCol="0" tIns="0" wrap="square"/>
           <a:p>
             <a:endParaRPr dirty="0">
               <a:latin typeface="Times New Roman" panose="02020603050405020304" pitchFamily="18" charset="0"/>
@@ -6112,7 +5776,7 @@
       </p:sp>
       <p:grpSp>
         <p:nvGrpSpPr>
-          <p:cNvPr id="3" name="object 3"/>
+          <p:cNvPr id="20" name="object 3"/>
           <p:cNvGrpSpPr/>
           <p:nvPr/>
         </p:nvGrpSpPr>
@@ -6126,7 +5790,7 @@
         </p:grpSpPr>
         <p:sp>
           <p:nvSpPr>
-            <p:cNvPr id="4" name="object 4"/>
+            <p:cNvPr id="1048596" name="object 4"/>
             <p:cNvSpPr/>
             <p:nvPr/>
           </p:nvSpPr>
@@ -6137,9 +5801,7 @@
             </a:xfrm>
             <a:custGeom>
               <a:avLst/>
-              <a:gdLst/>
               <a:ahLst/>
-              <a:cxnLst/>
               <a:rect l="l" t="t" r="r" b="b"/>
               <a:pathLst>
                 <a:path w="1218565" h="6853555">
@@ -6159,16 +5821,13 @@
             </a:ln>
           </p:spPr>
           <p:txBody>
-            <a:bodyPr wrap="square" lIns="0" tIns="0" rIns="0" bIns="0" rtlCol="0"/>
-            <a:lstStyle/>
-            <a:p>
-              <a:endParaRPr/>
-            </a:p>
+            <a:bodyPr bIns="0" lIns="0" rIns="0" rtlCol="0" tIns="0" wrap="square"/>
+            <a:p/>
           </p:txBody>
         </p:sp>
         <p:sp>
           <p:nvSpPr>
-            <p:cNvPr id="5" name="object 5"/>
+            <p:cNvPr id="1048597" name="object 5"/>
             <p:cNvSpPr/>
             <p:nvPr/>
           </p:nvSpPr>
@@ -6179,9 +5838,7 @@
             </a:xfrm>
             <a:custGeom>
               <a:avLst/>
-              <a:gdLst/>
               <a:ahLst/>
-              <a:cxnLst/>
               <a:rect l="l" t="t" r="r" b="b"/>
               <a:pathLst>
                 <a:path w="4743450" h="3163570">
@@ -6201,16 +5858,13 @@
             </a:ln>
           </p:spPr>
           <p:txBody>
-            <a:bodyPr wrap="square" lIns="0" tIns="0" rIns="0" bIns="0" rtlCol="0"/>
-            <a:lstStyle/>
-            <a:p>
-              <a:endParaRPr/>
-            </a:p>
+            <a:bodyPr bIns="0" lIns="0" rIns="0" rtlCol="0" tIns="0" wrap="square"/>
+            <a:p/>
           </p:txBody>
         </p:sp>
         <p:sp>
           <p:nvSpPr>
-            <p:cNvPr id="6" name="object 6"/>
+            <p:cNvPr id="1048598" name="object 6"/>
             <p:cNvSpPr/>
             <p:nvPr/>
           </p:nvSpPr>
@@ -6221,9 +5875,7 @@
             </a:xfrm>
             <a:custGeom>
               <a:avLst/>
-              <a:gdLst/>
               <a:ahLst/>
-              <a:cxnLst/>
               <a:rect l="l" t="t" r="r" b="b"/>
               <a:pathLst>
                 <a:path w="3009900" h="6858000">
@@ -6253,16 +5905,13 @@
             </a:solidFill>
           </p:spPr>
           <p:txBody>
-            <a:bodyPr wrap="square" lIns="0" tIns="0" rIns="0" bIns="0" rtlCol="0"/>
-            <a:lstStyle/>
-            <a:p>
-              <a:endParaRPr/>
-            </a:p>
+            <a:bodyPr bIns="0" lIns="0" rIns="0" rtlCol="0" tIns="0" wrap="square"/>
+            <a:p/>
           </p:txBody>
         </p:sp>
         <p:sp>
           <p:nvSpPr>
-            <p:cNvPr id="7" name="object 7"/>
+            <p:cNvPr id="1048599" name="object 7"/>
             <p:cNvSpPr/>
             <p:nvPr/>
           </p:nvSpPr>
@@ -6273,9 +5922,7 @@
             </a:xfrm>
             <a:custGeom>
               <a:avLst/>
-              <a:gdLst/>
               <a:ahLst/>
-              <a:cxnLst/>
               <a:rect l="l" t="t" r="r" b="b"/>
               <a:pathLst>
                 <a:path w="2589529" h="6858000">
@@ -6305,16 +5952,13 @@
             </a:solidFill>
           </p:spPr>
           <p:txBody>
-            <a:bodyPr wrap="square" lIns="0" tIns="0" rIns="0" bIns="0" rtlCol="0"/>
-            <a:lstStyle/>
-            <a:p>
-              <a:endParaRPr/>
-            </a:p>
+            <a:bodyPr bIns="0" lIns="0" rIns="0" rtlCol="0" tIns="0" wrap="square"/>
+            <a:p/>
           </p:txBody>
         </p:sp>
         <p:sp>
           <p:nvSpPr>
-            <p:cNvPr id="8" name="object 8"/>
+            <p:cNvPr id="1048600" name="object 8"/>
             <p:cNvSpPr/>
             <p:nvPr/>
           </p:nvSpPr>
@@ -6325,9 +5969,7 @@
             </a:xfrm>
             <a:custGeom>
               <a:avLst/>
-              <a:gdLst/>
               <a:ahLst/>
-              <a:cxnLst/>
               <a:rect l="l" t="t" r="r" b="b"/>
               <a:pathLst>
                 <a:path w="3257550" h="3810000">
@@ -6354,16 +5996,13 @@
             </a:solidFill>
           </p:spPr>
           <p:txBody>
-            <a:bodyPr wrap="square" lIns="0" tIns="0" rIns="0" bIns="0" rtlCol="0"/>
-            <a:lstStyle/>
-            <a:p>
-              <a:endParaRPr/>
-            </a:p>
+            <a:bodyPr bIns="0" lIns="0" rIns="0" rtlCol="0" tIns="0" wrap="square"/>
+            <a:p/>
           </p:txBody>
         </p:sp>
         <p:sp>
           <p:nvSpPr>
-            <p:cNvPr id="9" name="object 9"/>
+            <p:cNvPr id="1048601" name="object 9"/>
             <p:cNvSpPr/>
             <p:nvPr/>
           </p:nvSpPr>
@@ -6374,9 +6013,7 @@
             </a:xfrm>
             <a:custGeom>
               <a:avLst/>
-              <a:gdLst/>
               <a:ahLst/>
-              <a:cxnLst/>
               <a:rect l="l" t="t" r="r" b="b"/>
               <a:pathLst>
                 <a:path w="2854325" h="6858000">
@@ -6406,16 +6043,13 @@
             </a:solidFill>
           </p:spPr>
           <p:txBody>
-            <a:bodyPr wrap="square" lIns="0" tIns="0" rIns="0" bIns="0" rtlCol="0"/>
-            <a:lstStyle/>
-            <a:p>
-              <a:endParaRPr/>
-            </a:p>
+            <a:bodyPr bIns="0" lIns="0" rIns="0" rtlCol="0" tIns="0" wrap="square"/>
+            <a:p/>
           </p:txBody>
         </p:sp>
         <p:sp>
           <p:nvSpPr>
-            <p:cNvPr id="10" name="object 10"/>
+            <p:cNvPr id="1048602" name="object 10"/>
             <p:cNvSpPr/>
             <p:nvPr/>
           </p:nvSpPr>
@@ -6426,9 +6060,7 @@
             </a:xfrm>
             <a:custGeom>
               <a:avLst/>
-              <a:gdLst/>
               <a:ahLst/>
-              <a:cxnLst/>
               <a:rect l="l" t="t" r="r" b="b"/>
               <a:pathLst>
                 <a:path w="1295400" h="6858000">
@@ -6458,16 +6090,13 @@
             </a:solidFill>
           </p:spPr>
           <p:txBody>
-            <a:bodyPr wrap="square" lIns="0" tIns="0" rIns="0" bIns="0" rtlCol="0"/>
-            <a:lstStyle/>
-            <a:p>
-              <a:endParaRPr/>
-            </a:p>
+            <a:bodyPr bIns="0" lIns="0" rIns="0" rtlCol="0" tIns="0" wrap="square"/>
+            <a:p/>
           </p:txBody>
         </p:sp>
         <p:sp>
           <p:nvSpPr>
-            <p:cNvPr id="11" name="object 11"/>
+            <p:cNvPr id="1048603" name="object 11"/>
             <p:cNvSpPr/>
             <p:nvPr/>
           </p:nvSpPr>
@@ -6478,9 +6107,7 @@
             </a:xfrm>
             <a:custGeom>
               <a:avLst/>
-              <a:gdLst/>
               <a:ahLst/>
-              <a:cxnLst/>
               <a:rect l="l" t="t" r="r" b="b"/>
               <a:pathLst>
                 <a:path w="1256029" h="6858000">
@@ -6510,16 +6137,13 @@
             </a:solidFill>
           </p:spPr>
           <p:txBody>
-            <a:bodyPr wrap="square" lIns="0" tIns="0" rIns="0" bIns="0" rtlCol="0"/>
-            <a:lstStyle/>
-            <a:p>
-              <a:endParaRPr/>
-            </a:p>
+            <a:bodyPr bIns="0" lIns="0" rIns="0" rtlCol="0" tIns="0" wrap="square"/>
+            <a:p/>
           </p:txBody>
         </p:sp>
         <p:sp>
           <p:nvSpPr>
-            <p:cNvPr id="12" name="object 12"/>
+            <p:cNvPr id="1048604" name="object 12"/>
             <p:cNvSpPr/>
             <p:nvPr/>
           </p:nvSpPr>
@@ -6530,9 +6154,7 @@
             </a:xfrm>
             <a:custGeom>
               <a:avLst/>
-              <a:gdLst/>
               <a:ahLst/>
-              <a:cxnLst/>
               <a:rect l="l" t="t" r="r" b="b"/>
               <a:pathLst>
                 <a:path w="1819275" h="3267075">
@@ -6559,17 +6181,14 @@
             </a:solidFill>
           </p:spPr>
           <p:txBody>
-            <a:bodyPr wrap="square" lIns="0" tIns="0" rIns="0" bIns="0" rtlCol="0"/>
-            <a:lstStyle/>
-            <a:p>
-              <a:endParaRPr/>
-            </a:p>
+            <a:bodyPr bIns="0" lIns="0" rIns="0" rtlCol="0" tIns="0" wrap="square"/>
+            <a:p/>
           </p:txBody>
         </p:sp>
       </p:grpSp>
       <p:sp>
         <p:nvSpPr>
-          <p:cNvPr id="13" name="object 13"/>
+          <p:cNvPr id="1048605" name="object 13"/>
           <p:cNvSpPr/>
           <p:nvPr/>
         </p:nvSpPr>
@@ -6580,9 +6199,7 @@
           </a:xfrm>
           <a:custGeom>
             <a:avLst/>
-            <a:gdLst/>
             <a:ahLst/>
-            <a:cxnLst/>
             <a:rect l="l" t="t" r="r" b="b"/>
             <a:pathLst>
               <a:path w="447675" h="2847975">
@@ -6609,16 +6226,13 @@
           </a:solidFill>
         </p:spPr>
         <p:txBody>
-          <a:bodyPr wrap="square" lIns="0" tIns="0" rIns="0" bIns="0" rtlCol="0"/>
-          <a:lstStyle/>
-          <a:p>
-            <a:endParaRPr/>
-          </a:p>
-        </p:txBody>
-      </p:sp>
-      <p:sp>
-        <p:nvSpPr>
-          <p:cNvPr id="14" name="object 14"/>
+          <a:bodyPr bIns="0" lIns="0" rIns="0" rtlCol="0" tIns="0" wrap="square"/>
+          <a:p/>
+        </p:txBody>
+      </p:sp>
+      <p:sp>
+        <p:nvSpPr>
+          <p:cNvPr id="1048606" name="object 14"/>
           <p:cNvSpPr/>
           <p:nvPr/>
         </p:nvSpPr>
@@ -6629,9 +6243,7 @@
           </a:xfrm>
           <a:custGeom>
             <a:avLst/>
-            <a:gdLst/>
             <a:ahLst/>
-            <a:cxnLst/>
             <a:rect l="l" t="t" r="r" b="b"/>
             <a:pathLst>
               <a:path w="457200" h="457200">
@@ -6659,16 +6271,13 @@
           </a:solidFill>
         </p:spPr>
         <p:txBody>
-          <a:bodyPr wrap="square" lIns="0" tIns="0" rIns="0" bIns="0" rtlCol="0"/>
-          <a:lstStyle/>
-          <a:p>
-            <a:endParaRPr/>
-          </a:p>
-        </p:txBody>
-      </p:sp>
-      <p:sp>
-        <p:nvSpPr>
-          <p:cNvPr id="15" name="object 15"/>
+          <a:bodyPr bIns="0" lIns="0" rIns="0" rtlCol="0" tIns="0" wrap="square"/>
+          <a:p/>
+        </p:txBody>
+      </p:sp>
+      <p:sp>
+        <p:nvSpPr>
+          <p:cNvPr id="1048607" name="object 15"/>
           <p:cNvSpPr/>
           <p:nvPr/>
         </p:nvSpPr>
@@ -6679,9 +6288,7 @@
           </a:xfrm>
           <a:custGeom>
             <a:avLst/>
-            <a:gdLst/>
             <a:ahLst/>
-            <a:cxnLst/>
             <a:rect l="l" t="t" r="r" b="b"/>
             <a:pathLst>
               <a:path w="314325" h="323850">
@@ -6709,16 +6316,13 @@
           </a:solidFill>
         </p:spPr>
         <p:txBody>
-          <a:bodyPr wrap="square" lIns="0" tIns="0" rIns="0" bIns="0" rtlCol="0"/>
-          <a:lstStyle/>
-          <a:p>
-            <a:endParaRPr/>
-          </a:p>
-        </p:txBody>
-      </p:sp>
-      <p:sp>
-        <p:nvSpPr>
-          <p:cNvPr id="16" name="object 16"/>
+          <a:bodyPr bIns="0" lIns="0" rIns="0" rtlCol="0" tIns="0" wrap="square"/>
+          <a:p/>
+        </p:txBody>
+      </p:sp>
+      <p:sp>
+        <p:nvSpPr>
+          <p:cNvPr id="1048608" name="object 16"/>
           <p:cNvSpPr/>
           <p:nvPr/>
         </p:nvSpPr>
@@ -6729,9 +6333,7 @@
           </a:xfrm>
           <a:custGeom>
             <a:avLst/>
-            <a:gdLst/>
             <a:ahLst/>
-            <a:cxnLst/>
             <a:rect l="l" t="t" r="r" b="b"/>
             <a:pathLst>
               <a:path w="180975" h="180975">
@@ -6759,16 +6361,13 @@
           </a:solidFill>
         </p:spPr>
         <p:txBody>
-          <a:bodyPr wrap="square" lIns="0" tIns="0" rIns="0" bIns="0" rtlCol="0"/>
-          <a:lstStyle/>
-          <a:p>
-            <a:endParaRPr/>
-          </a:p>
-        </p:txBody>
-      </p:sp>
-      <p:sp>
-        <p:nvSpPr>
-          <p:cNvPr id="17" name="object 17"/>
+          <a:bodyPr bIns="0" lIns="0" rIns="0" rtlCol="0" tIns="0" wrap="square"/>
+          <a:p/>
+        </p:txBody>
+      </p:sp>
+      <p:sp>
+        <p:nvSpPr>
+          <p:cNvPr id="1048609" name="object 17"/>
           <p:cNvSpPr txBox="1">
             <a:spLocks noGrp="1"/>
           </p:cNvSpPr>
@@ -6779,17 +6378,14 @@
         <p:spPr>
           <a:xfrm>
             <a:off x="739775" y="829627"/>
-            <a:ext cx="3909695" cy="678180"/>
+            <a:ext cx="3909695" cy="638810"/>
           </a:xfrm>
-          <a:prstGeom prst="rect">
-            <a:avLst/>
-          </a:prstGeom>
+          <a:prstGeom prst="rect"/>
         </p:spPr>
         <p:txBody>
-          <a:bodyPr vert="horz" wrap="square" lIns="0" tIns="16510" rIns="0" bIns="0" rtlCol="0">
+          <a:bodyPr bIns="0" lIns="0" rIns="0" rtlCol="0" tIns="16510" vert="horz" wrap="square">
             <a:spAutoFit/>
           </a:bodyPr>
-          <a:lstStyle/>
           <a:p>
             <a:pPr marL="12700">
               <a:lnSpc>
@@ -6800,15 +6396,15 @@
               </a:spcBef>
             </a:pPr>
             <a:r>
-              <a:rPr sz="4250" spc="5" dirty="0"/>
+              <a:rPr dirty="0" sz="4250" spc="5"/>
               <a:t>PROJECT</a:t>
             </a:r>
             <a:r>
-              <a:rPr sz="4250" spc="-85" dirty="0"/>
+              <a:rPr dirty="0" sz="4250" spc="-85"/>
               <a:t> </a:t>
             </a:r>
             <a:r>
-              <a:rPr sz="4250" spc="25" dirty="0"/>
+              <a:rPr dirty="0" sz="4250" spc="25"/>
               <a:t>TITLE</a:t>
             </a:r>
             <a:endParaRPr sz="4250"/>
@@ -6817,7 +6413,7 @@
       </p:sp>
       <p:grpSp>
         <p:nvGrpSpPr>
-          <p:cNvPr id="18" name="object 18"/>
+          <p:cNvPr id="21" name="object 18"/>
           <p:cNvGrpSpPr/>
           <p:nvPr/>
         </p:nvGrpSpPr>
@@ -6831,12 +6427,14 @@
         </p:grpSpPr>
         <p:pic>
           <p:nvPicPr>
-            <p:cNvPr id="19" name="object 19"/>
-            <p:cNvPicPr/>
+            <p:cNvPr id="2097152" name="object 19"/>
+            <p:cNvPicPr>
+              <a:picLocks/>
+            </p:cNvPicPr>
             <p:nvPr/>
           </p:nvPicPr>
           <p:blipFill>
-            <a:blip r:embed="rId2" cstate="print"/>
+            <a:blip xmlns:r="http://schemas.openxmlformats.org/officeDocument/2006/relationships" r:embed="rId1" cstate="print"/>
             <a:stretch>
               <a:fillRect/>
             </a:stretch>
@@ -6846,19 +6444,19 @@
               <a:off x="676275" y="6467475"/>
               <a:ext cx="2143125" cy="200025"/>
             </a:xfrm>
-            <a:prstGeom prst="rect">
-              <a:avLst/>
-            </a:prstGeom>
+            <a:prstGeom prst="rect"/>
           </p:spPr>
         </p:pic>
         <p:pic>
           <p:nvPicPr>
-            <p:cNvPr id="20" name="object 20"/>
-            <p:cNvPicPr/>
+            <p:cNvPr id="2097153" name="object 20"/>
+            <p:cNvPicPr>
+              <a:picLocks/>
+            </p:cNvPicPr>
             <p:nvPr/>
           </p:nvPicPr>
           <p:blipFill>
-            <a:blip r:embed="rId3" cstate="print"/>
+            <a:blip xmlns:r="http://schemas.openxmlformats.org/officeDocument/2006/relationships" r:embed="rId2" cstate="print"/>
             <a:stretch>
               <a:fillRect/>
             </a:stretch>
@@ -6868,15 +6466,13 @@
               <a:off x="466725" y="6410325"/>
               <a:ext cx="3705225" cy="295275"/>
             </a:xfrm>
-            <a:prstGeom prst="rect">
-              <a:avLst/>
-            </a:prstGeom>
+            <a:prstGeom prst="rect"/>
           </p:spPr>
         </p:pic>
       </p:grpSp>
       <p:sp>
         <p:nvSpPr>
-          <p:cNvPr id="22" name="object 22"/>
+          <p:cNvPr id="1048610" name="object 22"/>
           <p:cNvSpPr txBox="1">
             <a:spLocks noGrp="1"/>
           </p:cNvSpPr>
@@ -6885,15 +6481,12 @@
           </p:nvPr>
         </p:nvSpPr>
         <p:spPr>
-          <a:prstGeom prst="rect">
-            <a:avLst/>
-          </a:prstGeom>
+          <a:prstGeom prst="rect"/>
         </p:spPr>
         <p:txBody>
-          <a:bodyPr vert="horz" wrap="square" lIns="0" tIns="6985" rIns="0" bIns="0" rtlCol="0">
+          <a:bodyPr bIns="0" lIns="0" rIns="0" rtlCol="0" tIns="6985" vert="horz" wrap="square">
             <a:spAutoFit/>
           </a:bodyPr>
-          <a:lstStyle/>
           <a:p>
             <a:pPr marL="38100">
               <a:lnSpc>
@@ -6904,43 +6497,34 @@
               </a:spcBef>
             </a:pPr>
             <a:fld id="{81D60167-4931-47E6-BA6A-407CBD079E47}" type="slidenum">
-              <a:rPr spc="10" dirty="0"/>
+              <a:rPr dirty="0" spc="10"/>
               <a:t>2</a:t>
             </a:fld>
-            <a:endParaRPr spc="10" dirty="0"/>
+            <a:endParaRPr dirty="0" spc="10"/>
           </a:p>
         </p:txBody>
       </p:sp>
       <p:sp>
         <p:nvSpPr>
-          <p:cNvPr id="23" name="TextBox 22">
-            <a:extLst>
-              <a:ext uri="{FF2B5EF4-FFF2-40B4-BE49-F238E27FC236}">
-                <a16:creationId xmlns:a16="http://schemas.microsoft.com/office/drawing/2014/main" id="{F691EEC8-E83B-8506-163B-F39E906CCC0A}"/>
-              </a:ext>
-            </a:extLst>
-          </p:cNvPr>
+          <p:cNvPr id="1048611" name="TextBox 22"/>
           <p:cNvSpPr txBox="1"/>
           <p:nvPr/>
         </p:nvSpPr>
         <p:spPr>
           <a:xfrm>
             <a:off x="1217522" y="2123271"/>
-            <a:ext cx="8593228" cy="1446550"/>
+            <a:ext cx="8593228" cy="1412241"/>
           </a:xfrm>
-          <a:prstGeom prst="rect">
-            <a:avLst/>
-          </a:prstGeom>
+          <a:prstGeom prst="rect"/>
           <a:noFill/>
         </p:spPr>
         <p:txBody>
-          <a:bodyPr wrap="square" rtlCol="0">
+          <a:bodyPr rtlCol="0" wrap="square">
             <a:spAutoFit/>
           </a:bodyPr>
-          <a:lstStyle/>
           <a:p>
             <a:r>
-              <a:rPr lang="en-US" sz="4400" b="1" dirty="0">
+              <a:rPr b="1" dirty="0" sz="4400" lang="en-US">
                 <a:solidFill>
                   <a:srgbClr val="0F0F0F"/>
                 </a:solidFill>
@@ -6949,7 +6533,7 @@
               </a:rPr>
               <a:t>Employee Performance Analysis using Excel</a:t>
             </a:r>
-            <a:endParaRPr lang="en-IN" sz="2800" dirty="0">
+            <a:endParaRPr dirty="0" sz="2800" lang="en-IN">
               <a:solidFill>
                 <a:srgbClr val="7030A0"/>
               </a:solidFill>
@@ -6972,7 +6556,7 @@
   <p:cSld>
     <p:spTree>
       <p:nvGrpSpPr>
-        <p:cNvPr id="1" name=""/>
+        <p:cNvPr id="24" name=""/>
         <p:cNvGrpSpPr/>
         <p:nvPr/>
       </p:nvGrpSpPr>
@@ -6986,7 +6570,7 @@
       </p:grpSpPr>
       <p:sp>
         <p:nvSpPr>
-          <p:cNvPr id="2" name="object 2"/>
+          <p:cNvPr id="1048612" name="object 2"/>
           <p:cNvSpPr/>
           <p:nvPr/>
         </p:nvSpPr>
@@ -6997,9 +6581,7 @@
           </a:xfrm>
           <a:custGeom>
             <a:avLst/>
-            <a:gdLst/>
             <a:ahLst/>
-            <a:cxnLst/>
             <a:rect l="l" t="t" r="r" b="b"/>
             <a:pathLst>
               <a:path w="12192000" h="6858000">
@@ -7027,8 +6609,7 @@
           </a:solidFill>
         </p:spPr>
         <p:txBody>
-          <a:bodyPr wrap="square" lIns="0" tIns="0" rIns="0" bIns="0" rtlCol="0"/>
-          <a:lstStyle/>
+          <a:bodyPr bIns="0" lIns="0" rIns="0" rtlCol="0" tIns="0" wrap="square"/>
           <a:p>
             <a:endParaRPr dirty="0"/>
           </a:p>
@@ -7036,7 +6617,7 @@
       </p:sp>
       <p:grpSp>
         <p:nvGrpSpPr>
-          <p:cNvPr id="3" name="object 3"/>
+          <p:cNvPr id="25" name="object 3"/>
           <p:cNvGrpSpPr/>
           <p:nvPr/>
         </p:nvGrpSpPr>
@@ -7050,7 +6631,7 @@
         </p:grpSpPr>
         <p:sp>
           <p:nvSpPr>
-            <p:cNvPr id="4" name="object 4"/>
+            <p:cNvPr id="1048613" name="object 4"/>
             <p:cNvSpPr/>
             <p:nvPr/>
           </p:nvSpPr>
@@ -7061,9 +6642,7 @@
             </a:xfrm>
             <a:custGeom>
               <a:avLst/>
-              <a:gdLst/>
               <a:ahLst/>
-              <a:cxnLst/>
               <a:rect l="l" t="t" r="r" b="b"/>
               <a:pathLst>
                 <a:path w="1218565" h="6853555">
@@ -7083,16 +6662,13 @@
             </a:ln>
           </p:spPr>
           <p:txBody>
-            <a:bodyPr wrap="square" lIns="0" tIns="0" rIns="0" bIns="0" rtlCol="0"/>
-            <a:lstStyle/>
-            <a:p>
-              <a:endParaRPr/>
-            </a:p>
+            <a:bodyPr bIns="0" lIns="0" rIns="0" rtlCol="0" tIns="0" wrap="square"/>
+            <a:p/>
           </p:txBody>
         </p:sp>
         <p:sp>
           <p:nvSpPr>
-            <p:cNvPr id="5" name="object 5"/>
+            <p:cNvPr id="1048614" name="object 5"/>
             <p:cNvSpPr/>
             <p:nvPr/>
           </p:nvSpPr>
@@ -7103,9 +6679,7 @@
             </a:xfrm>
             <a:custGeom>
               <a:avLst/>
-              <a:gdLst/>
               <a:ahLst/>
-              <a:cxnLst/>
               <a:rect l="l" t="t" r="r" b="b"/>
               <a:pathLst>
                 <a:path w="4743450" h="3163570">
@@ -7125,16 +6699,13 @@
             </a:ln>
           </p:spPr>
           <p:txBody>
-            <a:bodyPr wrap="square" lIns="0" tIns="0" rIns="0" bIns="0" rtlCol="0"/>
-            <a:lstStyle/>
-            <a:p>
-              <a:endParaRPr/>
-            </a:p>
+            <a:bodyPr bIns="0" lIns="0" rIns="0" rtlCol="0" tIns="0" wrap="square"/>
+            <a:p/>
           </p:txBody>
         </p:sp>
         <p:sp>
           <p:nvSpPr>
-            <p:cNvPr id="6" name="object 6"/>
+            <p:cNvPr id="1048615" name="object 6"/>
             <p:cNvSpPr/>
             <p:nvPr/>
           </p:nvSpPr>
@@ -7145,9 +6716,7 @@
             </a:xfrm>
             <a:custGeom>
               <a:avLst/>
-              <a:gdLst/>
               <a:ahLst/>
-              <a:cxnLst/>
               <a:rect l="l" t="t" r="r" b="b"/>
               <a:pathLst>
                 <a:path w="3009900" h="6858000">
@@ -7177,16 +6746,13 @@
             </a:solidFill>
           </p:spPr>
           <p:txBody>
-            <a:bodyPr wrap="square" lIns="0" tIns="0" rIns="0" bIns="0" rtlCol="0"/>
-            <a:lstStyle/>
-            <a:p>
-              <a:endParaRPr/>
-            </a:p>
+            <a:bodyPr bIns="0" lIns="0" rIns="0" rtlCol="0" tIns="0" wrap="square"/>
+            <a:p/>
           </p:txBody>
         </p:sp>
         <p:sp>
           <p:nvSpPr>
-            <p:cNvPr id="7" name="object 7"/>
+            <p:cNvPr id="1048616" name="object 7"/>
             <p:cNvSpPr/>
             <p:nvPr/>
           </p:nvSpPr>
@@ -7197,9 +6763,7 @@
             </a:xfrm>
             <a:custGeom>
               <a:avLst/>
-              <a:gdLst/>
               <a:ahLst/>
-              <a:cxnLst/>
               <a:rect l="l" t="t" r="r" b="b"/>
               <a:pathLst>
                 <a:path w="2589529" h="6858000">
@@ -7229,16 +6793,13 @@
             </a:solidFill>
           </p:spPr>
           <p:txBody>
-            <a:bodyPr wrap="square" lIns="0" tIns="0" rIns="0" bIns="0" rtlCol="0"/>
-            <a:lstStyle/>
-            <a:p>
-              <a:endParaRPr/>
-            </a:p>
+            <a:bodyPr bIns="0" lIns="0" rIns="0" rtlCol="0" tIns="0" wrap="square"/>
+            <a:p/>
           </p:txBody>
         </p:sp>
         <p:sp>
           <p:nvSpPr>
-            <p:cNvPr id="8" name="object 8"/>
+            <p:cNvPr id="1048617" name="object 8"/>
             <p:cNvSpPr/>
             <p:nvPr/>
           </p:nvSpPr>
@@ -7249,9 +6810,7 @@
             </a:xfrm>
             <a:custGeom>
               <a:avLst/>
-              <a:gdLst/>
               <a:ahLst/>
-              <a:cxnLst/>
               <a:rect l="l" t="t" r="r" b="b"/>
               <a:pathLst>
                 <a:path w="3257550" h="3810000">
@@ -7278,16 +6837,13 @@
             </a:solidFill>
           </p:spPr>
           <p:txBody>
-            <a:bodyPr wrap="square" lIns="0" tIns="0" rIns="0" bIns="0" rtlCol="0"/>
-            <a:lstStyle/>
-            <a:p>
-              <a:endParaRPr/>
-            </a:p>
+            <a:bodyPr bIns="0" lIns="0" rIns="0" rtlCol="0" tIns="0" wrap="square"/>
+            <a:p/>
           </p:txBody>
         </p:sp>
         <p:sp>
           <p:nvSpPr>
-            <p:cNvPr id="9" name="object 9"/>
+            <p:cNvPr id="1048618" name="object 9"/>
             <p:cNvSpPr/>
             <p:nvPr/>
           </p:nvSpPr>
@@ -7298,9 +6854,7 @@
             </a:xfrm>
             <a:custGeom>
               <a:avLst/>
-              <a:gdLst/>
               <a:ahLst/>
-              <a:cxnLst/>
               <a:rect l="l" t="t" r="r" b="b"/>
               <a:pathLst>
                 <a:path w="2854325" h="6858000">
@@ -7330,16 +6884,13 @@
             </a:solidFill>
           </p:spPr>
           <p:txBody>
-            <a:bodyPr wrap="square" lIns="0" tIns="0" rIns="0" bIns="0" rtlCol="0"/>
-            <a:lstStyle/>
-            <a:p>
-              <a:endParaRPr/>
-            </a:p>
+            <a:bodyPr bIns="0" lIns="0" rIns="0" rtlCol="0" tIns="0" wrap="square"/>
+            <a:p/>
           </p:txBody>
         </p:sp>
         <p:sp>
           <p:nvSpPr>
-            <p:cNvPr id="10" name="object 10"/>
+            <p:cNvPr id="1048619" name="object 10"/>
             <p:cNvSpPr/>
             <p:nvPr/>
           </p:nvSpPr>
@@ -7350,9 +6901,7 @@
             </a:xfrm>
             <a:custGeom>
               <a:avLst/>
-              <a:gdLst/>
               <a:ahLst/>
-              <a:cxnLst/>
               <a:rect l="l" t="t" r="r" b="b"/>
               <a:pathLst>
                 <a:path w="1295400" h="6858000">
@@ -7382,16 +6931,13 @@
             </a:solidFill>
           </p:spPr>
           <p:txBody>
-            <a:bodyPr wrap="square" lIns="0" tIns="0" rIns="0" bIns="0" rtlCol="0"/>
-            <a:lstStyle/>
-            <a:p>
-              <a:endParaRPr/>
-            </a:p>
+            <a:bodyPr bIns="0" lIns="0" rIns="0" rtlCol="0" tIns="0" wrap="square"/>
+            <a:p/>
           </p:txBody>
         </p:sp>
         <p:sp>
           <p:nvSpPr>
-            <p:cNvPr id="11" name="object 11"/>
+            <p:cNvPr id="1048620" name="object 11"/>
             <p:cNvSpPr/>
             <p:nvPr/>
           </p:nvSpPr>
@@ -7402,9 +6948,7 @@
             </a:xfrm>
             <a:custGeom>
               <a:avLst/>
-              <a:gdLst/>
               <a:ahLst/>
-              <a:cxnLst/>
               <a:rect l="l" t="t" r="r" b="b"/>
               <a:pathLst>
                 <a:path w="1256029" h="6858000">
@@ -7434,16 +6978,13 @@
             </a:solidFill>
           </p:spPr>
           <p:txBody>
-            <a:bodyPr wrap="square" lIns="0" tIns="0" rIns="0" bIns="0" rtlCol="0"/>
-            <a:lstStyle/>
-            <a:p>
-              <a:endParaRPr/>
-            </a:p>
+            <a:bodyPr bIns="0" lIns="0" rIns="0" rtlCol="0" tIns="0" wrap="square"/>
+            <a:p/>
           </p:txBody>
         </p:sp>
         <p:sp>
           <p:nvSpPr>
-            <p:cNvPr id="12" name="object 12"/>
+            <p:cNvPr id="1048621" name="object 12"/>
             <p:cNvSpPr/>
             <p:nvPr/>
           </p:nvSpPr>
@@ -7454,9 +6995,7 @@
             </a:xfrm>
             <a:custGeom>
               <a:avLst/>
-              <a:gdLst/>
               <a:ahLst/>
-              <a:cxnLst/>
               <a:rect l="l" t="t" r="r" b="b"/>
               <a:pathLst>
                 <a:path w="1819275" h="3267075">
@@ -7483,17 +7022,14 @@
             </a:solidFill>
           </p:spPr>
           <p:txBody>
-            <a:bodyPr wrap="square" lIns="0" tIns="0" rIns="0" bIns="0" rtlCol="0"/>
-            <a:lstStyle/>
-            <a:p>
-              <a:endParaRPr/>
-            </a:p>
+            <a:bodyPr bIns="0" lIns="0" rIns="0" rtlCol="0" tIns="0" wrap="square"/>
+            <a:p/>
           </p:txBody>
         </p:sp>
       </p:grpSp>
       <p:sp>
         <p:nvSpPr>
-          <p:cNvPr id="13" name="object 13"/>
+          <p:cNvPr id="1048622" name="object 13"/>
           <p:cNvSpPr/>
           <p:nvPr/>
         </p:nvSpPr>
@@ -7504,9 +7040,7 @@
           </a:xfrm>
           <a:custGeom>
             <a:avLst/>
-            <a:gdLst/>
             <a:ahLst/>
-            <a:cxnLst/>
             <a:rect l="l" t="t" r="r" b="b"/>
             <a:pathLst>
               <a:path w="447675" h="2847975">
@@ -7533,16 +7067,13 @@
           </a:solidFill>
         </p:spPr>
         <p:txBody>
-          <a:bodyPr wrap="square" lIns="0" tIns="0" rIns="0" bIns="0" rtlCol="0"/>
-          <a:lstStyle/>
-          <a:p>
-            <a:endParaRPr/>
-          </a:p>
-        </p:txBody>
-      </p:sp>
-      <p:sp>
-        <p:nvSpPr>
-          <p:cNvPr id="14" name="object 14"/>
+          <a:bodyPr bIns="0" lIns="0" rIns="0" rtlCol="0" tIns="0" wrap="square"/>
+          <a:p/>
+        </p:txBody>
+      </p:sp>
+      <p:sp>
+        <p:nvSpPr>
+          <p:cNvPr id="1048623" name="object 14"/>
           <p:cNvSpPr txBox="1"/>
           <p:nvPr/>
         </p:nvSpPr>
@@ -7551,15 +7082,12 @@
             <a:off x="752475" y="6486037"/>
             <a:ext cx="1773555" cy="166370"/>
           </a:xfrm>
-          <a:prstGeom prst="rect">
-            <a:avLst/>
-          </a:prstGeom>
+          <a:prstGeom prst="rect"/>
         </p:spPr>
         <p:txBody>
-          <a:bodyPr vert="horz" wrap="square" lIns="0" tIns="0" rIns="0" bIns="0" rtlCol="0">
+          <a:bodyPr bIns="0" lIns="0" rIns="0" rtlCol="0" tIns="0" vert="horz" wrap="square">
             <a:spAutoFit/>
           </a:bodyPr>
-          <a:lstStyle/>
           <a:p>
             <a:pPr>
               <a:lnSpc>
@@ -7567,7 +7095,7 @@
               </a:lnSpc>
             </a:pPr>
             <a:r>
-              <a:rPr sz="1100" spc="20" dirty="0">
+              <a:rPr dirty="0" sz="1100" spc="20">
                 <a:solidFill>
                   <a:srgbClr val="2D83C3"/>
                 </a:solidFill>
@@ -7577,7 +7105,7 @@
               <a:t>3/21/202</a:t>
             </a:r>
             <a:r>
-              <a:rPr sz="1100" spc="10" dirty="0">
+              <a:rPr dirty="0" sz="1100" spc="10">
                 <a:solidFill>
                   <a:srgbClr val="2D83C3"/>
                 </a:solidFill>
@@ -7587,7 +7115,7 @@
               <a:t>4</a:t>
             </a:r>
             <a:r>
-              <a:rPr sz="1100" dirty="0">
+              <a:rPr dirty="0" sz="1100">
                 <a:solidFill>
                   <a:srgbClr val="2D83C3"/>
                 </a:solidFill>
@@ -7597,7 +7125,7 @@
               <a:t> </a:t>
             </a:r>
             <a:r>
-              <a:rPr sz="1100" spc="130" dirty="0">
+              <a:rPr dirty="0" sz="1100" spc="130">
                 <a:solidFill>
                   <a:srgbClr val="2D83C3"/>
                 </a:solidFill>
@@ -7607,7 +7135,7 @@
               <a:t> </a:t>
             </a:r>
             <a:r>
-              <a:rPr sz="1100" b="1" spc="50" dirty="0">
+              <a:rPr b="1" dirty="0" sz="1100" spc="50">
                 <a:solidFill>
                   <a:srgbClr val="2D83C3"/>
                 </a:solidFill>
@@ -7617,7 +7145,7 @@
               <a:t>A</a:t>
             </a:r>
             <a:r>
-              <a:rPr sz="1100" b="1" spc="15" dirty="0">
+              <a:rPr b="1" dirty="0" sz="1100" spc="15">
                 <a:solidFill>
                   <a:srgbClr val="2D83C3"/>
                 </a:solidFill>
@@ -7627,7 +7155,7 @@
               <a:t>nnu</a:t>
             </a:r>
             <a:r>
-              <a:rPr sz="1100" b="1" spc="10" dirty="0">
+              <a:rPr b="1" dirty="0" sz="1100" spc="10">
                 <a:solidFill>
                   <a:srgbClr val="2D83C3"/>
                 </a:solidFill>
@@ -7637,7 +7165,7 @@
               <a:t>al</a:t>
             </a:r>
             <a:r>
-              <a:rPr sz="1100" b="1" spc="-140" dirty="0">
+              <a:rPr b="1" dirty="0" sz="1100" spc="-140">
                 <a:solidFill>
                   <a:srgbClr val="2D83C3"/>
                 </a:solidFill>
@@ -7647,7 +7175,7 @@
               <a:t> </a:t>
             </a:r>
             <a:r>
-              <a:rPr sz="1100" b="1" dirty="0">
+              <a:rPr b="1" dirty="0" sz="1100">
                 <a:solidFill>
                   <a:srgbClr val="2D83C3"/>
                 </a:solidFill>
@@ -7657,7 +7185,7 @@
               <a:t>R</a:t>
             </a:r>
             <a:r>
-              <a:rPr sz="1100" b="1" spc="35" dirty="0">
+              <a:rPr b="1" dirty="0" sz="1100" spc="35">
                 <a:solidFill>
                   <a:srgbClr val="2D83C3"/>
                 </a:solidFill>
@@ -7667,7 +7195,7 @@
               <a:t>e</a:t>
             </a:r>
             <a:r>
-              <a:rPr sz="1100" b="1" spc="90" dirty="0">
+              <a:rPr b="1" dirty="0" sz="1100" spc="90">
                 <a:solidFill>
                   <a:srgbClr val="2D83C3"/>
                 </a:solidFill>
@@ -7677,7 +7205,7 @@
               <a:t>v</a:t>
             </a:r>
             <a:r>
-              <a:rPr sz="1100" b="1" spc="-35" dirty="0">
+              <a:rPr b="1" dirty="0" sz="1100" spc="-35">
                 <a:solidFill>
                   <a:srgbClr val="2D83C3"/>
                 </a:solidFill>
@@ -7687,7 +7215,7 @@
               <a:t>i</a:t>
             </a:r>
             <a:r>
-              <a:rPr sz="1100" b="1" spc="35" dirty="0">
+              <a:rPr b="1" dirty="0" sz="1100" spc="35">
                 <a:solidFill>
                   <a:srgbClr val="2D83C3"/>
                 </a:solidFill>
@@ -7697,7 +7225,7 @@
               <a:t>e</a:t>
             </a:r>
             <a:r>
-              <a:rPr sz="1100" b="1" spc="15" dirty="0">
+              <a:rPr b="1" dirty="0" sz="1100" spc="15">
                 <a:solidFill>
                   <a:srgbClr val="2D83C3"/>
                 </a:solidFill>
@@ -7715,7 +7243,7 @@
       </p:sp>
       <p:sp>
         <p:nvSpPr>
-          <p:cNvPr id="15" name="object 15"/>
+          <p:cNvPr id="1048624" name="object 15"/>
           <p:cNvSpPr/>
           <p:nvPr/>
         </p:nvSpPr>
@@ -7726,9 +7254,7 @@
           </a:xfrm>
           <a:custGeom>
             <a:avLst/>
-            <a:gdLst/>
             <a:ahLst/>
-            <a:cxnLst/>
             <a:rect l="l" t="t" r="r" b="b"/>
             <a:pathLst>
               <a:path w="361950" h="361950">
@@ -7816,16 +7342,13 @@
           </a:solidFill>
         </p:spPr>
         <p:txBody>
-          <a:bodyPr wrap="square" lIns="0" tIns="0" rIns="0" bIns="0" rtlCol="0"/>
-          <a:lstStyle/>
-          <a:p>
-            <a:endParaRPr/>
-          </a:p>
-        </p:txBody>
-      </p:sp>
-      <p:sp>
-        <p:nvSpPr>
-          <p:cNvPr id="16" name="object 16"/>
+          <a:bodyPr bIns="0" lIns="0" rIns="0" rtlCol="0" tIns="0" wrap="square"/>
+          <a:p/>
+        </p:txBody>
+      </p:sp>
+      <p:sp>
+        <p:nvSpPr>
+          <p:cNvPr id="1048625" name="object 16"/>
           <p:cNvSpPr/>
           <p:nvPr/>
         </p:nvSpPr>
@@ -7836,9 +7359,7 @@
           </a:xfrm>
           <a:custGeom>
             <a:avLst/>
-            <a:gdLst/>
             <a:ahLst/>
-            <a:cxnLst/>
             <a:rect l="l" t="t" r="r" b="b"/>
             <a:pathLst>
               <a:path w="647700" h="647700">
@@ -7986,21 +7507,20 @@
           </a:solidFill>
         </p:spPr>
         <p:txBody>
-          <a:bodyPr wrap="square" lIns="0" tIns="0" rIns="0" bIns="0" rtlCol="0"/>
-          <a:lstStyle/>
-          <a:p>
-            <a:endParaRPr/>
-          </a:p>
+          <a:bodyPr bIns="0" lIns="0" rIns="0" rtlCol="0" tIns="0" wrap="square"/>
+          <a:p/>
         </p:txBody>
       </p:sp>
       <p:pic>
         <p:nvPicPr>
-          <p:cNvPr id="17" name="object 17"/>
-          <p:cNvPicPr/>
+          <p:cNvPr id="2097154" name="object 17"/>
+          <p:cNvPicPr>
+            <a:picLocks/>
+          </p:cNvPicPr>
           <p:nvPr/>
         </p:nvPicPr>
         <p:blipFill>
-          <a:blip r:embed="rId2" cstate="print"/>
+          <a:blip xmlns:r="http://schemas.openxmlformats.org/officeDocument/2006/relationships" r:embed="rId1" cstate="print"/>
           <a:stretch>
             <a:fillRect/>
           </a:stretch>
@@ -8010,14 +7530,12 @@
             <a:off x="10687050" y="6134100"/>
             <a:ext cx="247650" cy="247650"/>
           </a:xfrm>
-          <a:prstGeom prst="rect">
-            <a:avLst/>
-          </a:prstGeom>
+          <a:prstGeom prst="rect"/>
         </p:spPr>
       </p:pic>
       <p:grpSp>
         <p:nvGrpSpPr>
-          <p:cNvPr id="18" name="object 18"/>
+          <p:cNvPr id="26" name="object 18"/>
           <p:cNvGrpSpPr/>
           <p:nvPr/>
         </p:nvGrpSpPr>
@@ -8031,12 +7549,14 @@
         </p:grpSpPr>
         <p:pic>
           <p:nvPicPr>
-            <p:cNvPr id="19" name="object 19"/>
-            <p:cNvPicPr/>
+            <p:cNvPr id="2097155" name="object 19"/>
+            <p:cNvPicPr>
+              <a:picLocks/>
+            </p:cNvPicPr>
             <p:nvPr/>
           </p:nvPicPr>
           <p:blipFill>
-            <a:blip r:embed="rId3" cstate="print"/>
+            <a:blip xmlns:r="http://schemas.openxmlformats.org/officeDocument/2006/relationships" r:embed="rId2" cstate="print"/>
             <a:stretch>
               <a:fillRect/>
             </a:stretch>
@@ -8046,19 +7566,19 @@
               <a:off x="466725" y="6410325"/>
               <a:ext cx="3705225" cy="295275"/>
             </a:xfrm>
-            <a:prstGeom prst="rect">
-              <a:avLst/>
-            </a:prstGeom>
+            <a:prstGeom prst="rect"/>
           </p:spPr>
         </p:pic>
         <p:pic>
           <p:nvPicPr>
-            <p:cNvPr id="20" name="object 20"/>
-            <p:cNvPicPr/>
+            <p:cNvPr id="2097156" name="object 20"/>
+            <p:cNvPicPr>
+              <a:picLocks/>
+            </p:cNvPicPr>
             <p:nvPr/>
           </p:nvPicPr>
           <p:blipFill>
-            <a:blip r:embed="rId4" cstate="print"/>
+            <a:blip xmlns:r="http://schemas.openxmlformats.org/officeDocument/2006/relationships" r:embed="rId3" cstate="print"/>
             <a:stretch>
               <a:fillRect/>
             </a:stretch>
@@ -8068,15 +7588,13 @@
               <a:off x="47625" y="3819523"/>
               <a:ext cx="1733550" cy="3009898"/>
             </a:xfrm>
-            <a:prstGeom prst="rect">
-              <a:avLst/>
-            </a:prstGeom>
+            <a:prstGeom prst="rect"/>
           </p:spPr>
         </p:pic>
       </p:grpSp>
       <p:sp>
         <p:nvSpPr>
-          <p:cNvPr id="21" name="object 21"/>
+          <p:cNvPr id="1048626" name="object 21"/>
           <p:cNvSpPr txBox="1">
             <a:spLocks noGrp="1"/>
           </p:cNvSpPr>
@@ -8087,17 +7605,14 @@
         <p:spPr>
           <a:xfrm>
             <a:off x="739775" y="445388"/>
-            <a:ext cx="2357120" cy="758190"/>
+            <a:ext cx="2357120" cy="1461135"/>
           </a:xfrm>
-          <a:prstGeom prst="rect">
-            <a:avLst/>
-          </a:prstGeom>
+          <a:prstGeom prst="rect"/>
         </p:spPr>
         <p:txBody>
-          <a:bodyPr vert="horz" wrap="square" lIns="0" tIns="13335" rIns="0" bIns="0" rtlCol="0">
+          <a:bodyPr bIns="0" lIns="0" rIns="0" rtlCol="0" tIns="13335" vert="horz" wrap="square">
             <a:spAutoFit/>
           </a:bodyPr>
-          <a:lstStyle/>
           <a:p>
             <a:pPr marL="12700">
               <a:lnSpc>
@@ -8108,19 +7623,19 @@
               </a:spcBef>
             </a:pPr>
             <a:r>
-              <a:rPr spc="25" dirty="0"/>
+              <a:rPr dirty="0" spc="25"/>
               <a:t>A</a:t>
             </a:r>
             <a:r>
-              <a:rPr spc="-5" dirty="0"/>
+              <a:rPr dirty="0" spc="-5"/>
               <a:t>G</a:t>
             </a:r>
             <a:r>
-              <a:rPr spc="-35" dirty="0"/>
+              <a:rPr dirty="0" spc="-35"/>
               <a:t>E</a:t>
             </a:r>
             <a:r>
-              <a:rPr spc="15" dirty="0"/>
+              <a:rPr dirty="0" spc="15"/>
               <a:t>N</a:t>
             </a:r>
             <a:r>
@@ -8132,7 +7647,7 @@
       </p:sp>
       <p:sp>
         <p:nvSpPr>
-          <p:cNvPr id="22" name="object 22"/>
+          <p:cNvPr id="1048627" name="object 22"/>
           <p:cNvSpPr txBox="1">
             <a:spLocks noGrp="1"/>
           </p:cNvSpPr>
@@ -8141,15 +7656,12 @@
           </p:nvPr>
         </p:nvSpPr>
         <p:spPr>
-          <a:prstGeom prst="rect">
-            <a:avLst/>
-          </a:prstGeom>
+          <a:prstGeom prst="rect"/>
         </p:spPr>
         <p:txBody>
-          <a:bodyPr vert="horz" wrap="square" lIns="0" tIns="6985" rIns="0" bIns="0" rtlCol="0">
+          <a:bodyPr bIns="0" lIns="0" rIns="0" rtlCol="0" tIns="6985" vert="horz" wrap="square">
             <a:spAutoFit/>
           </a:bodyPr>
-          <a:lstStyle/>
           <a:p>
             <a:pPr marL="38100">
               <a:lnSpc>
@@ -8160,43 +7672,34 @@
               </a:spcBef>
             </a:pPr>
             <a:fld id="{81D60167-4931-47E6-BA6A-407CBD079E47}" type="slidenum">
-              <a:rPr spc="10" dirty="0"/>
+              <a:rPr dirty="0" spc="10"/>
               <a:t>3</a:t>
             </a:fld>
-            <a:endParaRPr spc="10" dirty="0"/>
+            <a:endParaRPr dirty="0" spc="10"/>
           </a:p>
         </p:txBody>
       </p:sp>
       <p:sp>
         <p:nvSpPr>
-          <p:cNvPr id="23" name="TextBox 22">
-            <a:extLst>
-              <a:ext uri="{FF2B5EF4-FFF2-40B4-BE49-F238E27FC236}">
-                <a16:creationId xmlns:a16="http://schemas.microsoft.com/office/drawing/2014/main" id="{D0827FA3-A9D4-0FE5-45BE-664C8C920E82}"/>
-              </a:ext>
-            </a:extLst>
-          </p:cNvPr>
+          <p:cNvPr id="1048628" name="TextBox 22"/>
           <p:cNvSpPr txBox="1"/>
           <p:nvPr/>
         </p:nvSpPr>
         <p:spPr>
           <a:xfrm>
             <a:off x="2161952" y="1041533"/>
-            <a:ext cx="5377055" cy="4401205"/>
+            <a:ext cx="5377055" cy="4282440"/>
           </a:xfrm>
-          <a:prstGeom prst="rect">
-            <a:avLst/>
-          </a:prstGeom>
+          <a:prstGeom prst="rect"/>
           <a:noFill/>
         </p:spPr>
         <p:txBody>
-          <a:bodyPr wrap="square" rtlCol="0">
+          <a:bodyPr rtlCol="0" wrap="square">
             <a:spAutoFit/>
           </a:bodyPr>
-          <a:lstStyle/>
           <a:p>
             <a:pPr algn="l"/>
-            <a:endParaRPr lang="en-US" sz="2800" b="0" i="0" dirty="0">
+            <a:endParaRPr b="0" dirty="0" sz="2800" i="0" lang="en-US">
               <a:solidFill>
                 <a:srgbClr val="0D0D0D"/>
               </a:solidFill>
@@ -8211,7 +7714,7 @@
               <a:buAutoNum type="arabicPeriod"/>
             </a:pPr>
             <a:r>
-              <a:rPr lang="en-US" sz="2800" b="0" i="0" dirty="0">
+              <a:rPr b="0" dirty="0" sz="2800" i="0" lang="en-US">
                 <a:solidFill>
                   <a:srgbClr val="0D0D0D"/>
                 </a:solidFill>
@@ -8228,7 +7731,7 @@
               <a:buAutoNum type="arabicPeriod"/>
             </a:pPr>
             <a:r>
-              <a:rPr lang="en-US" sz="2800" b="0" i="0" dirty="0">
+              <a:rPr b="0" dirty="0" sz="2800" i="0" lang="en-US">
                 <a:solidFill>
                   <a:srgbClr val="0D0D0D"/>
                 </a:solidFill>
@@ -8245,7 +7748,7 @@
               <a:buAutoNum type="arabicPeriod"/>
             </a:pPr>
             <a:r>
-              <a:rPr lang="en-US" sz="2800" b="0" i="0" dirty="0">
+              <a:rPr b="0" dirty="0" sz="2800" i="0" lang="en-US">
                 <a:solidFill>
                   <a:srgbClr val="0D0D0D"/>
                 </a:solidFill>
@@ -8262,7 +7765,7 @@
               <a:buAutoNum type="arabicPeriod"/>
             </a:pPr>
             <a:r>
-              <a:rPr lang="en-US" sz="2800" b="0" i="0" dirty="0">
+              <a:rPr b="0" dirty="0" sz="2800" i="0" lang="en-US">
                 <a:solidFill>
                   <a:srgbClr val="0D0D0D"/>
                 </a:solidFill>
@@ -8279,7 +7782,7 @@
               <a:buAutoNum type="arabicPeriod"/>
             </a:pPr>
             <a:r>
-              <a:rPr lang="en-US" sz="2800" dirty="0">
+              <a:rPr dirty="0" sz="2800" lang="en-US">
                 <a:solidFill>
                   <a:srgbClr val="0D0D0D"/>
                 </a:solidFill>
@@ -8288,7 +7791,7 @@
               </a:rPr>
               <a:t>Dataset Description</a:t>
             </a:r>
-            <a:endParaRPr lang="en-US" sz="2800" b="0" i="0" dirty="0">
+            <a:endParaRPr b="0" dirty="0" sz="2800" i="0" lang="en-US">
               <a:solidFill>
                 <a:srgbClr val="0D0D0D"/>
               </a:solidFill>
@@ -8303,7 +7806,7 @@
               <a:buAutoNum type="arabicPeriod"/>
             </a:pPr>
             <a:r>
-              <a:rPr lang="en-US" sz="2800" b="0" i="0" dirty="0">
+              <a:rPr b="0" dirty="0" sz="2800" i="0" lang="en-US">
                 <a:solidFill>
                   <a:srgbClr val="0D0D0D"/>
                 </a:solidFill>
@@ -8320,7 +7823,7 @@
               <a:buAutoNum type="arabicPeriod"/>
             </a:pPr>
             <a:r>
-              <a:rPr lang="en-US" sz="2800" b="0" i="0" dirty="0">
+              <a:rPr b="0" dirty="0" sz="2800" i="0" lang="en-US">
                 <a:solidFill>
                   <a:srgbClr val="0D0D0D"/>
                 </a:solidFill>
@@ -8331,7 +7834,7 @@
               <a:t>Results and </a:t>
             </a:r>
             <a:r>
-              <a:rPr lang="en-US" sz="2800" dirty="0">
+              <a:rPr dirty="0" sz="2800" lang="en-US">
                 <a:solidFill>
                   <a:srgbClr val="0D0D0D"/>
                 </a:solidFill>
@@ -8340,7 +7843,7 @@
               </a:rPr>
               <a:t>Discussion</a:t>
             </a:r>
-            <a:endParaRPr lang="en-US" sz="2800" b="0" i="0" dirty="0">
+            <a:endParaRPr b="0" dirty="0" sz="2800" i="0" lang="en-US">
               <a:solidFill>
                 <a:srgbClr val="0D0D0D"/>
               </a:solidFill>
@@ -8355,7 +7858,7 @@
               <a:buAutoNum type="arabicPeriod"/>
             </a:pPr>
             <a:r>
-              <a:rPr lang="en-US" sz="2800" b="0" i="0" dirty="0">
+              <a:rPr b="0" dirty="0" sz="2800" i="0" lang="en-US">
                 <a:solidFill>
                   <a:srgbClr val="0D0D0D"/>
                 </a:solidFill>
@@ -8367,7 +7870,7 @@
             </a:r>
           </a:p>
           <a:p>
-            <a:endParaRPr lang="en-IN" sz="2800" dirty="0">
+            <a:endParaRPr dirty="0" sz="2800" lang="en-IN">
               <a:latin typeface="Times New Roman" panose="02020603050405020304" pitchFamily="18" charset="0"/>
               <a:cs typeface="Times New Roman" panose="02020603050405020304" pitchFamily="18" charset="0"/>
             </a:endParaRPr>
@@ -8376,13 +7879,7 @@
       </p:sp>
       <p:sp>
         <p:nvSpPr>
-          <p:cNvPr id="25" name="TextBox 24">
-            <a:extLst>
-              <a:ext uri="{FF2B5EF4-FFF2-40B4-BE49-F238E27FC236}">
-                <a16:creationId xmlns:a16="http://schemas.microsoft.com/office/drawing/2014/main" id="{468A1386-D16F-8ECF-8100-BF9209021C1A}"/>
-              </a:ext>
-            </a:extLst>
-          </p:cNvPr>
+          <p:cNvPr id="1048629" name="TextBox 24"/>
           <p:cNvSpPr txBox="1"/>
           <p:nvPr/>
         </p:nvSpPr>
@@ -8391,19 +7888,16 @@
             <a:off x="2253011" y="1229699"/>
             <a:ext cx="6088759" cy="369332"/>
           </a:xfrm>
-          <a:prstGeom prst="rect">
-            <a:avLst/>
-          </a:prstGeom>
+          <a:prstGeom prst="rect"/>
           <a:noFill/>
         </p:spPr>
         <p:txBody>
-          <a:bodyPr wrap="square" rtlCol="0">
+          <a:bodyPr rtlCol="0" wrap="square">
             <a:spAutoFit/>
           </a:bodyPr>
-          <a:lstStyle/>
           <a:p>
             <a:pPr algn="l"/>
-            <a:endParaRPr lang="en-US" dirty="0"/>
+            <a:endParaRPr dirty="0" lang="en-US"/>
           </a:p>
         </p:txBody>
       </p:sp>
@@ -8420,7 +7914,7 @@
   <p:cSld>
     <p:spTree>
       <p:nvGrpSpPr>
-        <p:cNvPr id="1" name=""/>
+        <p:cNvPr id="32" name=""/>
         <p:cNvGrpSpPr/>
         <p:nvPr/>
       </p:nvGrpSpPr>
@@ -8434,7 +7928,7 @@
       </p:grpSpPr>
       <p:grpSp>
         <p:nvGrpSpPr>
-          <p:cNvPr id="2" name="object 2"/>
+          <p:cNvPr id="33" name="object 2"/>
           <p:cNvGrpSpPr/>
           <p:nvPr/>
         </p:nvGrpSpPr>
@@ -8448,7 +7942,7 @@
         </p:grpSpPr>
         <p:sp>
           <p:nvSpPr>
-            <p:cNvPr id="3" name="object 3"/>
+            <p:cNvPr id="1048646" name="object 3"/>
             <p:cNvSpPr/>
             <p:nvPr/>
           </p:nvSpPr>
@@ -8459,9 +7953,7 @@
             </a:xfrm>
             <a:custGeom>
               <a:avLst/>
-              <a:gdLst/>
               <a:ahLst/>
-              <a:cxnLst/>
               <a:rect l="l" t="t" r="r" b="b"/>
               <a:pathLst>
                 <a:path w="457200" h="457200">
@@ -8489,16 +7981,13 @@
             </a:solidFill>
           </p:spPr>
           <p:txBody>
-            <a:bodyPr wrap="square" lIns="0" tIns="0" rIns="0" bIns="0" rtlCol="0"/>
-            <a:lstStyle/>
-            <a:p>
-              <a:endParaRPr/>
-            </a:p>
+            <a:bodyPr bIns="0" lIns="0" rIns="0" rtlCol="0" tIns="0" wrap="square"/>
+            <a:p/>
           </p:txBody>
         </p:sp>
         <p:sp>
           <p:nvSpPr>
-            <p:cNvPr id="4" name="object 4"/>
+            <p:cNvPr id="1048647" name="object 4"/>
             <p:cNvSpPr/>
             <p:nvPr/>
           </p:nvSpPr>
@@ -8509,9 +7998,7 @@
             </a:xfrm>
             <a:custGeom>
               <a:avLst/>
-              <a:gdLst/>
               <a:ahLst/>
-              <a:cxnLst/>
               <a:rect l="l" t="t" r="r" b="b"/>
               <a:pathLst>
                 <a:path w="180975" h="180975">
@@ -8539,21 +8026,20 @@
             </a:solidFill>
           </p:spPr>
           <p:txBody>
-            <a:bodyPr wrap="square" lIns="0" tIns="0" rIns="0" bIns="0" rtlCol="0"/>
-            <a:lstStyle/>
-            <a:p>
-              <a:endParaRPr/>
-            </a:p>
+            <a:bodyPr bIns="0" lIns="0" rIns="0" rtlCol="0" tIns="0" wrap="square"/>
+            <a:p/>
           </p:txBody>
         </p:sp>
         <p:pic>
           <p:nvPicPr>
-            <p:cNvPr id="5" name="object 5"/>
-            <p:cNvPicPr/>
+            <p:cNvPr id="2097158" name="object 5"/>
+            <p:cNvPicPr>
+              <a:picLocks/>
+            </p:cNvPicPr>
             <p:nvPr/>
           </p:nvPicPr>
           <p:blipFill>
-            <a:blip r:embed="rId2" cstate="print"/>
+            <a:blip xmlns:r="http://schemas.openxmlformats.org/officeDocument/2006/relationships" r:embed="rId1" cstate="print"/>
             <a:stretch>
               <a:fillRect/>
             </a:stretch>
@@ -8563,15 +8049,13 @@
               <a:off x="7991475" y="2933700"/>
               <a:ext cx="2762250" cy="3257550"/>
             </a:xfrm>
-            <a:prstGeom prst="rect">
-              <a:avLst/>
-            </a:prstGeom>
+            <a:prstGeom prst="rect"/>
           </p:spPr>
         </p:pic>
       </p:grpSp>
       <p:sp>
         <p:nvSpPr>
-          <p:cNvPr id="7" name="object 7"/>
+          <p:cNvPr id="1048648" name="object 7"/>
           <p:cNvSpPr txBox="1">
             <a:spLocks noGrp="1"/>
           </p:cNvSpPr>
@@ -8582,17 +8066,14 @@
         <p:spPr>
           <a:xfrm>
             <a:off x="834072" y="575055"/>
-            <a:ext cx="5636895" cy="678180"/>
+            <a:ext cx="5636895" cy="638810"/>
           </a:xfrm>
-          <a:prstGeom prst="rect">
-            <a:avLst/>
-          </a:prstGeom>
+          <a:prstGeom prst="rect"/>
         </p:spPr>
         <p:txBody>
-          <a:bodyPr vert="horz" wrap="square" lIns="0" tIns="16510" rIns="0" bIns="0" rtlCol="0">
+          <a:bodyPr bIns="0" lIns="0" rIns="0" rtlCol="0" tIns="16510" vert="horz" wrap="square">
             <a:spAutoFit/>
           </a:bodyPr>
-          <a:lstStyle/>
           <a:p>
             <a:pPr marL="12700">
               <a:lnSpc>
@@ -8602,59 +8083,59 @@
                 <a:spcPts val="130"/>
               </a:spcBef>
               <a:tabLst>
-                <a:tab pos="2727960" algn="l"/>
+                <a:tab algn="l" pos="2727960"/>
               </a:tabLst>
             </a:pPr>
             <a:r>
-              <a:rPr sz="4250" spc="-20" dirty="0"/>
+              <a:rPr dirty="0" sz="4250" spc="-20"/>
               <a:t>P</a:t>
             </a:r>
             <a:r>
-              <a:rPr sz="4250" spc="15" dirty="0"/>
+              <a:rPr dirty="0" sz="4250" spc="15"/>
               <a:t>ROB</a:t>
             </a:r>
             <a:r>
-              <a:rPr sz="4250" spc="55" dirty="0"/>
+              <a:rPr dirty="0" sz="4250" spc="55"/>
               <a:t>L</a:t>
             </a:r>
             <a:r>
-              <a:rPr sz="4250" spc="-20" dirty="0"/>
+              <a:rPr dirty="0" sz="4250" spc="-20"/>
               <a:t>E</a:t>
             </a:r>
             <a:r>
-              <a:rPr sz="4250" spc="20" dirty="0"/>
+              <a:rPr dirty="0" sz="4250" spc="20"/>
               <a:t>M</a:t>
             </a:r>
             <a:r>
-              <a:rPr sz="4250" dirty="0"/>
+              <a:rPr dirty="0" sz="4250"/>
               <a:t>	</a:t>
             </a:r>
             <a:r>
-              <a:rPr sz="4250" spc="10" dirty="0"/>
+              <a:rPr dirty="0" sz="4250" spc="10"/>
               <a:t>S</a:t>
             </a:r>
             <a:r>
-              <a:rPr sz="4250" spc="-370" dirty="0"/>
+              <a:rPr dirty="0" sz="4250" spc="-370"/>
               <a:t>T</a:t>
             </a:r>
             <a:r>
-              <a:rPr sz="4250" spc="-375" dirty="0"/>
+              <a:rPr dirty="0" sz="4250" spc="-375"/>
               <a:t>A</a:t>
             </a:r>
             <a:r>
-              <a:rPr sz="4250" spc="15" dirty="0"/>
+              <a:rPr dirty="0" sz="4250" spc="15"/>
               <a:t>T</a:t>
             </a:r>
             <a:r>
-              <a:rPr sz="4250" spc="-10" dirty="0"/>
+              <a:rPr dirty="0" sz="4250" spc="-10"/>
               <a:t>E</a:t>
             </a:r>
             <a:r>
-              <a:rPr sz="4250" spc="-20" dirty="0"/>
+              <a:rPr dirty="0" sz="4250" spc="-20"/>
               <a:t>ME</a:t>
             </a:r>
             <a:r>
-              <a:rPr sz="4250" spc="10" dirty="0"/>
+              <a:rPr dirty="0" sz="4250" spc="10"/>
               <a:t>NT</a:t>
             </a:r>
             <a:endParaRPr sz="4250"/>
@@ -8663,12 +8144,14 @@
       </p:sp>
       <p:pic>
         <p:nvPicPr>
-          <p:cNvPr id="8" name="object 8"/>
-          <p:cNvPicPr/>
+          <p:cNvPr id="2097159" name="object 8"/>
+          <p:cNvPicPr>
+            <a:picLocks/>
+          </p:cNvPicPr>
           <p:nvPr/>
         </p:nvPicPr>
         <p:blipFill>
-          <a:blip r:embed="rId3" cstate="print"/>
+          <a:blip xmlns:r="http://schemas.openxmlformats.org/officeDocument/2006/relationships" r:embed="rId2" cstate="print"/>
           <a:stretch>
             <a:fillRect/>
           </a:stretch>
@@ -8678,14 +8161,12 @@
             <a:off x="676275" y="6467475"/>
             <a:ext cx="2143125" cy="200025"/>
           </a:xfrm>
-          <a:prstGeom prst="rect">
-            <a:avLst/>
-          </a:prstGeom>
+          <a:prstGeom prst="rect"/>
         </p:spPr>
       </p:pic>
       <p:sp>
         <p:nvSpPr>
-          <p:cNvPr id="10" name="object 10"/>
+          <p:cNvPr id="1048649" name="object 10"/>
           <p:cNvSpPr txBox="1">
             <a:spLocks noGrp="1"/>
           </p:cNvSpPr>
@@ -8694,15 +8175,12 @@
           </p:nvPr>
         </p:nvSpPr>
         <p:spPr>
-          <a:prstGeom prst="rect">
-            <a:avLst/>
-          </a:prstGeom>
+          <a:prstGeom prst="rect"/>
         </p:spPr>
         <p:txBody>
-          <a:bodyPr vert="horz" wrap="square" lIns="0" tIns="6985" rIns="0" bIns="0" rtlCol="0">
+          <a:bodyPr bIns="0" lIns="0" rIns="0" rtlCol="0" tIns="6985" vert="horz" wrap="square">
             <a:spAutoFit/>
           </a:bodyPr>
-          <a:lstStyle/>
           <a:p>
             <a:pPr marL="38100">
               <a:lnSpc>
@@ -8713,51 +8191,42 @@
               </a:spcBef>
             </a:pPr>
             <a:fld id="{81D60167-4931-47E6-BA6A-407CBD079E47}" type="slidenum">
-              <a:rPr spc="10" dirty="0"/>
+              <a:rPr dirty="0" spc="10"/>
               <a:t>4</a:t>
             </a:fld>
-            <a:endParaRPr spc="10" dirty="0"/>
+            <a:endParaRPr dirty="0" spc="10"/>
           </a:p>
         </p:txBody>
       </p:sp>
       <p:sp>
         <p:nvSpPr>
-          <p:cNvPr id="11" name="TextBox 10">
-            <a:extLst>
-              <a:ext uri="{FF2B5EF4-FFF2-40B4-BE49-F238E27FC236}">
-                <a16:creationId xmlns:a16="http://schemas.microsoft.com/office/drawing/2014/main" id="{557A8B31-BDCF-6E06-C75E-7D6F92556F24}"/>
-              </a:ext>
-            </a:extLst>
-          </p:cNvPr>
+          <p:cNvPr id="1048650" name="TextBox 10"/>
           <p:cNvSpPr txBox="1"/>
           <p:nvPr/>
         </p:nvSpPr>
         <p:spPr>
           <a:xfrm>
             <a:off x="676275" y="1905000"/>
-            <a:ext cx="8475099" cy="1938992"/>
+            <a:ext cx="8475099" cy="2225040"/>
           </a:xfrm>
-          <a:prstGeom prst="rect">
-            <a:avLst/>
-          </a:prstGeom>
+          <a:prstGeom prst="rect"/>
           <a:noFill/>
         </p:spPr>
         <p:txBody>
           <a:bodyPr wrap="square">
             <a:spAutoFit/>
           </a:bodyPr>
-          <a:lstStyle/>
           <a:p>
             <a:r>
-              <a:rPr lang="en-IN" sz="2400" dirty="0"/>
+              <a:rPr dirty="0" sz="2400" lang="en-IN"/>
               <a:t>To </a:t>
             </a:r>
             <a:r>
-              <a:rPr lang="en-IN" sz="2400" dirty="0" err="1"/>
+              <a:rPr dirty="0" sz="2400" lang="en-IN" err="1"/>
               <a:t>analyze</a:t>
             </a:r>
             <a:r>
-              <a:rPr lang="en-IN" sz="2400" dirty="0"/>
+              <a:rPr dirty="0" sz="2400" lang="en-IN"/>
               <a:t> employee performance based on key performance indicators (KPIs), identifying patterns and areas for improvement, while taking into account factors such as productivity, efficiency, attendance, and task completion, in order to optimize overall organizational performance and decision-making</a:t>
             </a:r>
           </a:p>
@@ -8776,7 +8245,7 @@
   <p:cSld>
     <p:spTree>
       <p:nvGrpSpPr>
-        <p:cNvPr id="1" name=""/>
+        <p:cNvPr id="34" name=""/>
         <p:cNvGrpSpPr/>
         <p:nvPr/>
       </p:nvGrpSpPr>
@@ -8790,7 +8259,7 @@
       </p:grpSpPr>
       <p:grpSp>
         <p:nvGrpSpPr>
-          <p:cNvPr id="2" name="object 2"/>
+          <p:cNvPr id="35" name="object 2"/>
           <p:cNvGrpSpPr/>
           <p:nvPr/>
         </p:nvGrpSpPr>
@@ -8804,7 +8273,7 @@
         </p:grpSpPr>
         <p:sp>
           <p:nvSpPr>
-            <p:cNvPr id="3" name="object 3"/>
+            <p:cNvPr id="1048651" name="object 3"/>
             <p:cNvSpPr/>
             <p:nvPr/>
           </p:nvSpPr>
@@ -8815,9 +8284,7 @@
             </a:xfrm>
             <a:custGeom>
               <a:avLst/>
-              <a:gdLst/>
               <a:ahLst/>
-              <a:cxnLst/>
               <a:rect l="l" t="t" r="r" b="b"/>
               <a:pathLst>
                 <a:path w="457200" h="457200">
@@ -8845,16 +8312,13 @@
             </a:solidFill>
           </p:spPr>
           <p:txBody>
-            <a:bodyPr wrap="square" lIns="0" tIns="0" rIns="0" bIns="0" rtlCol="0"/>
-            <a:lstStyle/>
-            <a:p>
-              <a:endParaRPr/>
-            </a:p>
+            <a:bodyPr bIns="0" lIns="0" rIns="0" rtlCol="0" tIns="0" wrap="square"/>
+            <a:p/>
           </p:txBody>
         </p:sp>
         <p:sp>
           <p:nvSpPr>
-            <p:cNvPr id="4" name="object 4"/>
+            <p:cNvPr id="1048652" name="object 4"/>
             <p:cNvSpPr/>
             <p:nvPr/>
           </p:nvSpPr>
@@ -8865,9 +8329,7 @@
             </a:xfrm>
             <a:custGeom>
               <a:avLst/>
-              <a:gdLst/>
               <a:ahLst/>
-              <a:cxnLst/>
               <a:rect l="l" t="t" r="r" b="b"/>
               <a:pathLst>
                 <a:path w="180975" h="180975">
@@ -8895,21 +8357,20 @@
             </a:solidFill>
           </p:spPr>
           <p:txBody>
-            <a:bodyPr wrap="square" lIns="0" tIns="0" rIns="0" bIns="0" rtlCol="0"/>
-            <a:lstStyle/>
-            <a:p>
-              <a:endParaRPr/>
-            </a:p>
+            <a:bodyPr bIns="0" lIns="0" rIns="0" rtlCol="0" tIns="0" wrap="square"/>
+            <a:p/>
           </p:txBody>
         </p:sp>
         <p:pic>
           <p:nvPicPr>
-            <p:cNvPr id="5" name="object 5"/>
-            <p:cNvPicPr/>
+            <p:cNvPr id="2097160" name="object 5"/>
+            <p:cNvPicPr>
+              <a:picLocks/>
+            </p:cNvPicPr>
             <p:nvPr/>
           </p:nvPicPr>
           <p:blipFill>
-            <a:blip r:embed="rId2" cstate="print"/>
+            <a:blip xmlns:r="http://schemas.openxmlformats.org/officeDocument/2006/relationships" r:embed="rId1" cstate="print"/>
             <a:stretch>
               <a:fillRect/>
             </a:stretch>
@@ -8919,15 +8380,13 @@
               <a:off x="8658225" y="2647950"/>
               <a:ext cx="3533775" cy="3810000"/>
             </a:xfrm>
-            <a:prstGeom prst="rect">
-              <a:avLst/>
-            </a:prstGeom>
+            <a:prstGeom prst="rect"/>
           </p:spPr>
         </p:pic>
       </p:grpSp>
       <p:sp>
         <p:nvSpPr>
-          <p:cNvPr id="7" name="object 7"/>
+          <p:cNvPr id="1048653" name="object 7"/>
           <p:cNvSpPr txBox="1">
             <a:spLocks noGrp="1"/>
           </p:cNvSpPr>
@@ -8938,17 +8397,14 @@
         <p:spPr>
           <a:xfrm>
             <a:off x="739775" y="829627"/>
-            <a:ext cx="5263515" cy="678180"/>
+            <a:ext cx="5263515" cy="638810"/>
           </a:xfrm>
-          <a:prstGeom prst="rect">
-            <a:avLst/>
-          </a:prstGeom>
+          <a:prstGeom prst="rect"/>
         </p:spPr>
         <p:txBody>
-          <a:bodyPr vert="horz" wrap="square" lIns="0" tIns="16510" rIns="0" bIns="0" rtlCol="0">
+          <a:bodyPr bIns="0" lIns="0" rIns="0" rtlCol="0" tIns="16510" vert="horz" wrap="square">
             <a:spAutoFit/>
           </a:bodyPr>
-          <a:lstStyle/>
           <a:p>
             <a:pPr marL="12700">
               <a:lnSpc>
@@ -8958,15 +8414,15 @@
                 <a:spcPts val="130"/>
               </a:spcBef>
               <a:tabLst>
-                <a:tab pos="2642870" algn="l"/>
+                <a:tab algn="l" pos="2642870"/>
               </a:tabLst>
             </a:pPr>
             <a:r>
-              <a:rPr sz="4250" spc="5" dirty="0"/>
+              <a:rPr dirty="0" sz="4250" spc="5"/>
               <a:t>PROJECT	</a:t>
             </a:r>
             <a:r>
-              <a:rPr sz="4250" spc="-20" dirty="0"/>
+              <a:rPr dirty="0" sz="4250" spc="-20"/>
               <a:t>OVERVIEW</a:t>
             </a:r>
             <a:endParaRPr sz="4250"/>
@@ -8975,12 +8431,14 @@
       </p:sp>
       <p:pic>
         <p:nvPicPr>
-          <p:cNvPr id="8" name="object 8"/>
-          <p:cNvPicPr/>
+          <p:cNvPr id="2097161" name="object 8"/>
+          <p:cNvPicPr>
+            <a:picLocks/>
+          </p:cNvPicPr>
           <p:nvPr/>
         </p:nvPicPr>
         <p:blipFill>
-          <a:blip r:embed="rId3" cstate="print"/>
+          <a:blip xmlns:r="http://schemas.openxmlformats.org/officeDocument/2006/relationships" r:embed="rId2" cstate="print"/>
           <a:stretch>
             <a:fillRect/>
           </a:stretch>
@@ -8990,14 +8448,12 @@
             <a:off x="676275" y="6467475"/>
             <a:ext cx="2143125" cy="200025"/>
           </a:xfrm>
-          <a:prstGeom prst="rect">
-            <a:avLst/>
-          </a:prstGeom>
+          <a:prstGeom prst="rect"/>
         </p:spPr>
       </p:pic>
       <p:sp>
         <p:nvSpPr>
-          <p:cNvPr id="10" name="object 10"/>
+          <p:cNvPr id="1048654" name="object 10"/>
           <p:cNvSpPr txBox="1">
             <a:spLocks noGrp="1"/>
           </p:cNvSpPr>
@@ -9006,15 +8462,12 @@
           </p:nvPr>
         </p:nvSpPr>
         <p:spPr>
-          <a:prstGeom prst="rect">
-            <a:avLst/>
-          </a:prstGeom>
+          <a:prstGeom prst="rect"/>
         </p:spPr>
         <p:txBody>
-          <a:bodyPr vert="horz" wrap="square" lIns="0" tIns="6985" rIns="0" bIns="0" rtlCol="0">
+          <a:bodyPr bIns="0" lIns="0" rIns="0" rtlCol="0" tIns="6985" vert="horz" wrap="square">
             <a:spAutoFit/>
           </a:bodyPr>
-          <a:lstStyle/>
           <a:p>
             <a:pPr marL="38100">
               <a:lnSpc>
@@ -9025,44 +8478,35 @@
               </a:spcBef>
             </a:pPr>
             <a:fld id="{81D60167-4931-47E6-BA6A-407CBD079E47}" type="slidenum">
-              <a:rPr spc="10" dirty="0"/>
+              <a:rPr dirty="0" spc="10"/>
               <a:t>5</a:t>
             </a:fld>
-            <a:endParaRPr spc="10" dirty="0"/>
+            <a:endParaRPr dirty="0" spc="10"/>
           </a:p>
         </p:txBody>
       </p:sp>
       <p:sp>
         <p:nvSpPr>
-          <p:cNvPr id="11" name="TextBox 10">
-            <a:extLst>
-              <a:ext uri="{FF2B5EF4-FFF2-40B4-BE49-F238E27FC236}">
-                <a16:creationId xmlns:a16="http://schemas.microsoft.com/office/drawing/2014/main" id="{F050B57B-77CA-84FA-9910-3F41C17BBB48}"/>
-              </a:ext>
-            </a:extLst>
-          </p:cNvPr>
+          <p:cNvPr id="1048655" name="TextBox 10"/>
           <p:cNvSpPr txBox="1"/>
           <p:nvPr/>
         </p:nvSpPr>
         <p:spPr>
           <a:xfrm>
             <a:off x="990600" y="2133600"/>
-            <a:ext cx="7924800" cy="1569660"/>
+            <a:ext cx="7924800" cy="1513840"/>
           </a:xfrm>
-          <a:prstGeom prst="rect">
-            <a:avLst/>
-          </a:prstGeom>
+          <a:prstGeom prst="rect"/>
           <a:noFill/>
         </p:spPr>
         <p:txBody>
-          <a:bodyPr wrap="square" rtlCol="0">
+          <a:bodyPr rtlCol="0" wrap="square">
             <a:spAutoFit/>
           </a:bodyPr>
-          <a:lstStyle/>
           <a:p>
             <a:pPr algn="l"/>
             <a:r>
-              <a:rPr lang="en-US" sz="2400" b="0" i="0" dirty="0">
+              <a:rPr b="0" dirty="0" sz="2400" i="0" lang="en-US">
                 <a:solidFill>
                   <a:srgbClr val="0D0D0D"/>
                 </a:solidFill>
@@ -9073,7 +8517,7 @@
               <a:t>To </a:t>
             </a:r>
             <a:r>
-              <a:rPr lang="en-US" sz="2400" b="0" i="0" dirty="0" err="1">
+              <a:rPr b="0" dirty="0" sz="2400" i="0" lang="en-US" err="1">
                 <a:solidFill>
                   <a:srgbClr val="0D0D0D"/>
                 </a:solidFill>
@@ -9084,7 +8528,7 @@
               <a:t>analyse</a:t>
             </a:r>
             <a:r>
-              <a:rPr lang="en-US" sz="2400" b="0" i="0" dirty="0">
+              <a:rPr b="0" dirty="0" sz="2400" i="0" lang="en-US">
                 <a:solidFill>
                   <a:srgbClr val="0D0D0D"/>
                 </a:solidFill>
@@ -9095,7 +8539,7 @@
               <a:t> the performance based on some factors like Gender of the employee, performance of the employee , employee type etc., in order to </a:t>
             </a:r>
             <a:r>
-              <a:rPr lang="en-US" sz="2400" b="0" i="0" dirty="0" err="1">
+              <a:rPr b="0" dirty="0" sz="2400" i="0" lang="en-US" err="1">
                 <a:solidFill>
                   <a:srgbClr val="0D0D0D"/>
                 </a:solidFill>
@@ -9106,7 +8550,7 @@
               <a:t>findout</a:t>
             </a:r>
             <a:r>
-              <a:rPr lang="en-US" sz="2400" b="0" i="0" dirty="0">
+              <a:rPr b="0" dirty="0" sz="2400" i="0" lang="en-US">
                 <a:solidFill>
                   <a:srgbClr val="0D0D0D"/>
                 </a:solidFill>
@@ -9116,7 +8560,7 @@
               </a:rPr>
               <a:t> the trendlines of medium and low employee performance</a:t>
             </a:r>
-            <a:endParaRPr lang="en-IN" sz="2400" dirty="0">
+            <a:endParaRPr dirty="0" sz="2400" lang="en-IN">
               <a:latin typeface="Times New Roman" panose="02020603050405020304" pitchFamily="18" charset="0"/>
               <a:cs typeface="Times New Roman" panose="02020603050405020304" pitchFamily="18" charset="0"/>
             </a:endParaRPr>
@@ -9136,7 +8580,7 @@
   <p:cSld>
     <p:spTree>
       <p:nvGrpSpPr>
-        <p:cNvPr id="1" name=""/>
+        <p:cNvPr id="36" name=""/>
         <p:cNvGrpSpPr/>
         <p:nvPr/>
       </p:nvGrpSpPr>
@@ -9150,7 +8594,7 @@
       </p:grpSpPr>
       <p:sp>
         <p:nvSpPr>
-          <p:cNvPr id="2" name="object 2"/>
+          <p:cNvPr id="1048656" name="object 2"/>
           <p:cNvSpPr/>
           <p:nvPr/>
         </p:nvSpPr>
@@ -9161,9 +8605,7 @@
           </a:xfrm>
           <a:custGeom>
             <a:avLst/>
-            <a:gdLst/>
             <a:ahLst/>
-            <a:cxnLst/>
             <a:rect l="l" t="t" r="r" b="b"/>
             <a:pathLst>
               <a:path w="457200" h="457200">
@@ -9191,16 +8633,13 @@
           </a:solidFill>
         </p:spPr>
         <p:txBody>
-          <a:bodyPr wrap="square" lIns="0" tIns="0" rIns="0" bIns="0" rtlCol="0"/>
-          <a:lstStyle/>
-          <a:p>
-            <a:endParaRPr/>
-          </a:p>
-        </p:txBody>
-      </p:sp>
-      <p:sp>
-        <p:nvSpPr>
-          <p:cNvPr id="4" name="object 4"/>
+          <a:bodyPr bIns="0" lIns="0" rIns="0" rtlCol="0" tIns="0" wrap="square"/>
+          <a:p/>
+        </p:txBody>
+      </p:sp>
+      <p:sp>
+        <p:nvSpPr>
+          <p:cNvPr id="1048657" name="object 4"/>
           <p:cNvSpPr/>
           <p:nvPr/>
         </p:nvSpPr>
@@ -9211,9 +8650,7 @@
           </a:xfrm>
           <a:custGeom>
             <a:avLst/>
-            <a:gdLst/>
             <a:ahLst/>
-            <a:cxnLst/>
             <a:rect l="l" t="t" r="r" b="b"/>
             <a:pathLst>
               <a:path w="180975" h="180975">
@@ -9241,16 +8678,13 @@
           </a:solidFill>
         </p:spPr>
         <p:txBody>
-          <a:bodyPr wrap="square" lIns="0" tIns="0" rIns="0" bIns="0" rtlCol="0"/>
-          <a:lstStyle/>
-          <a:p>
-            <a:endParaRPr/>
-          </a:p>
-        </p:txBody>
-      </p:sp>
-      <p:sp>
-        <p:nvSpPr>
-          <p:cNvPr id="5" name="object 5"/>
+          <a:bodyPr bIns="0" lIns="0" rIns="0" rtlCol="0" tIns="0" wrap="square"/>
+          <a:p/>
+        </p:txBody>
+      </p:sp>
+      <p:sp>
+        <p:nvSpPr>
+          <p:cNvPr id="1048658" name="object 5"/>
           <p:cNvSpPr txBox="1">
             <a:spLocks noGrp="1"/>
           </p:cNvSpPr>
@@ -9263,15 +8697,12 @@
             <a:off x="699452" y="891793"/>
             <a:ext cx="5014595" cy="518159"/>
           </a:xfrm>
-          <a:prstGeom prst="rect">
-            <a:avLst/>
-          </a:prstGeom>
+          <a:prstGeom prst="rect"/>
         </p:spPr>
         <p:txBody>
-          <a:bodyPr vert="horz" wrap="square" lIns="0" tIns="16510" rIns="0" bIns="0" rtlCol="0">
+          <a:bodyPr bIns="0" lIns="0" rIns="0" rtlCol="0" tIns="16510" vert="horz" wrap="square">
             <a:spAutoFit/>
           </a:bodyPr>
-          <a:lstStyle/>
           <a:p>
             <a:pPr marL="12700">
               <a:lnSpc>
@@ -9282,83 +8713,83 @@
               </a:spcBef>
             </a:pPr>
             <a:r>
-              <a:rPr sz="3200" spc="25" dirty="0"/>
+              <a:rPr dirty="0" sz="3200" spc="25"/>
               <a:t>W</a:t>
             </a:r>
             <a:r>
-              <a:rPr sz="3200" spc="-20" dirty="0"/>
+              <a:rPr dirty="0" sz="3200" spc="-20"/>
               <a:t>H</a:t>
             </a:r>
             <a:r>
-              <a:rPr sz="3200" spc="20" dirty="0"/>
+              <a:rPr dirty="0" sz="3200" spc="20"/>
               <a:t>O</a:t>
             </a:r>
             <a:r>
-              <a:rPr sz="3200" spc="-235" dirty="0"/>
+              <a:rPr dirty="0" sz="3200" spc="-235"/>
               <a:t> </a:t>
             </a:r>
             <a:r>
-              <a:rPr sz="3200" spc="-10" dirty="0"/>
+              <a:rPr dirty="0" sz="3200" spc="-10"/>
               <a:t>AR</a:t>
             </a:r>
             <a:r>
-              <a:rPr sz="3200" spc="15" dirty="0"/>
+              <a:rPr dirty="0" sz="3200" spc="15"/>
               <a:t>E</a:t>
             </a:r>
             <a:r>
-              <a:rPr sz="3200" spc="-35" dirty="0"/>
+              <a:rPr dirty="0" sz="3200" spc="-35"/>
               <a:t> </a:t>
             </a:r>
             <a:r>
-              <a:rPr sz="3200" spc="-10" dirty="0"/>
+              <a:rPr dirty="0" sz="3200" spc="-10"/>
               <a:t>T</a:t>
             </a:r>
             <a:r>
-              <a:rPr sz="3200" spc="-15" dirty="0"/>
+              <a:rPr dirty="0" sz="3200" spc="-15"/>
               <a:t>H</a:t>
             </a:r>
             <a:r>
-              <a:rPr sz="3200" spc="15" dirty="0"/>
+              <a:rPr dirty="0" sz="3200" spc="15"/>
               <a:t>E</a:t>
             </a:r>
             <a:r>
-              <a:rPr sz="3200" spc="-35" dirty="0"/>
+              <a:rPr dirty="0" sz="3200" spc="-35"/>
               <a:t> </a:t>
             </a:r>
             <a:r>
-              <a:rPr sz="3200" spc="-20" dirty="0"/>
+              <a:rPr dirty="0" sz="3200" spc="-20"/>
               <a:t>E</a:t>
             </a:r>
             <a:r>
-              <a:rPr sz="3200" spc="30" dirty="0"/>
+              <a:rPr dirty="0" sz="3200" spc="30"/>
               <a:t>N</a:t>
             </a:r>
             <a:r>
-              <a:rPr sz="3200" spc="15" dirty="0"/>
+              <a:rPr dirty="0" sz="3200" spc="15"/>
               <a:t>D</a:t>
             </a:r>
             <a:r>
-              <a:rPr sz="3200" spc="-45" dirty="0"/>
+              <a:rPr dirty="0" sz="3200" spc="-45"/>
               <a:t> </a:t>
             </a:r>
             <a:r>
-              <a:rPr sz="3200" dirty="0"/>
+              <a:rPr dirty="0" sz="3200"/>
               <a:t>U</a:t>
             </a:r>
             <a:r>
-              <a:rPr sz="3200" spc="10" dirty="0"/>
+              <a:rPr dirty="0" sz="3200" spc="10"/>
               <a:t>S</a:t>
             </a:r>
             <a:r>
-              <a:rPr sz="3200" spc="-25" dirty="0"/>
+              <a:rPr dirty="0" sz="3200" spc="-25"/>
               <a:t>E</a:t>
             </a:r>
             <a:r>
-              <a:rPr sz="3200" spc="-10" dirty="0"/>
+              <a:rPr dirty="0" sz="3200" spc="-10"/>
               <a:t>R</a:t>
             </a:r>
             <a:r>
-              <a:rPr sz="3200" spc="5" dirty="0"/>
+              <a:rPr dirty="0" sz="3200" spc="5"/>
               <a:t>S?</a:t>
             </a:r>
             <a:endParaRPr sz="3200"/>
@@ -9367,12 +8798,14 @@
       </p:sp>
       <p:pic>
         <p:nvPicPr>
-          <p:cNvPr id="6" name="object 6"/>
-          <p:cNvPicPr/>
+          <p:cNvPr id="2097162" name="object 6"/>
+          <p:cNvPicPr>
+            <a:picLocks/>
+          </p:cNvPicPr>
           <p:nvPr/>
         </p:nvPicPr>
         <p:blipFill>
-          <a:blip r:embed="rId2" cstate="print"/>
+          <a:blip xmlns:r="http://schemas.openxmlformats.org/officeDocument/2006/relationships" r:embed="rId1" cstate="print"/>
           <a:stretch>
             <a:fillRect/>
           </a:stretch>
@@ -9382,14 +8815,12 @@
             <a:off x="723900" y="6172200"/>
             <a:ext cx="2181225" cy="485775"/>
           </a:xfrm>
-          <a:prstGeom prst="rect">
-            <a:avLst/>
-          </a:prstGeom>
+          <a:prstGeom prst="rect"/>
         </p:spPr>
       </p:pic>
       <p:sp>
         <p:nvSpPr>
-          <p:cNvPr id="8" name="object 8"/>
+          <p:cNvPr id="1048659" name="object 8"/>
           <p:cNvSpPr txBox="1">
             <a:spLocks noGrp="1"/>
           </p:cNvSpPr>
@@ -9398,15 +8829,12 @@
           </p:nvPr>
         </p:nvSpPr>
         <p:spPr>
-          <a:prstGeom prst="rect">
-            <a:avLst/>
-          </a:prstGeom>
+          <a:prstGeom prst="rect"/>
         </p:spPr>
         <p:txBody>
-          <a:bodyPr vert="horz" wrap="square" lIns="0" tIns="6985" rIns="0" bIns="0" rtlCol="0">
+          <a:bodyPr bIns="0" lIns="0" rIns="0" rtlCol="0" tIns="6985" vert="horz" wrap="square">
             <a:spAutoFit/>
           </a:bodyPr>
-          <a:lstStyle/>
           <a:p>
             <a:pPr marL="38100">
               <a:lnSpc>
@@ -9417,91 +8845,82 @@
               </a:spcBef>
             </a:pPr>
             <a:fld id="{81D60167-4931-47E6-BA6A-407CBD079E47}" type="slidenum">
-              <a:rPr spc="10" dirty="0"/>
+              <a:rPr dirty="0" spc="10"/>
               <a:t>6</a:t>
             </a:fld>
-            <a:endParaRPr spc="10" dirty="0"/>
+            <a:endParaRPr dirty="0" spc="10"/>
           </a:p>
         </p:txBody>
       </p:sp>
       <p:sp>
         <p:nvSpPr>
-          <p:cNvPr id="9" name="TextBox 8">
-            <a:extLst>
-              <a:ext uri="{FF2B5EF4-FFF2-40B4-BE49-F238E27FC236}">
-                <a16:creationId xmlns:a16="http://schemas.microsoft.com/office/drawing/2014/main" id="{D1B6F0D1-2ED8-6353-D2B2-7B4FD98CA0E5}"/>
-              </a:ext>
-            </a:extLst>
-          </p:cNvPr>
+          <p:cNvPr id="1048660" name="TextBox 8"/>
           <p:cNvSpPr txBox="1"/>
           <p:nvPr/>
         </p:nvSpPr>
         <p:spPr>
           <a:xfrm>
             <a:off x="746023" y="1831478"/>
-            <a:ext cx="6789174" cy="4154984"/>
+            <a:ext cx="6789174" cy="4714239"/>
           </a:xfrm>
-          <a:prstGeom prst="rect">
-            <a:avLst/>
-          </a:prstGeom>
+          <a:prstGeom prst="rect"/>
           <a:noFill/>
         </p:spPr>
         <p:txBody>
           <a:bodyPr wrap="square">
             <a:spAutoFit/>
           </a:bodyPr>
-          <a:lstStyle/>
           <a:p>
             <a:r>
-              <a:rPr lang="en-IN" sz="2400" dirty="0"/>
+              <a:rPr dirty="0" sz="2400" lang="en-IN"/>
               <a:t>The end users of the Employee Performance Analysis project </a:t>
             </a:r>
             <a:r>
-              <a:rPr lang="en-IN" sz="2400" dirty="0" err="1"/>
+              <a:rPr dirty="0" sz="2400" lang="en-IN" err="1"/>
               <a:t>include:HR</a:t>
             </a:r>
             <a:r>
-              <a:rPr lang="en-IN" sz="2400" dirty="0"/>
+              <a:rPr dirty="0" sz="2400" lang="en-IN"/>
               <a:t> Managers: To evaluate employee performance, manage appraisals, and design improvement </a:t>
             </a:r>
             <a:r>
-              <a:rPr lang="en-IN" sz="2400" dirty="0" err="1"/>
+              <a:rPr dirty="0" sz="2400" lang="en-IN" err="1"/>
               <a:t>plans.Team</a:t>
             </a:r>
             <a:r>
-              <a:rPr lang="en-IN" sz="2400" dirty="0"/>
+              <a:rPr dirty="0" sz="2400" lang="en-IN"/>
               <a:t> Leaders/Managers: To monitor team performance and provide feedback or </a:t>
             </a:r>
             <a:r>
-              <a:rPr lang="en-IN" sz="2400" dirty="0" err="1"/>
+              <a:rPr dirty="0" sz="2400" lang="en-IN" err="1"/>
               <a:t>support.Executives</a:t>
             </a:r>
             <a:r>
-              <a:rPr lang="en-IN" sz="2400" dirty="0"/>
+              <a:rPr dirty="0" sz="2400" lang="en-IN"/>
               <a:t>: To make strategic decisions based on workforce efficiency and </a:t>
             </a:r>
             <a:r>
-              <a:rPr lang="en-IN" sz="2400" dirty="0" err="1"/>
+              <a:rPr dirty="0" sz="2400" lang="en-IN" err="1"/>
               <a:t>productivity.Employees</a:t>
             </a:r>
             <a:r>
-              <a:rPr lang="en-IN" sz="2400" dirty="0"/>
+              <a:rPr dirty="0" sz="2400" lang="en-IN"/>
               <a:t>: To gain insights into their performance and identify areas for personal </a:t>
             </a:r>
             <a:r>
-              <a:rPr lang="en-IN" sz="2400" dirty="0" err="1"/>
+              <a:rPr dirty="0" sz="2400" lang="en-IN" err="1"/>
               <a:t>growth.Analysts</a:t>
             </a:r>
             <a:r>
-              <a:rPr lang="en-IN" sz="2400" dirty="0"/>
+              <a:rPr dirty="0" sz="2400" lang="en-IN"/>
               <a:t>: To </a:t>
             </a:r>
             <a:r>
-              <a:rPr lang="en-IN" sz="2400" dirty="0" err="1"/>
+              <a:rPr dirty="0" sz="2400" lang="en-IN" err="1"/>
               <a:t>analyze</a:t>
             </a:r>
             <a:r>
-              <a:rPr lang="en-IN" sz="2400" dirty="0"/>
+              <a:rPr dirty="0" sz="2400" lang="en-IN"/>
               <a:t> performance data for trends and optimization opportunities.</a:t>
             </a:r>
           </a:p>
@@ -9520,7 +8939,7 @@
   <p:cSld>
     <p:spTree>
       <p:nvGrpSpPr>
-        <p:cNvPr id="1" name=""/>
+        <p:cNvPr id="37" name=""/>
         <p:cNvGrpSpPr/>
         <p:nvPr/>
       </p:nvGrpSpPr>
@@ -9534,12 +8953,14 @@
       </p:grpSpPr>
       <p:pic>
         <p:nvPicPr>
-          <p:cNvPr id="2" name="object 2"/>
-          <p:cNvPicPr/>
+          <p:cNvPr id="2097163" name="object 2"/>
+          <p:cNvPicPr>
+            <a:picLocks/>
+          </p:cNvPicPr>
           <p:nvPr/>
         </p:nvPicPr>
         <p:blipFill>
-          <a:blip r:embed="rId2" cstate="print"/>
+          <a:blip xmlns:r="http://schemas.openxmlformats.org/officeDocument/2006/relationships" r:embed="rId1" cstate="print"/>
           <a:stretch>
             <a:fillRect/>
           </a:stretch>
@@ -9549,14 +8970,12 @@
             <a:off x="0" y="1476375"/>
             <a:ext cx="2695574" cy="3248025"/>
           </a:xfrm>
-          <a:prstGeom prst="rect">
-            <a:avLst/>
-          </a:prstGeom>
+          <a:prstGeom prst="rect"/>
         </p:spPr>
       </p:pic>
       <p:sp>
         <p:nvSpPr>
-          <p:cNvPr id="3" name="object 3"/>
+          <p:cNvPr id="1048661" name="object 3"/>
           <p:cNvSpPr/>
           <p:nvPr/>
         </p:nvSpPr>
@@ -9567,9 +8986,7 @@
           </a:xfrm>
           <a:custGeom>
             <a:avLst/>
-            <a:gdLst/>
             <a:ahLst/>
-            <a:cxnLst/>
             <a:rect l="l" t="t" r="r" b="b"/>
             <a:pathLst>
               <a:path w="457200" h="457200">
@@ -9597,16 +9014,13 @@
           </a:solidFill>
         </p:spPr>
         <p:txBody>
-          <a:bodyPr wrap="square" lIns="0" tIns="0" rIns="0" bIns="0" rtlCol="0"/>
-          <a:lstStyle/>
-          <a:p>
-            <a:endParaRPr/>
-          </a:p>
-        </p:txBody>
-      </p:sp>
-      <p:sp>
-        <p:nvSpPr>
-          <p:cNvPr id="4" name="object 4"/>
+          <a:bodyPr bIns="0" lIns="0" rIns="0" rtlCol="0" tIns="0" wrap="square"/>
+          <a:p/>
+        </p:txBody>
+      </p:sp>
+      <p:sp>
+        <p:nvSpPr>
+          <p:cNvPr id="1048662" name="object 4"/>
           <p:cNvSpPr/>
           <p:nvPr/>
         </p:nvSpPr>
@@ -9617,9 +9031,7 @@
           </a:xfrm>
           <a:custGeom>
             <a:avLst/>
-            <a:gdLst/>
             <a:ahLst/>
-            <a:cxnLst/>
             <a:rect l="l" t="t" r="r" b="b"/>
             <a:pathLst>
               <a:path w="314325" h="323850">
@@ -9647,16 +9059,13 @@
           </a:solidFill>
         </p:spPr>
         <p:txBody>
-          <a:bodyPr wrap="square" lIns="0" tIns="0" rIns="0" bIns="0" rtlCol="0"/>
-          <a:lstStyle/>
-          <a:p>
-            <a:endParaRPr/>
-          </a:p>
-        </p:txBody>
-      </p:sp>
-      <p:sp>
-        <p:nvSpPr>
-          <p:cNvPr id="5" name="object 5"/>
+          <a:bodyPr bIns="0" lIns="0" rIns="0" rtlCol="0" tIns="0" wrap="square"/>
+          <a:p/>
+        </p:txBody>
+      </p:sp>
+      <p:sp>
+        <p:nvSpPr>
+          <p:cNvPr id="1048663" name="object 5"/>
           <p:cNvSpPr/>
           <p:nvPr/>
         </p:nvSpPr>
@@ -9667,9 +9076,7 @@
           </a:xfrm>
           <a:custGeom>
             <a:avLst/>
-            <a:gdLst/>
             <a:ahLst/>
-            <a:cxnLst/>
             <a:rect l="l" t="t" r="r" b="b"/>
             <a:pathLst>
               <a:path w="180975" h="180975">
@@ -9697,16 +9104,13 @@
           </a:solidFill>
         </p:spPr>
         <p:txBody>
-          <a:bodyPr wrap="square" lIns="0" tIns="0" rIns="0" bIns="0" rtlCol="0"/>
-          <a:lstStyle/>
-          <a:p>
-            <a:endParaRPr/>
-          </a:p>
-        </p:txBody>
-      </p:sp>
-      <p:sp>
-        <p:nvSpPr>
-          <p:cNvPr id="6" name="object 6"/>
+          <a:bodyPr bIns="0" lIns="0" rIns="0" rtlCol="0" tIns="0" wrap="square"/>
+          <a:p/>
+        </p:txBody>
+      </p:sp>
+      <p:sp>
+        <p:nvSpPr>
+          <p:cNvPr id="1048664" name="object 6"/>
           <p:cNvSpPr txBox="1">
             <a:spLocks noGrp="1"/>
           </p:cNvSpPr>
@@ -9717,17 +9121,14 @@
         <p:spPr>
           <a:xfrm>
             <a:off x="558165" y="857885"/>
-            <a:ext cx="9763125" cy="575310"/>
+            <a:ext cx="9763125" cy="546736"/>
           </a:xfrm>
-          <a:prstGeom prst="rect">
-            <a:avLst/>
-          </a:prstGeom>
+          <a:prstGeom prst="rect"/>
         </p:spPr>
         <p:txBody>
-          <a:bodyPr vert="horz" wrap="square" lIns="0" tIns="13335" rIns="0" bIns="0" rtlCol="0">
+          <a:bodyPr bIns="0" lIns="0" rIns="0" rtlCol="0" tIns="13335" vert="horz" wrap="square">
             <a:spAutoFit/>
           </a:bodyPr>
-          <a:lstStyle/>
           <a:p>
             <a:pPr marL="12700">
               <a:lnSpc>
@@ -9738,147 +9139,147 @@
               </a:spcBef>
             </a:pPr>
             <a:r>
-              <a:rPr sz="3600" spc="10" dirty="0"/>
+              <a:rPr dirty="0" sz="3600" spc="10"/>
               <a:t>O</a:t>
             </a:r>
             <a:r>
-              <a:rPr sz="3600" spc="25" dirty="0"/>
+              <a:rPr dirty="0" sz="3600" spc="25"/>
               <a:t>U</a:t>
             </a:r>
             <a:r>
-              <a:rPr sz="3600" dirty="0"/>
+              <a:rPr dirty="0" sz="3600"/>
               <a:t>R</a:t>
             </a:r>
             <a:r>
-              <a:rPr sz="3600" spc="5" dirty="0"/>
+              <a:rPr dirty="0" sz="3600" spc="5"/>
               <a:t> </a:t>
             </a:r>
             <a:r>
-              <a:rPr sz="3600" spc="25" dirty="0"/>
+              <a:rPr dirty="0" sz="3600" spc="25"/>
               <a:t>S</a:t>
             </a:r>
             <a:r>
-              <a:rPr sz="3600" spc="10" dirty="0"/>
+              <a:rPr dirty="0" sz="3600" spc="10"/>
               <a:t>O</a:t>
             </a:r>
             <a:r>
-              <a:rPr sz="3600" spc="25" dirty="0"/>
+              <a:rPr dirty="0" sz="3600" spc="25"/>
               <a:t>LU</a:t>
             </a:r>
             <a:r>
-              <a:rPr sz="3600" spc="-35" dirty="0"/>
+              <a:rPr dirty="0" sz="3600" spc="-35"/>
               <a:t>T</a:t>
             </a:r>
             <a:r>
-              <a:rPr sz="3600" spc="-30" dirty="0"/>
+              <a:rPr dirty="0" sz="3600" spc="-30"/>
               <a:t>I</a:t>
             </a:r>
             <a:r>
-              <a:rPr sz="3600" spc="10" dirty="0"/>
+              <a:rPr dirty="0" sz="3600" spc="10"/>
               <a:t>O</a:t>
             </a:r>
             <a:r>
-              <a:rPr sz="3600" dirty="0"/>
+              <a:rPr dirty="0" sz="3600"/>
               <a:t>N</a:t>
             </a:r>
             <a:r>
-              <a:rPr sz="3600" spc="-345" dirty="0"/>
+              <a:rPr dirty="0" sz="3600" spc="-345"/>
               <a:t> </a:t>
             </a:r>
             <a:r>
-              <a:rPr sz="3600" spc="-35" dirty="0"/>
+              <a:rPr dirty="0" sz="3600" spc="-35"/>
               <a:t>A</a:t>
             </a:r>
             <a:r>
-              <a:rPr sz="3600" spc="-5" dirty="0"/>
+              <a:rPr dirty="0" sz="3600" spc="-5"/>
               <a:t>N</a:t>
             </a:r>
             <a:r>
-              <a:rPr sz="3600" dirty="0"/>
+              <a:rPr dirty="0" sz="3600"/>
               <a:t>D</a:t>
             </a:r>
             <a:r>
-              <a:rPr sz="3600" spc="35" dirty="0"/>
+              <a:rPr dirty="0" sz="3600" spc="35"/>
               <a:t> </a:t>
             </a:r>
             <a:r>
-              <a:rPr sz="3600" spc="-30" dirty="0"/>
+              <a:rPr dirty="0" sz="3600" spc="-30"/>
               <a:t>I</a:t>
             </a:r>
             <a:r>
-              <a:rPr sz="3600" spc="-35" dirty="0"/>
+              <a:rPr dirty="0" sz="3600" spc="-35"/>
               <a:t>T</a:t>
             </a:r>
             <a:r>
-              <a:rPr sz="3600" dirty="0"/>
+              <a:rPr dirty="0" sz="3600"/>
               <a:t>S</a:t>
             </a:r>
             <a:r>
-              <a:rPr sz="3600" spc="60" dirty="0"/>
+              <a:rPr dirty="0" sz="3600" spc="60"/>
               <a:t> </a:t>
             </a:r>
             <a:r>
-              <a:rPr sz="3600" spc="-295" dirty="0"/>
+              <a:rPr dirty="0" sz="3600" spc="-295"/>
               <a:t>V</a:t>
             </a:r>
             <a:r>
-              <a:rPr sz="3600" spc="-35" dirty="0"/>
+              <a:rPr dirty="0" sz="3600" spc="-35"/>
               <a:t>A</a:t>
             </a:r>
             <a:r>
-              <a:rPr sz="3600" spc="25" dirty="0"/>
+              <a:rPr dirty="0" sz="3600" spc="25"/>
               <a:t>LU</a:t>
             </a:r>
             <a:r>
-              <a:rPr sz="3600" dirty="0"/>
+              <a:rPr dirty="0" sz="3600"/>
               <a:t>E</a:t>
             </a:r>
             <a:r>
-              <a:rPr sz="3600" spc="-65" dirty="0"/>
+              <a:rPr dirty="0" sz="3600" spc="-65"/>
               <a:t> </a:t>
             </a:r>
             <a:r>
-              <a:rPr sz="3600" spc="-15" dirty="0"/>
+              <a:rPr dirty="0" sz="3600" spc="-15"/>
               <a:t>P</a:t>
             </a:r>
             <a:r>
-              <a:rPr sz="3600" spc="-30" dirty="0"/>
+              <a:rPr dirty="0" sz="3600" spc="-30"/>
               <a:t>R</a:t>
             </a:r>
             <a:r>
-              <a:rPr sz="3600" spc="10" dirty="0"/>
+              <a:rPr dirty="0" sz="3600" spc="10"/>
               <a:t>O</a:t>
             </a:r>
             <a:r>
-              <a:rPr sz="3600" spc="-15" dirty="0"/>
+              <a:rPr dirty="0" sz="3600" spc="-15"/>
               <a:t>P</a:t>
             </a:r>
             <a:r>
-              <a:rPr sz="3600" spc="10" dirty="0"/>
+              <a:rPr dirty="0" sz="3600" spc="10"/>
               <a:t>O</a:t>
             </a:r>
             <a:r>
-              <a:rPr sz="3600" spc="25" dirty="0"/>
+              <a:rPr dirty="0" sz="3600" spc="25"/>
               <a:t>S</a:t>
             </a:r>
             <a:r>
-              <a:rPr sz="3600" spc="-30" dirty="0"/>
+              <a:rPr dirty="0" sz="3600" spc="-30"/>
               <a:t>I</a:t>
             </a:r>
             <a:r>
-              <a:rPr sz="3600" spc="-35" dirty="0"/>
+              <a:rPr dirty="0" sz="3600" spc="-35"/>
               <a:t>T</a:t>
             </a:r>
             <a:r>
-              <a:rPr sz="3600" spc="-30" dirty="0"/>
+              <a:rPr dirty="0" sz="3600" spc="-30"/>
               <a:t>I</a:t>
             </a:r>
             <a:r>
-              <a:rPr sz="3600" spc="10" dirty="0"/>
+              <a:rPr dirty="0" sz="3600" spc="10"/>
               <a:t>O</a:t>
             </a:r>
             <a:r>
-              <a:rPr sz="3600" dirty="0"/>
+              <a:rPr dirty="0" sz="3600"/>
               <a:t>N</a:t>
             </a:r>
           </a:p>
@@ -9886,12 +9287,14 @@
       </p:sp>
       <p:pic>
         <p:nvPicPr>
-          <p:cNvPr id="7" name="object 7"/>
-          <p:cNvPicPr/>
+          <p:cNvPr id="2097164" name="object 7"/>
+          <p:cNvPicPr>
+            <a:picLocks/>
+          </p:cNvPicPr>
           <p:nvPr/>
         </p:nvPicPr>
         <p:blipFill>
-          <a:blip r:embed="rId3" cstate="print"/>
+          <a:blip xmlns:r="http://schemas.openxmlformats.org/officeDocument/2006/relationships" r:embed="rId2" cstate="print"/>
           <a:stretch>
             <a:fillRect/>
           </a:stretch>
@@ -9901,14 +9304,12 @@
             <a:off x="676275" y="6467475"/>
             <a:ext cx="2143125" cy="200025"/>
           </a:xfrm>
-          <a:prstGeom prst="rect">
-            <a:avLst/>
-          </a:prstGeom>
+          <a:prstGeom prst="rect"/>
         </p:spPr>
       </p:pic>
       <p:sp>
         <p:nvSpPr>
-          <p:cNvPr id="9" name="object 9"/>
+          <p:cNvPr id="1048665" name="object 9"/>
           <p:cNvSpPr txBox="1">
             <a:spLocks noGrp="1"/>
           </p:cNvSpPr>
@@ -9917,15 +9318,12 @@
           </p:nvPr>
         </p:nvSpPr>
         <p:spPr>
-          <a:prstGeom prst="rect">
-            <a:avLst/>
-          </a:prstGeom>
+          <a:prstGeom prst="rect"/>
         </p:spPr>
         <p:txBody>
-          <a:bodyPr vert="horz" wrap="square" lIns="0" tIns="6985" rIns="0" bIns="0" rtlCol="0">
+          <a:bodyPr bIns="0" lIns="0" rIns="0" rtlCol="0" tIns="6985" vert="horz" wrap="square">
             <a:spAutoFit/>
           </a:bodyPr>
-          <a:lstStyle/>
           <a:p>
             <a:pPr marL="38100">
               <a:lnSpc>
@@ -9936,75 +9334,66 @@
               </a:spcBef>
             </a:pPr>
             <a:fld id="{81D60167-4931-47E6-BA6A-407CBD079E47}" type="slidenum">
-              <a:rPr spc="10" dirty="0"/>
+              <a:rPr dirty="0" spc="10"/>
               <a:t>7</a:t>
             </a:fld>
-            <a:endParaRPr spc="10" dirty="0"/>
+            <a:endParaRPr dirty="0" spc="10"/>
           </a:p>
         </p:txBody>
       </p:sp>
       <p:sp>
         <p:nvSpPr>
-          <p:cNvPr id="10" name="TextBox 9">
-            <a:extLst>
-              <a:ext uri="{FF2B5EF4-FFF2-40B4-BE49-F238E27FC236}">
-                <a16:creationId xmlns:a16="http://schemas.microsoft.com/office/drawing/2014/main" id="{C6979463-4152-9658-7A1E-5455E789A8D0}"/>
-              </a:ext>
-            </a:extLst>
-          </p:cNvPr>
+          <p:cNvPr id="1048666" name="TextBox 9"/>
           <p:cNvSpPr txBox="1"/>
           <p:nvPr/>
         </p:nvSpPr>
         <p:spPr>
           <a:xfrm>
             <a:off x="3200400" y="2281555"/>
-            <a:ext cx="5950974" cy="2308324"/>
+            <a:ext cx="5950974" cy="2580640"/>
           </a:xfrm>
-          <a:prstGeom prst="rect">
-            <a:avLst/>
-          </a:prstGeom>
+          <a:prstGeom prst="rect"/>
           <a:noFill/>
         </p:spPr>
         <p:txBody>
           <a:bodyPr wrap="square">
             <a:spAutoFit/>
           </a:bodyPr>
-          <a:lstStyle/>
           <a:p>
             <a:r>
-              <a:rPr lang="en-IN" sz="2400" dirty="0"/>
+              <a:rPr dirty="0" sz="2400" lang="en-IN"/>
               <a:t>1 . Conditional </a:t>
             </a:r>
             <a:r>
-              <a:rPr lang="en-IN" sz="2400" dirty="0" err="1"/>
+              <a:rPr dirty="0" sz="2400" lang="en-IN" err="1"/>
               <a:t>formating</a:t>
             </a:r>
             <a:r>
-              <a:rPr lang="en-IN" sz="2400" dirty="0"/>
+              <a:rPr dirty="0" sz="2400" lang="en-IN"/>
               <a:t> - To identify blank</a:t>
             </a:r>
           </a:p>
           <a:p>
             <a:r>
-              <a:rPr lang="en-IN" sz="2400" dirty="0"/>
+              <a:rPr dirty="0" sz="2400" lang="en-IN"/>
               <a:t> 2 . Filter - to remove blank</a:t>
             </a:r>
           </a:p>
           <a:p>
             <a:r>
-              <a:rPr lang="en-IN" sz="2400" dirty="0"/>
+              <a:rPr dirty="0" sz="2400" lang="en-IN"/>
               <a:t> 3. Formula - To identify employee performance level</a:t>
             </a:r>
           </a:p>
           <a:p>
             <a:r>
-              <a:rPr lang="en-IN" sz="2400" dirty="0"/>
+              <a:rPr dirty="0" sz="2400" lang="en-IN"/>
               <a:t>4. Pivot table - summary </a:t>
             </a:r>
           </a:p>
           <a:p>
             <a:r>
-              <a:rPr lang="en-IN" sz="2400" dirty="0"/>
+              <a:rPr dirty="0" sz="2400" lang="en-IN"/>
               <a:t>5. Graph - data visualization</a:t>
             </a:r>
           </a:p>
@@ -10023,7 +9412,7 @@
   <p:cSld>
     <p:spTree>
       <p:nvGrpSpPr>
-        <p:cNvPr id="1" name=""/>
+        <p:cNvPr id="38" name=""/>
         <p:cNvGrpSpPr/>
         <p:nvPr/>
       </p:nvGrpSpPr>
@@ -10037,13 +9426,7 @@
       </p:grpSpPr>
       <p:sp>
         <p:nvSpPr>
-          <p:cNvPr id="2" name="Title 1">
-            <a:extLst>
-              <a:ext uri="{FF2B5EF4-FFF2-40B4-BE49-F238E27FC236}">
-                <a16:creationId xmlns:a16="http://schemas.microsoft.com/office/drawing/2014/main" id="{6E06195E-16D6-79D8-7A9F-F8EB1FE9E212}"/>
-              </a:ext>
-            </a:extLst>
-          </p:cNvPr>
+          <p:cNvPr id="1048667" name="Title 1"/>
           <p:cNvSpPr>
             <a:spLocks noGrp="1"/>
           </p:cNvSpPr>
@@ -10051,13 +9434,17 @@
             <p:ph type="title"/>
           </p:nvPr>
         </p:nvSpPr>
-        <p:spPr/>
+        <p:spPr>
+          <a:xfrm>
+            <a:off x="755332" y="385444"/>
+            <a:ext cx="10681335" cy="723901"/>
+          </a:xfrm>
+        </p:spPr>
         <p:txBody>
           <a:bodyPr/>
-          <a:lstStyle/>
           <a:p>
             <a:r>
-              <a:rPr lang="en-IN" dirty="0"/>
+              <a:rPr dirty="0" lang="en-IN"/>
               <a:t>Dataset Description</a:t>
             </a:r>
           </a:p>
@@ -10065,139 +9452,125 @@
       </p:sp>
       <p:sp>
         <p:nvSpPr>
-          <p:cNvPr id="4" name="TextBox 3">
-            <a:extLst>
-              <a:ext uri="{FF2B5EF4-FFF2-40B4-BE49-F238E27FC236}">
-                <a16:creationId xmlns:a16="http://schemas.microsoft.com/office/drawing/2014/main" id="{467D5832-B982-8F53-CD25-2D217F666A1D}"/>
-              </a:ext>
-            </a:extLst>
-          </p:cNvPr>
+          <p:cNvPr id="1048668" name="TextBox 3"/>
           <p:cNvSpPr txBox="1"/>
           <p:nvPr/>
         </p:nvSpPr>
         <p:spPr>
           <a:xfrm>
             <a:off x="609600" y="1447800"/>
-            <a:ext cx="7472516" cy="4154984"/>
+            <a:ext cx="7472516" cy="4358640"/>
           </a:xfrm>
-          <a:prstGeom prst="rect">
-            <a:avLst/>
-          </a:prstGeom>
+          <a:prstGeom prst="rect"/>
           <a:noFill/>
         </p:spPr>
         <p:txBody>
           <a:bodyPr wrap="square">
             <a:spAutoFit/>
           </a:bodyPr>
-          <a:lstStyle/>
           <a:p>
             <a:r>
-              <a:rPr lang="en-IN" sz="2400" dirty="0"/>
+              <a:rPr dirty="0" sz="2400" lang="en-IN"/>
               <a:t>Employee dataset - </a:t>
             </a:r>
             <a:r>
-              <a:rPr lang="en-IN" sz="2400" dirty="0" err="1"/>
+              <a:rPr dirty="0" sz="2400" lang="en-IN" err="1"/>
               <a:t>edunet</a:t>
             </a:r>
             <a:r>
-              <a:rPr lang="en-IN" sz="2400" dirty="0"/>
+              <a:rPr dirty="0" sz="2400" lang="en-IN"/>
               <a:t> dashboard 27 features</a:t>
             </a:r>
           </a:p>
           <a:p>
             <a:r>
-              <a:rPr lang="en-IN" sz="2400" dirty="0"/>
+              <a:rPr dirty="0" sz="2400" lang="en-IN"/>
               <a:t> 1. </a:t>
             </a:r>
             <a:r>
-              <a:rPr lang="en-IN" sz="2400" dirty="0" err="1"/>
+              <a:rPr dirty="0" sz="2400" lang="en-IN" err="1"/>
               <a:t>Empl</a:t>
             </a:r>
             <a:r>
-              <a:rPr lang="en-IN" sz="2400" dirty="0"/>
+              <a:rPr dirty="0" sz="2400" lang="en-IN"/>
               <a:t> I'd  2. First name 3. Last name</a:t>
             </a:r>
           </a:p>
           <a:p>
             <a:r>
-              <a:rPr lang="en-IN" sz="2400" dirty="0"/>
+              <a:rPr dirty="0" sz="2400" lang="en-IN"/>
               <a:t>4.business unit 5. Employee status 6. Employee type</a:t>
             </a:r>
           </a:p>
           <a:p>
             <a:r>
-              <a:rPr lang="en-IN" sz="2400" dirty="0"/>
+              <a:rPr dirty="0" sz="2400" lang="en-IN"/>
               <a:t>7.employee classification type  8.gender code</a:t>
             </a:r>
           </a:p>
           <a:p>
             <a:r>
-              <a:rPr lang="en-IN" sz="2400" dirty="0"/>
+              <a:rPr dirty="0" sz="2400" lang="en-IN"/>
               <a:t>9.performance score 10.current employee rating</a:t>
             </a:r>
           </a:p>
           <a:p>
             <a:r>
-              <a:rPr lang="en-IN" sz="2400" dirty="0"/>
+              <a:rPr dirty="0" sz="2400" lang="en-IN"/>
               <a:t> 11.performance level 12.martial </a:t>
             </a:r>
             <a:r>
-              <a:rPr lang="en-IN" sz="2400" dirty="0" err="1"/>
+              <a:rPr dirty="0" sz="2400" lang="en-IN" err="1"/>
               <a:t>desc</a:t>
             </a:r>
-            <a:endParaRPr lang="en-IN" sz="2400" dirty="0"/>
+            <a:endParaRPr dirty="0" sz="2400" lang="en-IN"/>
           </a:p>
           <a:p>
             <a:r>
-              <a:rPr lang="en-IN" sz="2400" dirty="0"/>
+              <a:rPr dirty="0" sz="2400" lang="en-IN"/>
               <a:t>13.race </a:t>
             </a:r>
             <a:r>
-              <a:rPr lang="en-IN" sz="2400" dirty="0" err="1"/>
+              <a:rPr dirty="0" sz="2400" lang="en-IN" err="1"/>
               <a:t>desc</a:t>
             </a:r>
             <a:r>
-              <a:rPr lang="en-IN" sz="2400" dirty="0"/>
+              <a:rPr dirty="0" sz="2400" lang="en-IN"/>
               <a:t> 14. Location code 15. Job function description</a:t>
             </a:r>
           </a:p>
           <a:p>
             <a:r>
-              <a:rPr lang="en-IN" sz="2400" dirty="0"/>
+              <a:rPr dirty="0" sz="2400" lang="en-IN"/>
               <a:t> 16. State 17. DOB 18.division 19.department type</a:t>
             </a:r>
           </a:p>
           <a:p>
             <a:r>
-              <a:rPr lang="en-IN" sz="2400" dirty="0"/>
+              <a:rPr dirty="0" sz="2400" lang="en-IN"/>
               <a:t>20.termination description 21.termination type</a:t>
             </a:r>
           </a:p>
           <a:p>
             <a:r>
-              <a:rPr lang="en-IN" sz="2400" dirty="0"/>
+              <a:rPr dirty="0" sz="2400" lang="en-IN"/>
               <a:t>22.Payzone 23.start date 24. Exit date</a:t>
             </a:r>
           </a:p>
           <a:p>
             <a:r>
-              <a:rPr lang="en-IN" sz="2400" dirty="0"/>
+              <a:rPr dirty="0" sz="2400" lang="en-IN"/>
               <a:t>25. Title 26.  Supervisor  27. </a:t>
             </a:r>
             <a:r>
-              <a:rPr lang="en-IN" sz="2400" dirty="0" err="1"/>
+              <a:rPr dirty="0" sz="2400" lang="en-IN" err="1"/>
               <a:t>ADEmail</a:t>
             </a:r>
-            <a:endParaRPr lang="en-IN" sz="2400" dirty="0"/>
+            <a:endParaRPr dirty="0" sz="2400" lang="en-IN"/>
           </a:p>
         </p:txBody>
       </p:sp>
     </p:spTree>
-    <p:extLst>
-      <p:ext uri="{BB962C8B-B14F-4D97-AF65-F5344CB8AC3E}">
-        <p14:creationId xmlns:p14="http://schemas.microsoft.com/office/powerpoint/2010/main" val="2720660618"/>
-      </p:ext>
-    </p:extLst>
   </p:cSld>
   <p:clrMapOvr>
     <a:masterClrMapping/>
@@ -10210,7 +9583,7 @@
   <p:cSld>
     <p:spTree>
       <p:nvGrpSpPr>
-        <p:cNvPr id="1" name=""/>
+        <p:cNvPr id="39" name=""/>
         <p:cNvGrpSpPr/>
         <p:nvPr/>
       </p:nvGrpSpPr>
@@ -10224,7 +9597,7 @@
       </p:grpSpPr>
       <p:sp>
         <p:nvSpPr>
-          <p:cNvPr id="2" name="object 2"/>
+          <p:cNvPr id="1048669" name="object 2"/>
           <p:cNvSpPr txBox="1"/>
           <p:nvPr/>
         </p:nvSpPr>
@@ -10233,15 +9606,12 @@
             <a:off x="752475" y="6486037"/>
             <a:ext cx="1773555" cy="166370"/>
           </a:xfrm>
-          <a:prstGeom prst="rect">
-            <a:avLst/>
-          </a:prstGeom>
+          <a:prstGeom prst="rect"/>
         </p:spPr>
         <p:txBody>
-          <a:bodyPr vert="horz" wrap="square" lIns="0" tIns="0" rIns="0" bIns="0" rtlCol="0">
+          <a:bodyPr bIns="0" lIns="0" rIns="0" rtlCol="0" tIns="0" vert="horz" wrap="square">
             <a:spAutoFit/>
           </a:bodyPr>
-          <a:lstStyle/>
           <a:p>
             <a:pPr>
               <a:lnSpc>
@@ -10249,7 +9619,7 @@
               </a:lnSpc>
             </a:pPr>
             <a:r>
-              <a:rPr sz="1100" spc="20" dirty="0">
+              <a:rPr dirty="0" sz="1100" spc="20">
                 <a:solidFill>
                   <a:srgbClr val="2D83C3"/>
                 </a:solidFill>
@@ -10259,7 +9629,7 @@
               <a:t>3/21/202</a:t>
             </a:r>
             <a:r>
-              <a:rPr sz="1100" spc="10" dirty="0">
+              <a:rPr dirty="0" sz="1100" spc="10">
                 <a:solidFill>
                   <a:srgbClr val="2D83C3"/>
                 </a:solidFill>
@@ -10269,7 +9639,7 @@
               <a:t>4</a:t>
             </a:r>
             <a:r>
-              <a:rPr sz="1100" dirty="0">
+              <a:rPr dirty="0" sz="1100">
                 <a:solidFill>
                   <a:srgbClr val="2D83C3"/>
                 </a:solidFill>
@@ -10279,7 +9649,7 @@
               <a:t> </a:t>
             </a:r>
             <a:r>
-              <a:rPr sz="1100" spc="130" dirty="0">
+              <a:rPr dirty="0" sz="1100" spc="130">
                 <a:solidFill>
                   <a:srgbClr val="2D83C3"/>
                 </a:solidFill>
@@ -10289,7 +9659,7 @@
               <a:t> </a:t>
             </a:r>
             <a:r>
-              <a:rPr sz="1100" b="1" spc="50" dirty="0">
+              <a:rPr b="1" dirty="0" sz="1100" spc="50">
                 <a:solidFill>
                   <a:srgbClr val="2D83C3"/>
                 </a:solidFill>
@@ -10299,7 +9669,7 @@
               <a:t>A</a:t>
             </a:r>
             <a:r>
-              <a:rPr sz="1100" b="1" spc="15" dirty="0">
+              <a:rPr b="1" dirty="0" sz="1100" spc="15">
                 <a:solidFill>
                   <a:srgbClr val="2D83C3"/>
                 </a:solidFill>
@@ -10309,7 +9679,7 @@
               <a:t>nnu</a:t>
             </a:r>
             <a:r>
-              <a:rPr sz="1100" b="1" spc="10" dirty="0">
+              <a:rPr b="1" dirty="0" sz="1100" spc="10">
                 <a:solidFill>
                   <a:srgbClr val="2D83C3"/>
                 </a:solidFill>
@@ -10319,7 +9689,7 @@
               <a:t>al</a:t>
             </a:r>
             <a:r>
-              <a:rPr sz="1100" b="1" spc="-140" dirty="0">
+              <a:rPr b="1" dirty="0" sz="1100" spc="-140">
                 <a:solidFill>
                   <a:srgbClr val="2D83C3"/>
                 </a:solidFill>
@@ -10329,7 +9699,7 @@
               <a:t> </a:t>
             </a:r>
             <a:r>
-              <a:rPr sz="1100" b="1" dirty="0">
+              <a:rPr b="1" dirty="0" sz="1100">
                 <a:solidFill>
                   <a:srgbClr val="2D83C3"/>
                 </a:solidFill>
@@ -10339,7 +9709,7 @@
               <a:t>R</a:t>
             </a:r>
             <a:r>
-              <a:rPr sz="1100" b="1" spc="35" dirty="0">
+              <a:rPr b="1" dirty="0" sz="1100" spc="35">
                 <a:solidFill>
                   <a:srgbClr val="2D83C3"/>
                 </a:solidFill>
@@ -10349,7 +9719,7 @@
               <a:t>e</a:t>
             </a:r>
             <a:r>
-              <a:rPr sz="1100" b="1" spc="90" dirty="0">
+              <a:rPr b="1" dirty="0" sz="1100" spc="90">
                 <a:solidFill>
                   <a:srgbClr val="2D83C3"/>
                 </a:solidFill>
@@ -10359,7 +9729,7 @@
               <a:t>v</a:t>
             </a:r>
             <a:r>
-              <a:rPr sz="1100" b="1" spc="-35" dirty="0">
+              <a:rPr b="1" dirty="0" sz="1100" spc="-35">
                 <a:solidFill>
                   <a:srgbClr val="2D83C3"/>
                 </a:solidFill>
@@ -10369,7 +9739,7 @@
               <a:t>i</a:t>
             </a:r>
             <a:r>
-              <a:rPr sz="1100" b="1" spc="35" dirty="0">
+              <a:rPr b="1" dirty="0" sz="1100" spc="35">
                 <a:solidFill>
                   <a:srgbClr val="2D83C3"/>
                 </a:solidFill>
@@ -10379,7 +9749,7 @@
               <a:t>e</a:t>
             </a:r>
             <a:r>
-              <a:rPr sz="1100" b="1" spc="15" dirty="0">
+              <a:rPr b="1" dirty="0" sz="1100" spc="15">
                 <a:solidFill>
                   <a:srgbClr val="2D83C3"/>
                 </a:solidFill>
@@ -10397,7 +9767,7 @@
       </p:sp>
       <p:sp>
         <p:nvSpPr>
-          <p:cNvPr id="3" name="object 3"/>
+          <p:cNvPr id="1048670" name="object 3"/>
           <p:cNvSpPr/>
           <p:nvPr/>
         </p:nvSpPr>
@@ -10408,9 +9778,7 @@
           </a:xfrm>
           <a:custGeom>
             <a:avLst/>
-            <a:gdLst/>
             <a:ahLst/>
-            <a:cxnLst/>
             <a:rect l="l" t="t" r="r" b="b"/>
             <a:pathLst>
               <a:path w="457200" h="457200">
@@ -10438,16 +9806,13 @@
           </a:solidFill>
         </p:spPr>
         <p:txBody>
-          <a:bodyPr wrap="square" lIns="0" tIns="0" rIns="0" bIns="0" rtlCol="0"/>
-          <a:lstStyle/>
-          <a:p>
-            <a:endParaRPr/>
-          </a:p>
-        </p:txBody>
-      </p:sp>
-      <p:sp>
-        <p:nvSpPr>
-          <p:cNvPr id="4" name="object 4"/>
+          <a:bodyPr bIns="0" lIns="0" rIns="0" rtlCol="0" tIns="0" wrap="square"/>
+          <a:p/>
+        </p:txBody>
+      </p:sp>
+      <p:sp>
+        <p:nvSpPr>
+          <p:cNvPr id="1048671" name="object 4"/>
           <p:cNvSpPr/>
           <p:nvPr/>
         </p:nvSpPr>
@@ -10458,9 +9823,7 @@
           </a:xfrm>
           <a:custGeom>
             <a:avLst/>
-            <a:gdLst/>
             <a:ahLst/>
-            <a:cxnLst/>
             <a:rect l="l" t="t" r="r" b="b"/>
             <a:pathLst>
               <a:path w="314325" h="323850">
@@ -10488,16 +9851,13 @@
           </a:solidFill>
         </p:spPr>
         <p:txBody>
-          <a:bodyPr wrap="square" lIns="0" tIns="0" rIns="0" bIns="0" rtlCol="0"/>
-          <a:lstStyle/>
-          <a:p>
-            <a:endParaRPr/>
-          </a:p>
-        </p:txBody>
-      </p:sp>
-      <p:sp>
-        <p:nvSpPr>
-          <p:cNvPr id="5" name="object 5"/>
+          <a:bodyPr bIns="0" lIns="0" rIns="0" rtlCol="0" tIns="0" wrap="square"/>
+          <a:p/>
+        </p:txBody>
+      </p:sp>
+      <p:sp>
+        <p:nvSpPr>
+          <p:cNvPr id="1048672" name="object 5"/>
           <p:cNvSpPr/>
           <p:nvPr/>
         </p:nvSpPr>
@@ -10508,9 +9868,7 @@
           </a:xfrm>
           <a:custGeom>
             <a:avLst/>
-            <a:gdLst/>
             <a:ahLst/>
-            <a:cxnLst/>
             <a:rect l="l" t="t" r="r" b="b"/>
             <a:pathLst>
               <a:path w="180975" h="180975">
@@ -10538,21 +9896,20 @@
           </a:solidFill>
         </p:spPr>
         <p:txBody>
-          <a:bodyPr wrap="square" lIns="0" tIns="0" rIns="0" bIns="0" rtlCol="0"/>
-          <a:lstStyle/>
-          <a:p>
-            <a:endParaRPr/>
-          </a:p>
+          <a:bodyPr bIns="0" lIns="0" rIns="0" rtlCol="0" tIns="0" wrap="square"/>
+          <a:p/>
         </p:txBody>
       </p:sp>
       <p:pic>
         <p:nvPicPr>
-          <p:cNvPr id="6" name="object 6"/>
-          <p:cNvPicPr/>
+          <p:cNvPr id="2097165" name="object 6"/>
+          <p:cNvPicPr>
+            <a:picLocks/>
+          </p:cNvPicPr>
           <p:nvPr/>
         </p:nvPicPr>
         <p:blipFill>
-          <a:blip r:embed="rId2" cstate="print"/>
+          <a:blip xmlns:r="http://schemas.openxmlformats.org/officeDocument/2006/relationships" r:embed="rId1" cstate="print"/>
           <a:stretch>
             <a:fillRect/>
           </a:stretch>
@@ -10562,14 +9919,12 @@
             <a:off x="66675" y="3381373"/>
             <a:ext cx="2466975" cy="3419475"/>
           </a:xfrm>
-          <a:prstGeom prst="rect">
-            <a:avLst/>
-          </a:prstGeom>
+          <a:prstGeom prst="rect"/>
         </p:spPr>
       </p:pic>
       <p:sp>
         <p:nvSpPr>
-          <p:cNvPr id="7" name="object 7"/>
+          <p:cNvPr id="1048673" name="object 7"/>
           <p:cNvSpPr txBox="1">
             <a:spLocks noGrp="1"/>
           </p:cNvSpPr>
@@ -10580,17 +9935,14 @@
         <p:spPr>
           <a:xfrm>
             <a:off x="739775" y="654938"/>
-            <a:ext cx="8480425" cy="670696"/>
+            <a:ext cx="8480425" cy="638810"/>
           </a:xfrm>
-          <a:prstGeom prst="rect">
-            <a:avLst/>
-          </a:prstGeom>
+          <a:prstGeom prst="rect"/>
         </p:spPr>
         <p:txBody>
-          <a:bodyPr vert="horz" wrap="square" lIns="0" tIns="16510" rIns="0" bIns="0" rtlCol="0">
+          <a:bodyPr bIns="0" lIns="0" rIns="0" rtlCol="0" tIns="16510" vert="horz" wrap="square">
             <a:spAutoFit/>
           </a:bodyPr>
-          <a:lstStyle/>
           <a:p>
             <a:pPr marL="12700">
               <a:lnSpc>
@@ -10601,56 +9953,56 @@
               </a:spcBef>
             </a:pPr>
             <a:r>
-              <a:rPr sz="4250" spc="15" dirty="0"/>
+              <a:rPr dirty="0" sz="4250" spc="15"/>
               <a:t>THE</a:t>
             </a:r>
             <a:r>
-              <a:rPr sz="4250" spc="20" dirty="0"/>
+              <a:rPr dirty="0" sz="4250" spc="20"/>
               <a:t> </a:t>
             </a:r>
             <a:r>
-              <a:rPr lang="en-US" sz="4250" spc="20" dirty="0"/>
+              <a:rPr dirty="0" sz="4250" lang="en-US" spc="20"/>
               <a:t>"</a:t>
             </a:r>
             <a:r>
-              <a:rPr sz="4250" spc="10" dirty="0"/>
+              <a:rPr dirty="0" sz="4250" spc="10"/>
               <a:t>WOW</a:t>
             </a:r>
             <a:r>
-              <a:rPr lang="en-US" sz="4250" spc="10" dirty="0"/>
+              <a:rPr dirty="0" sz="4250" lang="en-US" spc="10"/>
               <a:t>"</a:t>
             </a:r>
             <a:r>
-              <a:rPr sz="4250" spc="85" dirty="0"/>
+              <a:rPr dirty="0" sz="4250" spc="85"/>
               <a:t> </a:t>
             </a:r>
             <a:r>
-              <a:rPr sz="4250" spc="10" dirty="0"/>
+              <a:rPr dirty="0" sz="4250" spc="10"/>
               <a:t>IN</a:t>
             </a:r>
             <a:r>
-              <a:rPr sz="4250" spc="-5" dirty="0"/>
+              <a:rPr dirty="0" sz="4250" spc="-5"/>
               <a:t> </a:t>
             </a:r>
             <a:r>
-              <a:rPr sz="4250" spc="15" dirty="0"/>
+              <a:rPr dirty="0" sz="4250" spc="15"/>
               <a:t>OUR</a:t>
             </a:r>
             <a:r>
-              <a:rPr sz="4250" spc="-10" dirty="0"/>
+              <a:rPr dirty="0" sz="4250" spc="-10"/>
               <a:t> </a:t>
             </a:r>
             <a:r>
-              <a:rPr sz="4250" spc="20" dirty="0"/>
+              <a:rPr dirty="0" sz="4250" spc="20"/>
               <a:t>SOLUTION</a:t>
             </a:r>
-            <a:endParaRPr sz="4250" dirty="0"/>
+            <a:endParaRPr dirty="0" sz="4250"/>
           </a:p>
         </p:txBody>
       </p:sp>
       <p:sp>
         <p:nvSpPr>
-          <p:cNvPr id="8" name="object 8"/>
+          <p:cNvPr id="1048674" name="object 8"/>
           <p:cNvSpPr txBox="1"/>
           <p:nvPr/>
         </p:nvSpPr>
@@ -10659,15 +10011,12 @@
             <a:off x="11277218" y="6473337"/>
             <a:ext cx="228600" cy="191770"/>
           </a:xfrm>
-          <a:prstGeom prst="rect">
-            <a:avLst/>
-          </a:prstGeom>
+          <a:prstGeom prst="rect"/>
         </p:spPr>
         <p:txBody>
-          <a:bodyPr vert="horz" wrap="square" lIns="0" tIns="6985" rIns="0" bIns="0" rtlCol="0">
+          <a:bodyPr bIns="0" lIns="0" rIns="0" rtlCol="0" tIns="6985" vert="horz" wrap="square">
             <a:spAutoFit/>
           </a:bodyPr>
-          <a:lstStyle/>
           <a:p>
             <a:pPr marL="38100">
               <a:lnSpc>
@@ -10678,7 +10027,7 @@
               </a:spcBef>
             </a:pPr>
             <a:fld id="{81D60167-4931-47E6-BA6A-407CBD079E47}" type="slidenum">
-              <a:rPr sz="1100" spc="10" dirty="0">
+              <a:rPr dirty="0" sz="1100" spc="10">
                 <a:solidFill>
                   <a:srgbClr val="2D936B"/>
                 </a:solidFill>
@@ -10696,13 +10045,7 @@
       </p:sp>
       <p:sp>
         <p:nvSpPr>
-          <p:cNvPr id="9" name="TextBox 8">
-            <a:extLst>
-              <a:ext uri="{FF2B5EF4-FFF2-40B4-BE49-F238E27FC236}">
-                <a16:creationId xmlns:a16="http://schemas.microsoft.com/office/drawing/2014/main" id="{FAD9CEB2-36E1-0550-426B-2FAF97882044}"/>
-              </a:ext>
-            </a:extLst>
-          </p:cNvPr>
+          <p:cNvPr id="1048675" name="TextBox 8"/>
           <p:cNvSpPr txBox="1"/>
           <p:nvPr/>
         </p:nvSpPr>
@@ -10711,22 +10054,19 @@
             <a:off x="2743200" y="2354703"/>
             <a:ext cx="8534018" cy="954107"/>
           </a:xfrm>
-          <a:prstGeom prst="rect">
-            <a:avLst/>
-          </a:prstGeom>
+          <a:prstGeom prst="rect"/>
           <a:noFill/>
         </p:spPr>
         <p:txBody>
-          <a:bodyPr wrap="square" rtlCol="0">
+          <a:bodyPr rtlCol="0" wrap="square">
             <a:spAutoFit/>
           </a:bodyPr>
-          <a:lstStyle/>
           <a:p>
             <a:pPr algn="l">
               <a:buFont typeface="Arial" panose="020B0604020202020204" pitchFamily="34" charset="0"/>
               <a:buChar char="•"/>
             </a:pPr>
-            <a:endParaRPr lang="en-US" sz="2800" b="0" i="0" dirty="0">
+            <a:endParaRPr b="0" dirty="0" sz="2800" i="0" lang="en-US">
               <a:solidFill>
                 <a:srgbClr val="0D0D0D"/>
               </a:solidFill>
@@ -10736,7 +10076,7 @@
             </a:endParaRPr>
           </a:p>
           <a:p>
-            <a:endParaRPr lang="en-IN" sz="2800" dirty="0">
+            <a:endParaRPr dirty="0" sz="2800" lang="en-IN">
               <a:latin typeface="Times New Roman" panose="02020603050405020304" pitchFamily="18" charset="0"/>
               <a:cs typeface="Times New Roman" panose="02020603050405020304" pitchFamily="18" charset="0"/>
             </a:endParaRPr>
@@ -10745,34 +10085,25 @@
       </p:sp>
       <p:sp>
         <p:nvSpPr>
-          <p:cNvPr id="11" name="TextBox 10">
-            <a:extLst>
-              <a:ext uri="{FF2B5EF4-FFF2-40B4-BE49-F238E27FC236}">
-                <a16:creationId xmlns:a16="http://schemas.microsoft.com/office/drawing/2014/main" id="{FE0BEAB5-8937-1569-9570-CBA341579401}"/>
-              </a:ext>
-            </a:extLst>
-          </p:cNvPr>
+          <p:cNvPr id="1048676" name="TextBox 10"/>
           <p:cNvSpPr txBox="1"/>
           <p:nvPr/>
         </p:nvSpPr>
         <p:spPr>
           <a:xfrm>
             <a:off x="752475" y="2179602"/>
-            <a:ext cx="8398899" cy="830997"/>
+            <a:ext cx="8398899" cy="802640"/>
           </a:xfrm>
-          <a:prstGeom prst="rect">
-            <a:avLst/>
-          </a:prstGeom>
+          <a:prstGeom prst="rect"/>
           <a:noFill/>
         </p:spPr>
         <p:txBody>
           <a:bodyPr wrap="square">
             <a:spAutoFit/>
           </a:bodyPr>
-          <a:lstStyle/>
           <a:p>
             <a:r>
-              <a:rPr lang="en-IN" sz="2400" dirty="0"/>
+              <a:rPr dirty="0" sz="2400" lang="en-IN"/>
               <a:t>Performance level=IFS (z8&gt;=5,"VERY HIGH",z8&gt;=4"HIGH", z8&gt;=3,"MED", TRUE, LOW)</a:t>
             </a:r>
           </a:p>
@@ -10791,10 +10122,10 @@
   <a:themeElements>
     <a:clrScheme name="Office">
       <a:dk1>
-        <a:sysClr val="windowText" lastClr="000000"/>
+        <a:sysClr lastClr="000000" val="windowText"/>
       </a:dk1>
       <a:lt1>
-        <a:sysClr val="window" lastClr="FFFFFF"/>
+        <a:sysClr lastClr="FFFFFF" val="window"/>
       </a:lt1>
       <a:dk2>
         <a:srgbClr val="1F497D"/>
@@ -10975,7 +10306,7 @@
       <a:effectStyleLst>
         <a:effectStyle>
           <a:effectLst>
-            <a:outerShdw blurRad="40000" dist="20000" dir="5400000" rotWithShape="0">
+            <a:outerShdw blurRad="40000" dir="5400000" dist="20000" rotWithShape="0">
               <a:srgbClr val="000000">
                 <a:alpha val="38000"/>
               </a:srgbClr>
@@ -10984,7 +10315,7 @@
         </a:effectStyle>
         <a:effectStyle>
           <a:effectLst>
-            <a:outerShdw blurRad="40000" dist="23000" dir="5400000" rotWithShape="0">
+            <a:outerShdw blurRad="40000" dir="5400000" dist="23000" rotWithShape="0">
               <a:srgbClr val="000000">
                 <a:alpha val="35000"/>
               </a:srgbClr>
@@ -10993,7 +10324,7 @@
         </a:effectStyle>
         <a:effectStyle>
           <a:effectLst>
-            <a:outerShdw blurRad="40000" dist="23000" dir="5400000" rotWithShape="0">
+            <a:outerShdw blurRad="40000" dir="5400000" dist="23000" rotWithShape="0">
               <a:srgbClr val="000000">
                 <a:alpha val="35000"/>
               </a:srgbClr>
@@ -11003,7 +10334,7 @@
             <a:camera prst="orthographicFront">
               <a:rot lat="0" lon="0" rev="0"/>
             </a:camera>
-            <a:lightRig rig="threePt" dir="t">
+            <a:lightRig dir="t" rig="threePt">
               <a:rot lat="0" lon="0" rev="1200000"/>
             </a:lightRig>
           </a:scene3d>
@@ -11064,8 +10395,6 @@
       </a:bgFillStyleLst>
     </a:fmtScheme>
   </a:themeElements>
-  <a:objectDefaults/>
-  <a:extraClrSchemeLst/>
 </a:theme>
 </file>
 
@@ -11074,10 +10403,10 @@
   <a:themeElements>
     <a:clrScheme name="Office">
       <a:dk1>
-        <a:sysClr val="windowText" lastClr="000000"/>
+        <a:sysClr lastClr="000000" val="windowText"/>
       </a:dk1>
       <a:lt1>
-        <a:sysClr val="window" lastClr="FFFFFF"/>
+        <a:sysClr lastClr="FFFFFF" val="window"/>
       </a:lt1>
       <a:dk2>
         <a:srgbClr val="44546A"/>
@@ -11306,7 +10635,7 @@
         </a:effectStyle>
         <a:effectStyle>
           <a:effectLst>
-            <a:outerShdw blurRad="57150" dist="19050" dir="5400000" algn="ctr" rotWithShape="0">
+            <a:outerShdw algn="ctr" blurRad="57150" dir="5400000" dist="19050" rotWithShape="0">
               <a:srgbClr val="000000">
                 <a:alpha val="63000"/>
               </a:srgbClr>
@@ -11354,12 +10683,5 @@
       </a:bgFillStyleLst>
     </a:fmtScheme>
   </a:themeElements>
-  <a:objectDefaults/>
-  <a:extraClrSchemeLst/>
-  <a:extLst>
-    <a:ext uri="{05A4C25C-085E-4340-85A3-A5531E510DB2}">
-      <thm15:themeFamily xmlns:thm15="http://schemas.microsoft.com/office/thememl/2012/main" name="Office Theme" id="{62F939B6-93AF-4DB8-9C6B-D6C7DFDC589F}" vid="{4A3C46E8-61CC-4603-A589-7422A47A8E4A}"/>
-    </a:ext>
-  </a:extLst>
 </a:theme>
 </file>